--- a/src/proj6_6320/proj6_template.pptx
+++ b/src/proj6_6320/proj6_template.pptx
@@ -1,125 +1,30 @@
 
 <file path=ppt/presentation.xml><?xml version="1.0" encoding="utf-8"?>
-<p:presentation xmlns:a="http://schemas.openxmlformats.org/drawingml/2006/main" xmlns:r="http://schemas.openxmlformats.org/officeDocument/2006/relationships" xmlns:p="http://schemas.openxmlformats.org/presentationml/2006/main">
+<p:presentation xmlns:a="http://schemas.openxmlformats.org/drawingml/2006/main" xmlns:p="http://schemas.openxmlformats.org/presentationml/2006/main" xmlns:r="http://schemas.openxmlformats.org/officeDocument/2006/relationships" xmlns:p14="http://schemas.microsoft.com/office/powerpoint/2010/main" xmlns:p15="http://schemas.microsoft.com/office/powerpoint/2012/main" xmlns:mc="http://schemas.openxmlformats.org/markup-compatibility/2006">
   <p:sldMasterIdLst>
-    <p:sldMasterId id="2147483648" r:id="rId1"/>
-    <p:sldMasterId id="2147483661" r:id="rId2"/>
+    <p:sldMasterId id="2147483648" r:id="rId2"/>
+    <p:sldMasterId id="2147483661" r:id="rId3"/>
   </p:sldMasterIdLst>
   <p:sldIdLst>
-    <p:sldId id="256" r:id="rId3"/>
-    <p:sldId id="257" r:id="rId4"/>
-    <p:sldId id="258" r:id="rId5"/>
-    <p:sldId id="259" r:id="rId6"/>
-    <p:sldId id="260" r:id="rId7"/>
-    <p:sldId id="261" r:id="rId8"/>
-    <p:sldId id="262" r:id="rId9"/>
-    <p:sldId id="263" r:id="rId10"/>
-    <p:sldId id="264" r:id="rId11"/>
-    <p:sldId id="265" r:id="rId12"/>
-    <p:sldId id="266" r:id="rId13"/>
+    <p:sldId id="256" r:id="rId4"/>
+    <p:sldId id="257" r:id="rId5"/>
+    <p:sldId id="258" r:id="rId6"/>
+    <p:sldId id="259" r:id="rId7"/>
+    <p:sldId id="260" r:id="rId8"/>
+    <p:sldId id="261" r:id="rId9"/>
+    <p:sldId id="262" r:id="rId10"/>
+    <p:sldId id="263" r:id="rId11"/>
+    <p:sldId id="264" r:id="rId12"/>
+    <p:sldId id="265" r:id="rId13"/>
+    <p:sldId id="266" r:id="rId14"/>
   </p:sldIdLst>
-  <p:sldSz cx="9144000" cy="5143500" type="screen16x9"/>
+  <p:sldSz cx="9144000" cy="5143500"/>
   <p:notesSz cx="7772400" cy="10058400"/>
-  <p:defaultTextStyle>
-    <a:defPPr>
-      <a:defRPr lang="en-US"/>
-    </a:defPPr>
-    <a:lvl1pPr marL="0" algn="l" defTabSz="914400" rtl="0" eaLnBrk="1" latinLnBrk="0" hangingPunct="1">
-      <a:defRPr sz="1800" kern="1200">
-        <a:solidFill>
-          <a:schemeClr val="tx1"/>
-        </a:solidFill>
-        <a:latin typeface="+mn-lt"/>
-        <a:ea typeface="+mn-ea"/>
-        <a:cs typeface="+mn-cs"/>
-      </a:defRPr>
-    </a:lvl1pPr>
-    <a:lvl2pPr marL="457200" algn="l" defTabSz="914400" rtl="0" eaLnBrk="1" latinLnBrk="0" hangingPunct="1">
-      <a:defRPr sz="1800" kern="1200">
-        <a:solidFill>
-          <a:schemeClr val="tx1"/>
-        </a:solidFill>
-        <a:latin typeface="+mn-lt"/>
-        <a:ea typeface="+mn-ea"/>
-        <a:cs typeface="+mn-cs"/>
-      </a:defRPr>
-    </a:lvl2pPr>
-    <a:lvl3pPr marL="914400" algn="l" defTabSz="914400" rtl="0" eaLnBrk="1" latinLnBrk="0" hangingPunct="1">
-      <a:defRPr sz="1800" kern="1200">
-        <a:solidFill>
-          <a:schemeClr val="tx1"/>
-        </a:solidFill>
-        <a:latin typeface="+mn-lt"/>
-        <a:ea typeface="+mn-ea"/>
-        <a:cs typeface="+mn-cs"/>
-      </a:defRPr>
-    </a:lvl3pPr>
-    <a:lvl4pPr marL="1371600" algn="l" defTabSz="914400" rtl="0" eaLnBrk="1" latinLnBrk="0" hangingPunct="1">
-      <a:defRPr sz="1800" kern="1200">
-        <a:solidFill>
-          <a:schemeClr val="tx1"/>
-        </a:solidFill>
-        <a:latin typeface="+mn-lt"/>
-        <a:ea typeface="+mn-ea"/>
-        <a:cs typeface="+mn-cs"/>
-      </a:defRPr>
-    </a:lvl4pPr>
-    <a:lvl5pPr marL="1828800" algn="l" defTabSz="914400" rtl="0" eaLnBrk="1" latinLnBrk="0" hangingPunct="1">
-      <a:defRPr sz="1800" kern="1200">
-        <a:solidFill>
-          <a:schemeClr val="tx1"/>
-        </a:solidFill>
-        <a:latin typeface="+mn-lt"/>
-        <a:ea typeface="+mn-ea"/>
-        <a:cs typeface="+mn-cs"/>
-      </a:defRPr>
-    </a:lvl5pPr>
-    <a:lvl6pPr marL="2286000" algn="l" defTabSz="914400" rtl="0" eaLnBrk="1" latinLnBrk="0" hangingPunct="1">
-      <a:defRPr sz="1800" kern="1200">
-        <a:solidFill>
-          <a:schemeClr val="tx1"/>
-        </a:solidFill>
-        <a:latin typeface="+mn-lt"/>
-        <a:ea typeface="+mn-ea"/>
-        <a:cs typeface="+mn-cs"/>
-      </a:defRPr>
-    </a:lvl6pPr>
-    <a:lvl7pPr marL="2743200" algn="l" defTabSz="914400" rtl="0" eaLnBrk="1" latinLnBrk="0" hangingPunct="1">
-      <a:defRPr sz="1800" kern="1200">
-        <a:solidFill>
-          <a:schemeClr val="tx1"/>
-        </a:solidFill>
-        <a:latin typeface="+mn-lt"/>
-        <a:ea typeface="+mn-ea"/>
-        <a:cs typeface="+mn-cs"/>
-      </a:defRPr>
-    </a:lvl7pPr>
-    <a:lvl8pPr marL="3200400" algn="l" defTabSz="914400" rtl="0" eaLnBrk="1" latinLnBrk="0" hangingPunct="1">
-      <a:defRPr sz="1800" kern="1200">
-        <a:solidFill>
-          <a:schemeClr val="tx1"/>
-        </a:solidFill>
-        <a:latin typeface="+mn-lt"/>
-        <a:ea typeface="+mn-ea"/>
-        <a:cs typeface="+mn-cs"/>
-      </a:defRPr>
-    </a:lvl8pPr>
-    <a:lvl9pPr marL="3657600" algn="l" defTabSz="914400" rtl="0" eaLnBrk="1" latinLnBrk="0" hangingPunct="1">
-      <a:defRPr sz="1800" kern="1200">
-        <a:solidFill>
-          <a:schemeClr val="tx1"/>
-        </a:solidFill>
-        <a:latin typeface="+mn-lt"/>
-        <a:ea typeface="+mn-ea"/>
-        <a:cs typeface="+mn-cs"/>
-      </a:defRPr>
-    </a:lvl9pPr>
-  </p:defaultTextStyle>
 </p:presentation>
 </file>
 
 <file path=ppt/slideLayouts/slideLayout1.xml><?xml version="1.0" encoding="utf-8"?>
-<p:sldLayout xmlns:a="http://schemas.openxmlformats.org/drawingml/2006/main" xmlns:r="http://schemas.openxmlformats.org/officeDocument/2006/relationships" xmlns:p="http://schemas.openxmlformats.org/presentationml/2006/main" type="blank" preserve="1">
+<p:sldLayout xmlns:a="http://schemas.openxmlformats.org/drawingml/2006/main" xmlns:p="http://schemas.openxmlformats.org/presentationml/2006/main" xmlns:r="http://schemas.openxmlformats.org/officeDocument/2006/relationships" xmlns:p14="http://schemas.microsoft.com/office/powerpoint/2010/main" xmlns:p15="http://schemas.microsoft.com/office/powerpoint/2012/main" xmlns:mc="http://schemas.openxmlformats.org/markup-compatibility/2006" type="blank" preserve="1">
   <p:cSld name="Blank Slide">
     <p:spTree>
       <p:nvGrpSpPr>
@@ -137,14 +42,11 @@
       </p:grpSpPr>
     </p:spTree>
   </p:cSld>
-  <p:clrMapOvr>
-    <a:masterClrMapping/>
-  </p:clrMapOvr>
 </p:sldLayout>
 </file>
 
 <file path=ppt/slideLayouts/slideLayout10.xml><?xml version="1.0" encoding="utf-8"?>
-<p:sldLayout xmlns:a="http://schemas.openxmlformats.org/drawingml/2006/main" xmlns:r="http://schemas.openxmlformats.org/officeDocument/2006/relationships" xmlns:p="http://schemas.openxmlformats.org/presentationml/2006/main" type="objOverTx" preserve="1">
+<p:sldLayout xmlns:a="http://schemas.openxmlformats.org/drawingml/2006/main" xmlns:p="http://schemas.openxmlformats.org/presentationml/2006/main" xmlns:r="http://schemas.openxmlformats.org/officeDocument/2006/relationships" xmlns:p14="http://schemas.microsoft.com/office/powerpoint/2010/main" xmlns:p15="http://schemas.microsoft.com/office/powerpoint/2012/main" xmlns:mc="http://schemas.openxmlformats.org/markup-compatibility/2006" type="objOverTx" preserve="1">
   <p:cSld name="Title, Content over Content">
     <p:spTree>
       <p:nvGrpSpPr>
@@ -172,19 +74,26 @@
         </p:nvSpPr>
         <p:spPr>
           <a:xfrm>
-            <a:off x="311760" y="418320"/>
-            <a:ext cx="8519760" cy="625320"/>
-          </a:xfrm>
-          <a:prstGeom prst="rect">
-            <a:avLst/>
-          </a:prstGeom>
-        </p:spPr>
-        <p:txBody>
-          <a:bodyPr lIns="0" tIns="0" rIns="0" bIns="0" anchor="ctr"/>
-          <a:lstStyle/>
-          <a:p>
-            <a:pPr algn="ctr"/>
-            <a:endParaRPr lang="en-US" sz="4400" b="0" strike="noStrike" spc="-1">
+            <a:off x="311760" y="417960"/>
+            <a:ext cx="8519040" cy="625320"/>
+          </a:xfrm>
+          <a:prstGeom prst="rect">
+            <a:avLst/>
+          </a:prstGeom>
+          <a:noFill/>
+          <a:ln w="0">
+            <a:noFill/>
+          </a:ln>
+        </p:spPr>
+        <p:txBody>
+          <a:bodyPr lIns="0" rIns="0" tIns="0" bIns="0" anchor="ctr">
+            <a:noAutofit/>
+          </a:bodyPr>
+          <a:p>
+            <a:pPr algn="ctr">
+              <a:buNone/>
+            </a:pPr>
+            <a:endParaRPr b="0" lang="en-US" sz="4400" spc="-1" strike="noStrike">
               <a:latin typeface="Arial"/>
             </a:endParaRPr>
           </a:p>
@@ -197,25 +106,28 @@
             <a:spLocks noGrp="1"/>
           </p:cNvSpPr>
           <p:nvPr>
-            <p:ph type="body"/>
+            <p:ph/>
           </p:nvPr>
         </p:nvSpPr>
         <p:spPr>
           <a:xfrm>
             <a:off x="311760" y="1152360"/>
-            <a:ext cx="1951200" cy="1629000"/>
-          </a:xfrm>
-          <a:prstGeom prst="rect">
-            <a:avLst/>
-          </a:prstGeom>
-        </p:spPr>
-        <p:txBody>
-          <a:bodyPr lIns="0" tIns="0" rIns="0" bIns="0">
-            <a:normAutofit/>
-          </a:bodyPr>
-          <a:lstStyle/>
-          <a:p>
-            <a:endParaRPr lang="en-US" sz="3200" b="0" strike="noStrike" spc="-1">
+            <a:ext cx="463680" cy="1628640"/>
+          </a:xfrm>
+          <a:prstGeom prst="rect">
+            <a:avLst/>
+          </a:prstGeom>
+          <a:noFill/>
+          <a:ln w="0">
+            <a:noFill/>
+          </a:ln>
+        </p:spPr>
+        <p:txBody>
+          <a:bodyPr lIns="0" rIns="0" tIns="0" bIns="0" anchor="t">
+            <a:normAutofit fontScale="49000"/>
+          </a:bodyPr>
+          <a:p>
+            <a:endParaRPr b="0" lang="en-US" sz="3200" spc="-1" strike="noStrike">
               <a:latin typeface="Arial"/>
             </a:endParaRPr>
           </a:p>
@@ -228,25 +140,28 @@
             <a:spLocks noGrp="1"/>
           </p:cNvSpPr>
           <p:nvPr>
-            <p:ph type="body"/>
-          </p:nvPr>
-        </p:nvSpPr>
-        <p:spPr>
-          <a:xfrm>
-            <a:off x="311760" y="2936520"/>
-            <a:ext cx="1951200" cy="1629000"/>
-          </a:xfrm>
-          <a:prstGeom prst="rect">
-            <a:avLst/>
-          </a:prstGeom>
-        </p:spPr>
-        <p:txBody>
-          <a:bodyPr lIns="0" tIns="0" rIns="0" bIns="0">
-            <a:normAutofit/>
-          </a:bodyPr>
-          <a:lstStyle/>
-          <a:p>
-            <a:endParaRPr lang="en-US" sz="3200" b="0" strike="noStrike" spc="-1">
+            <p:ph/>
+          </p:nvPr>
+        </p:nvSpPr>
+        <p:spPr>
+          <a:xfrm>
+            <a:off x="311760" y="2936160"/>
+            <a:ext cx="463680" cy="1628640"/>
+          </a:xfrm>
+          <a:prstGeom prst="rect">
+            <a:avLst/>
+          </a:prstGeom>
+          <a:noFill/>
+          <a:ln w="0">
+            <a:noFill/>
+          </a:ln>
+        </p:spPr>
+        <p:txBody>
+          <a:bodyPr lIns="0" rIns="0" tIns="0" bIns="0" anchor="t">
+            <a:normAutofit fontScale="49000"/>
+          </a:bodyPr>
+          <a:p>
+            <a:endParaRPr b="0" lang="en-US" sz="3200" spc="-1" strike="noStrike">
               <a:latin typeface="Arial"/>
             </a:endParaRPr>
           </a:p>
@@ -254,14 +169,11 @@
       </p:sp>
     </p:spTree>
   </p:cSld>
-  <p:clrMapOvr>
-    <a:masterClrMapping/>
-  </p:clrMapOvr>
 </p:sldLayout>
 </file>
 
 <file path=ppt/slideLayouts/slideLayout11.xml><?xml version="1.0" encoding="utf-8"?>
-<p:sldLayout xmlns:a="http://schemas.openxmlformats.org/drawingml/2006/main" xmlns:r="http://schemas.openxmlformats.org/officeDocument/2006/relationships" xmlns:p="http://schemas.openxmlformats.org/presentationml/2006/main" type="fourObj" preserve="1">
+<p:sldLayout xmlns:a="http://schemas.openxmlformats.org/drawingml/2006/main" xmlns:p="http://schemas.openxmlformats.org/presentationml/2006/main" xmlns:r="http://schemas.openxmlformats.org/officeDocument/2006/relationships" xmlns:p14="http://schemas.microsoft.com/office/powerpoint/2010/main" xmlns:p15="http://schemas.microsoft.com/office/powerpoint/2012/main" xmlns:mc="http://schemas.openxmlformats.org/markup-compatibility/2006" type="fourObj" preserve="1">
   <p:cSld name="Title, 4 Content">
     <p:spTree>
       <p:nvGrpSpPr>
@@ -289,19 +201,26 @@
         </p:nvSpPr>
         <p:spPr>
           <a:xfrm>
-            <a:off x="311760" y="418320"/>
-            <a:ext cx="8519760" cy="625320"/>
-          </a:xfrm>
-          <a:prstGeom prst="rect">
-            <a:avLst/>
-          </a:prstGeom>
-        </p:spPr>
-        <p:txBody>
-          <a:bodyPr lIns="0" tIns="0" rIns="0" bIns="0" anchor="ctr"/>
-          <a:lstStyle/>
-          <a:p>
-            <a:pPr algn="ctr"/>
-            <a:endParaRPr lang="en-US" sz="4400" b="0" strike="noStrike" spc="-1">
+            <a:off x="311760" y="417960"/>
+            <a:ext cx="8519040" cy="625320"/>
+          </a:xfrm>
+          <a:prstGeom prst="rect">
+            <a:avLst/>
+          </a:prstGeom>
+          <a:noFill/>
+          <a:ln w="0">
+            <a:noFill/>
+          </a:ln>
+        </p:spPr>
+        <p:txBody>
+          <a:bodyPr lIns="0" rIns="0" tIns="0" bIns="0" anchor="ctr">
+            <a:noAutofit/>
+          </a:bodyPr>
+          <a:p>
+            <a:pPr algn="ctr">
+              <a:buNone/>
+            </a:pPr>
+            <a:endParaRPr b="0" lang="en-US" sz="4400" spc="-1" strike="noStrike">
               <a:latin typeface="Arial"/>
             </a:endParaRPr>
           </a:p>
@@ -314,25 +233,28 @@
             <a:spLocks noGrp="1"/>
           </p:cNvSpPr>
           <p:nvPr>
-            <p:ph type="body"/>
+            <p:ph/>
           </p:nvPr>
         </p:nvSpPr>
         <p:spPr>
           <a:xfrm>
             <a:off x="311760" y="1152360"/>
-            <a:ext cx="951840" cy="1629000"/>
-          </a:xfrm>
-          <a:prstGeom prst="rect">
-            <a:avLst/>
-          </a:prstGeom>
-        </p:spPr>
-        <p:txBody>
-          <a:bodyPr lIns="0" tIns="0" rIns="0" bIns="0">
-            <a:normAutofit/>
-          </a:bodyPr>
-          <a:lstStyle/>
-          <a:p>
-            <a:endParaRPr lang="en-US" sz="3200" b="0" strike="noStrike" spc="-1">
+            <a:ext cx="226080" cy="1628640"/>
+          </a:xfrm>
+          <a:prstGeom prst="rect">
+            <a:avLst/>
+          </a:prstGeom>
+          <a:noFill/>
+          <a:ln w="0">
+            <a:noFill/>
+          </a:ln>
+        </p:spPr>
+        <p:txBody>
+          <a:bodyPr lIns="0" rIns="0" tIns="0" bIns="0" anchor="t">
+            <a:normAutofit fontScale="30000"/>
+          </a:bodyPr>
+          <a:p>
+            <a:endParaRPr b="0" lang="en-US" sz="3200" spc="-1" strike="noStrike">
               <a:latin typeface="Arial"/>
             </a:endParaRPr>
           </a:p>
@@ -345,25 +267,28 @@
             <a:spLocks noGrp="1"/>
           </p:cNvSpPr>
           <p:nvPr>
-            <p:ph type="body"/>
-          </p:nvPr>
-        </p:nvSpPr>
-        <p:spPr>
-          <a:xfrm>
-            <a:off x="1311480" y="1152360"/>
-            <a:ext cx="951840" cy="1629000"/>
-          </a:xfrm>
-          <a:prstGeom prst="rect">
-            <a:avLst/>
-          </a:prstGeom>
-        </p:spPr>
-        <p:txBody>
-          <a:bodyPr lIns="0" tIns="0" rIns="0" bIns="0">
-            <a:normAutofit/>
-          </a:bodyPr>
-          <a:lstStyle/>
-          <a:p>
-            <a:endParaRPr lang="en-US" sz="3200" b="0" strike="noStrike" spc="-1">
+            <p:ph/>
+          </p:nvPr>
+        </p:nvSpPr>
+        <p:spPr>
+          <a:xfrm>
+            <a:off x="549360" y="1152360"/>
+            <a:ext cx="226080" cy="1628640"/>
+          </a:xfrm>
+          <a:prstGeom prst="rect">
+            <a:avLst/>
+          </a:prstGeom>
+          <a:noFill/>
+          <a:ln w="0">
+            <a:noFill/>
+          </a:ln>
+        </p:spPr>
+        <p:txBody>
+          <a:bodyPr lIns="0" rIns="0" tIns="0" bIns="0" anchor="t">
+            <a:normAutofit fontScale="30000"/>
+          </a:bodyPr>
+          <a:p>
+            <a:endParaRPr b="0" lang="en-US" sz="3200" spc="-1" strike="noStrike">
               <a:latin typeface="Arial"/>
             </a:endParaRPr>
           </a:p>
@@ -376,25 +301,28 @@
             <a:spLocks noGrp="1"/>
           </p:cNvSpPr>
           <p:nvPr>
-            <p:ph type="body"/>
-          </p:nvPr>
-        </p:nvSpPr>
-        <p:spPr>
-          <a:xfrm>
-            <a:off x="311760" y="2936520"/>
-            <a:ext cx="951840" cy="1629000"/>
-          </a:xfrm>
-          <a:prstGeom prst="rect">
-            <a:avLst/>
-          </a:prstGeom>
-        </p:spPr>
-        <p:txBody>
-          <a:bodyPr lIns="0" tIns="0" rIns="0" bIns="0">
-            <a:normAutofit/>
-          </a:bodyPr>
-          <a:lstStyle/>
-          <a:p>
-            <a:endParaRPr lang="en-US" sz="3200" b="0" strike="noStrike" spc="-1">
+            <p:ph/>
+          </p:nvPr>
+        </p:nvSpPr>
+        <p:spPr>
+          <a:xfrm>
+            <a:off x="311760" y="2936160"/>
+            <a:ext cx="226080" cy="1628640"/>
+          </a:xfrm>
+          <a:prstGeom prst="rect">
+            <a:avLst/>
+          </a:prstGeom>
+          <a:noFill/>
+          <a:ln w="0">
+            <a:noFill/>
+          </a:ln>
+        </p:spPr>
+        <p:txBody>
+          <a:bodyPr lIns="0" rIns="0" tIns="0" bIns="0" anchor="t">
+            <a:normAutofit fontScale="30000"/>
+          </a:bodyPr>
+          <a:p>
+            <a:endParaRPr b="0" lang="en-US" sz="3200" spc="-1" strike="noStrike">
               <a:latin typeface="Arial"/>
             </a:endParaRPr>
           </a:p>
@@ -407,25 +335,28 @@
             <a:spLocks noGrp="1"/>
           </p:cNvSpPr>
           <p:nvPr>
-            <p:ph type="body"/>
-          </p:nvPr>
-        </p:nvSpPr>
-        <p:spPr>
-          <a:xfrm>
-            <a:off x="1311480" y="2936520"/>
-            <a:ext cx="951840" cy="1629000"/>
-          </a:xfrm>
-          <a:prstGeom prst="rect">
-            <a:avLst/>
-          </a:prstGeom>
-        </p:spPr>
-        <p:txBody>
-          <a:bodyPr lIns="0" tIns="0" rIns="0" bIns="0">
-            <a:normAutofit/>
-          </a:bodyPr>
-          <a:lstStyle/>
-          <a:p>
-            <a:endParaRPr lang="en-US" sz="3200" b="0" strike="noStrike" spc="-1">
+            <p:ph/>
+          </p:nvPr>
+        </p:nvSpPr>
+        <p:spPr>
+          <a:xfrm>
+            <a:off x="549360" y="2936160"/>
+            <a:ext cx="226080" cy="1628640"/>
+          </a:xfrm>
+          <a:prstGeom prst="rect">
+            <a:avLst/>
+          </a:prstGeom>
+          <a:noFill/>
+          <a:ln w="0">
+            <a:noFill/>
+          </a:ln>
+        </p:spPr>
+        <p:txBody>
+          <a:bodyPr lIns="0" rIns="0" tIns="0" bIns="0" anchor="t">
+            <a:normAutofit fontScale="30000"/>
+          </a:bodyPr>
+          <a:p>
+            <a:endParaRPr b="0" lang="en-US" sz="3200" spc="-1" strike="noStrike">
               <a:latin typeface="Arial"/>
             </a:endParaRPr>
           </a:p>
@@ -433,14 +364,11 @@
       </p:sp>
     </p:spTree>
   </p:cSld>
-  <p:clrMapOvr>
-    <a:masterClrMapping/>
-  </p:clrMapOvr>
 </p:sldLayout>
 </file>
 
 <file path=ppt/slideLayouts/slideLayout12.xml><?xml version="1.0" encoding="utf-8"?>
-<p:sldLayout xmlns:a="http://schemas.openxmlformats.org/drawingml/2006/main" xmlns:r="http://schemas.openxmlformats.org/officeDocument/2006/relationships" xmlns:p="http://schemas.openxmlformats.org/presentationml/2006/main" type="blank" preserve="1">
+<p:sldLayout xmlns:a="http://schemas.openxmlformats.org/drawingml/2006/main" xmlns:p="http://schemas.openxmlformats.org/presentationml/2006/main" xmlns:r="http://schemas.openxmlformats.org/officeDocument/2006/relationships" xmlns:p14="http://schemas.microsoft.com/office/powerpoint/2010/main" xmlns:p15="http://schemas.microsoft.com/office/powerpoint/2012/main" xmlns:mc="http://schemas.openxmlformats.org/markup-compatibility/2006" type="blank" preserve="1">
   <p:cSld name="Title, 6 Content">
     <p:spTree>
       <p:nvGrpSpPr>
@@ -468,19 +396,26 @@
         </p:nvSpPr>
         <p:spPr>
           <a:xfrm>
-            <a:off x="311760" y="418320"/>
-            <a:ext cx="8519760" cy="625320"/>
-          </a:xfrm>
-          <a:prstGeom prst="rect">
-            <a:avLst/>
-          </a:prstGeom>
-        </p:spPr>
-        <p:txBody>
-          <a:bodyPr lIns="0" tIns="0" rIns="0" bIns="0" anchor="ctr"/>
-          <a:lstStyle/>
-          <a:p>
-            <a:pPr algn="ctr"/>
-            <a:endParaRPr lang="en-US" sz="4400" b="0" strike="noStrike" spc="-1">
+            <a:off x="311760" y="417960"/>
+            <a:ext cx="8519040" cy="625320"/>
+          </a:xfrm>
+          <a:prstGeom prst="rect">
+            <a:avLst/>
+          </a:prstGeom>
+          <a:noFill/>
+          <a:ln w="0">
+            <a:noFill/>
+          </a:ln>
+        </p:spPr>
+        <p:txBody>
+          <a:bodyPr lIns="0" rIns="0" tIns="0" bIns="0" anchor="ctr">
+            <a:noAutofit/>
+          </a:bodyPr>
+          <a:p>
+            <a:pPr algn="ctr">
+              <a:buNone/>
+            </a:pPr>
+            <a:endParaRPr b="0" lang="en-US" sz="4400" spc="-1" strike="noStrike">
               <a:latin typeface="Arial"/>
             </a:endParaRPr>
           </a:p>
@@ -493,25 +428,28 @@
             <a:spLocks noGrp="1"/>
           </p:cNvSpPr>
           <p:nvPr>
-            <p:ph type="body"/>
+            <p:ph/>
           </p:nvPr>
         </p:nvSpPr>
         <p:spPr>
           <a:xfrm>
             <a:off x="311760" y="1152360"/>
-            <a:ext cx="628200" cy="1629000"/>
-          </a:xfrm>
-          <a:prstGeom prst="rect">
-            <a:avLst/>
-          </a:prstGeom>
-        </p:spPr>
-        <p:txBody>
-          <a:bodyPr lIns="0" tIns="0" rIns="0" bIns="0">
-            <a:normAutofit/>
-          </a:bodyPr>
-          <a:lstStyle/>
-          <a:p>
-            <a:endParaRPr lang="en-US" sz="3200" b="0" strike="noStrike" spc="-1">
+            <a:ext cx="149040" cy="1628640"/>
+          </a:xfrm>
+          <a:prstGeom prst="rect">
+            <a:avLst/>
+          </a:prstGeom>
+          <a:noFill/>
+          <a:ln w="0">
+            <a:noFill/>
+          </a:ln>
+        </p:spPr>
+        <p:txBody>
+          <a:bodyPr lIns="0" rIns="0" tIns="0" bIns="0" anchor="t">
+            <a:normAutofit fontScale="23000"/>
+          </a:bodyPr>
+          <a:p>
+            <a:endParaRPr b="0" lang="en-US" sz="3200" spc="-1" strike="noStrike">
               <a:latin typeface="Arial"/>
             </a:endParaRPr>
           </a:p>
@@ -524,25 +462,28 @@
             <a:spLocks noGrp="1"/>
           </p:cNvSpPr>
           <p:nvPr>
-            <p:ph type="body"/>
-          </p:nvPr>
-        </p:nvSpPr>
-        <p:spPr>
-          <a:xfrm>
-            <a:off x="971640" y="1152360"/>
-            <a:ext cx="628200" cy="1629000"/>
-          </a:xfrm>
-          <a:prstGeom prst="rect">
-            <a:avLst/>
-          </a:prstGeom>
-        </p:spPr>
-        <p:txBody>
-          <a:bodyPr lIns="0" tIns="0" rIns="0" bIns="0">
-            <a:normAutofit/>
-          </a:bodyPr>
-          <a:lstStyle/>
-          <a:p>
-            <a:endParaRPr lang="en-US" sz="3200" b="0" strike="noStrike" spc="-1">
+            <p:ph/>
+          </p:nvPr>
+        </p:nvSpPr>
+        <p:spPr>
+          <a:xfrm>
+            <a:off x="468720" y="1152360"/>
+            <a:ext cx="149040" cy="1628640"/>
+          </a:xfrm>
+          <a:prstGeom prst="rect">
+            <a:avLst/>
+          </a:prstGeom>
+          <a:noFill/>
+          <a:ln w="0">
+            <a:noFill/>
+          </a:ln>
+        </p:spPr>
+        <p:txBody>
+          <a:bodyPr lIns="0" rIns="0" tIns="0" bIns="0" anchor="t">
+            <a:normAutofit fontScale="23000"/>
+          </a:bodyPr>
+          <a:p>
+            <a:endParaRPr b="0" lang="en-US" sz="3200" spc="-1" strike="noStrike">
               <a:latin typeface="Arial"/>
             </a:endParaRPr>
           </a:p>
@@ -555,25 +496,28 @@
             <a:spLocks noGrp="1"/>
           </p:cNvSpPr>
           <p:nvPr>
-            <p:ph type="body"/>
-          </p:nvPr>
-        </p:nvSpPr>
-        <p:spPr>
-          <a:xfrm>
-            <a:off x="1631880" y="1152360"/>
-            <a:ext cx="628200" cy="1629000"/>
-          </a:xfrm>
-          <a:prstGeom prst="rect">
-            <a:avLst/>
-          </a:prstGeom>
-        </p:spPr>
-        <p:txBody>
-          <a:bodyPr lIns="0" tIns="0" rIns="0" bIns="0">
-            <a:normAutofit/>
-          </a:bodyPr>
-          <a:lstStyle/>
-          <a:p>
-            <a:endParaRPr lang="en-US" sz="3200" b="0" strike="noStrike" spc="-1">
+            <p:ph/>
+          </p:nvPr>
+        </p:nvSpPr>
+        <p:spPr>
+          <a:xfrm>
+            <a:off x="625680" y="1152360"/>
+            <a:ext cx="149040" cy="1628640"/>
+          </a:xfrm>
+          <a:prstGeom prst="rect">
+            <a:avLst/>
+          </a:prstGeom>
+          <a:noFill/>
+          <a:ln w="0">
+            <a:noFill/>
+          </a:ln>
+        </p:spPr>
+        <p:txBody>
+          <a:bodyPr lIns="0" rIns="0" tIns="0" bIns="0" anchor="t">
+            <a:normAutofit fontScale="23000"/>
+          </a:bodyPr>
+          <a:p>
+            <a:endParaRPr b="0" lang="en-US" sz="3200" spc="-1" strike="noStrike">
               <a:latin typeface="Arial"/>
             </a:endParaRPr>
           </a:p>
@@ -586,25 +530,28 @@
             <a:spLocks noGrp="1"/>
           </p:cNvSpPr>
           <p:nvPr>
-            <p:ph type="body"/>
-          </p:nvPr>
-        </p:nvSpPr>
-        <p:spPr>
-          <a:xfrm>
-            <a:off x="311760" y="2936520"/>
-            <a:ext cx="628200" cy="1629000"/>
-          </a:xfrm>
-          <a:prstGeom prst="rect">
-            <a:avLst/>
-          </a:prstGeom>
-        </p:spPr>
-        <p:txBody>
-          <a:bodyPr lIns="0" tIns="0" rIns="0" bIns="0">
-            <a:normAutofit/>
-          </a:bodyPr>
-          <a:lstStyle/>
-          <a:p>
-            <a:endParaRPr lang="en-US" sz="3200" b="0" strike="noStrike" spc="-1">
+            <p:ph/>
+          </p:nvPr>
+        </p:nvSpPr>
+        <p:spPr>
+          <a:xfrm>
+            <a:off x="311760" y="2936160"/>
+            <a:ext cx="149040" cy="1628640"/>
+          </a:xfrm>
+          <a:prstGeom prst="rect">
+            <a:avLst/>
+          </a:prstGeom>
+          <a:noFill/>
+          <a:ln w="0">
+            <a:noFill/>
+          </a:ln>
+        </p:spPr>
+        <p:txBody>
+          <a:bodyPr lIns="0" rIns="0" tIns="0" bIns="0" anchor="t">
+            <a:normAutofit fontScale="23000"/>
+          </a:bodyPr>
+          <a:p>
+            <a:endParaRPr b="0" lang="en-US" sz="3200" spc="-1" strike="noStrike">
               <a:latin typeface="Arial"/>
             </a:endParaRPr>
           </a:p>
@@ -617,25 +564,28 @@
             <a:spLocks noGrp="1"/>
           </p:cNvSpPr>
           <p:nvPr>
-            <p:ph type="body"/>
-          </p:nvPr>
-        </p:nvSpPr>
-        <p:spPr>
-          <a:xfrm>
-            <a:off x="971640" y="2936520"/>
-            <a:ext cx="628200" cy="1629000"/>
-          </a:xfrm>
-          <a:prstGeom prst="rect">
-            <a:avLst/>
-          </a:prstGeom>
-        </p:spPr>
-        <p:txBody>
-          <a:bodyPr lIns="0" tIns="0" rIns="0" bIns="0">
-            <a:normAutofit/>
-          </a:bodyPr>
-          <a:lstStyle/>
-          <a:p>
-            <a:endParaRPr lang="en-US" sz="3200" b="0" strike="noStrike" spc="-1">
+            <p:ph/>
+          </p:nvPr>
+        </p:nvSpPr>
+        <p:spPr>
+          <a:xfrm>
+            <a:off x="468720" y="2936160"/>
+            <a:ext cx="149040" cy="1628640"/>
+          </a:xfrm>
+          <a:prstGeom prst="rect">
+            <a:avLst/>
+          </a:prstGeom>
+          <a:noFill/>
+          <a:ln w="0">
+            <a:noFill/>
+          </a:ln>
+        </p:spPr>
+        <p:txBody>
+          <a:bodyPr lIns="0" rIns="0" tIns="0" bIns="0" anchor="t">
+            <a:normAutofit fontScale="23000"/>
+          </a:bodyPr>
+          <a:p>
+            <a:endParaRPr b="0" lang="en-US" sz="3200" spc="-1" strike="noStrike">
               <a:latin typeface="Arial"/>
             </a:endParaRPr>
           </a:p>
@@ -648,25 +598,28 @@
             <a:spLocks noGrp="1"/>
           </p:cNvSpPr>
           <p:nvPr>
-            <p:ph type="body"/>
-          </p:nvPr>
-        </p:nvSpPr>
-        <p:spPr>
-          <a:xfrm>
-            <a:off x="1631880" y="2936520"/>
-            <a:ext cx="628200" cy="1629000"/>
-          </a:xfrm>
-          <a:prstGeom prst="rect">
-            <a:avLst/>
-          </a:prstGeom>
-        </p:spPr>
-        <p:txBody>
-          <a:bodyPr lIns="0" tIns="0" rIns="0" bIns="0">
-            <a:normAutofit/>
-          </a:bodyPr>
-          <a:lstStyle/>
-          <a:p>
-            <a:endParaRPr lang="en-US" sz="3200" b="0" strike="noStrike" spc="-1">
+            <p:ph/>
+          </p:nvPr>
+        </p:nvSpPr>
+        <p:spPr>
+          <a:xfrm>
+            <a:off x="625680" y="2936160"/>
+            <a:ext cx="149040" cy="1628640"/>
+          </a:xfrm>
+          <a:prstGeom prst="rect">
+            <a:avLst/>
+          </a:prstGeom>
+          <a:noFill/>
+          <a:ln w="0">
+            <a:noFill/>
+          </a:ln>
+        </p:spPr>
+        <p:txBody>
+          <a:bodyPr lIns="0" rIns="0" tIns="0" bIns="0" anchor="t">
+            <a:normAutofit fontScale="23000"/>
+          </a:bodyPr>
+          <a:p>
+            <a:endParaRPr b="0" lang="en-US" sz="3200" spc="-1" strike="noStrike">
               <a:latin typeface="Arial"/>
             </a:endParaRPr>
           </a:p>
@@ -674,14 +627,11 @@
       </p:sp>
     </p:spTree>
   </p:cSld>
-  <p:clrMapOvr>
-    <a:masterClrMapping/>
-  </p:clrMapOvr>
 </p:sldLayout>
 </file>
 
 <file path=ppt/slideLayouts/slideLayout13.xml><?xml version="1.0" encoding="utf-8"?>
-<p:sldLayout xmlns:a="http://schemas.openxmlformats.org/drawingml/2006/main" xmlns:r="http://schemas.openxmlformats.org/officeDocument/2006/relationships" xmlns:p="http://schemas.openxmlformats.org/presentationml/2006/main" type="blank" preserve="1">
+<p:sldLayout xmlns:a="http://schemas.openxmlformats.org/drawingml/2006/main" xmlns:p="http://schemas.openxmlformats.org/presentationml/2006/main" xmlns:r="http://schemas.openxmlformats.org/officeDocument/2006/relationships" xmlns:p14="http://schemas.microsoft.com/office/powerpoint/2010/main" xmlns:p15="http://schemas.microsoft.com/office/powerpoint/2012/main" xmlns:mc="http://schemas.openxmlformats.org/markup-compatibility/2006" type="blank" preserve="1">
   <p:cSld name="Blank Slide">
     <p:spTree>
       <p:nvGrpSpPr>
@@ -699,14 +649,11 @@
       </p:grpSpPr>
     </p:spTree>
   </p:cSld>
-  <p:clrMapOvr>
-    <a:masterClrMapping/>
-  </p:clrMapOvr>
 </p:sldLayout>
 </file>
 
 <file path=ppt/slideLayouts/slideLayout14.xml><?xml version="1.0" encoding="utf-8"?>
-<p:sldLayout xmlns:a="http://schemas.openxmlformats.org/drawingml/2006/main" xmlns:r="http://schemas.openxmlformats.org/officeDocument/2006/relationships" xmlns:p="http://schemas.openxmlformats.org/presentationml/2006/main" type="tx" preserve="1">
+<p:sldLayout xmlns:a="http://schemas.openxmlformats.org/drawingml/2006/main" xmlns:p="http://schemas.openxmlformats.org/presentationml/2006/main" xmlns:r="http://schemas.openxmlformats.org/officeDocument/2006/relationships" xmlns:p14="http://schemas.microsoft.com/office/powerpoint/2010/main" xmlns:p15="http://schemas.microsoft.com/office/powerpoint/2012/main" xmlns:mc="http://schemas.openxmlformats.org/markup-compatibility/2006" type="tx" preserve="1">
   <p:cSld name="Title Slide">
     <p:spTree>
       <p:nvGrpSpPr>
@@ -734,19 +681,26 @@
         </p:nvSpPr>
         <p:spPr>
           <a:xfrm>
-            <a:off x="311760" y="418320"/>
-            <a:ext cx="8519760" cy="625320"/>
-          </a:xfrm>
-          <a:prstGeom prst="rect">
-            <a:avLst/>
-          </a:prstGeom>
-        </p:spPr>
-        <p:txBody>
-          <a:bodyPr lIns="0" tIns="0" rIns="0" bIns="0" anchor="ctr"/>
-          <a:lstStyle/>
-          <a:p>
-            <a:pPr algn="ctr"/>
-            <a:endParaRPr lang="en-US" sz="4400" b="0" strike="noStrike" spc="-1">
+            <a:off x="311760" y="417960"/>
+            <a:ext cx="8519040" cy="625320"/>
+          </a:xfrm>
+          <a:prstGeom prst="rect">
+            <a:avLst/>
+          </a:prstGeom>
+          <a:noFill/>
+          <a:ln w="0">
+            <a:noFill/>
+          </a:ln>
+        </p:spPr>
+        <p:txBody>
+          <a:bodyPr lIns="0" rIns="0" tIns="0" bIns="0" anchor="ctr">
+            <a:noAutofit/>
+          </a:bodyPr>
+          <a:p>
+            <a:pPr algn="ctr">
+              <a:buNone/>
+            </a:pPr>
+            <a:endParaRPr b="0" lang="en-US" sz="4400" spc="-1" strike="noStrike">
               <a:latin typeface="Arial"/>
             </a:endParaRPr>
           </a:p>
@@ -764,19 +718,26 @@
         </p:nvSpPr>
         <p:spPr>
           <a:xfrm>
-            <a:off x="311760" y="1152360"/>
-            <a:ext cx="1951200" cy="3415680"/>
-          </a:xfrm>
-          <a:prstGeom prst="rect">
-            <a:avLst/>
-          </a:prstGeom>
-        </p:spPr>
-        <p:txBody>
-          <a:bodyPr lIns="0" tIns="0" rIns="0" bIns="0" anchor="ctr"/>
-          <a:lstStyle/>
-          <a:p>
-            <a:pPr algn="ctr"/>
-            <a:endParaRPr lang="en-US" sz="3200" b="0" strike="noStrike" spc="-1">
+            <a:off x="311760" y="1036800"/>
+            <a:ext cx="463680" cy="3646440"/>
+          </a:xfrm>
+          <a:prstGeom prst="rect">
+            <a:avLst/>
+          </a:prstGeom>
+          <a:noFill/>
+          <a:ln w="0">
+            <a:noFill/>
+          </a:ln>
+        </p:spPr>
+        <p:txBody>
+          <a:bodyPr lIns="0" rIns="0" tIns="0" bIns="0" anchor="ctr">
+            <a:noAutofit/>
+          </a:bodyPr>
+          <a:p>
+            <a:pPr algn="ctr">
+              <a:buNone/>
+            </a:pPr>
+            <a:endParaRPr b="0" lang="en-US" sz="3200" spc="-1" strike="noStrike">
               <a:latin typeface="Arial"/>
             </a:endParaRPr>
           </a:p>
@@ -784,14 +745,11 @@
       </p:sp>
     </p:spTree>
   </p:cSld>
-  <p:clrMapOvr>
-    <a:masterClrMapping/>
-  </p:clrMapOvr>
 </p:sldLayout>
 </file>
 
 <file path=ppt/slideLayouts/slideLayout15.xml><?xml version="1.0" encoding="utf-8"?>
-<p:sldLayout xmlns:a="http://schemas.openxmlformats.org/drawingml/2006/main" xmlns:r="http://schemas.openxmlformats.org/officeDocument/2006/relationships" xmlns:p="http://schemas.openxmlformats.org/presentationml/2006/main" type="obj" preserve="1">
+<p:sldLayout xmlns:a="http://schemas.openxmlformats.org/drawingml/2006/main" xmlns:p="http://schemas.openxmlformats.org/presentationml/2006/main" xmlns:r="http://schemas.openxmlformats.org/officeDocument/2006/relationships" xmlns:p14="http://schemas.microsoft.com/office/powerpoint/2010/main" xmlns:p15="http://schemas.microsoft.com/office/powerpoint/2012/main" xmlns:mc="http://schemas.openxmlformats.org/markup-compatibility/2006" type="obj" preserve="1">
   <p:cSld name="Title, Content">
     <p:spTree>
       <p:nvGrpSpPr>
@@ -819,19 +777,26 @@
         </p:nvSpPr>
         <p:spPr>
           <a:xfrm>
-            <a:off x="311760" y="418320"/>
-            <a:ext cx="8519760" cy="625320"/>
-          </a:xfrm>
-          <a:prstGeom prst="rect">
-            <a:avLst/>
-          </a:prstGeom>
-        </p:spPr>
-        <p:txBody>
-          <a:bodyPr lIns="0" tIns="0" rIns="0" bIns="0" anchor="ctr"/>
-          <a:lstStyle/>
-          <a:p>
-            <a:pPr algn="ctr"/>
-            <a:endParaRPr lang="en-US" sz="4400" b="0" strike="noStrike" spc="-1">
+            <a:off x="311760" y="417960"/>
+            <a:ext cx="8519040" cy="625320"/>
+          </a:xfrm>
+          <a:prstGeom prst="rect">
+            <a:avLst/>
+          </a:prstGeom>
+          <a:noFill/>
+          <a:ln w="0">
+            <a:noFill/>
+          </a:ln>
+        </p:spPr>
+        <p:txBody>
+          <a:bodyPr lIns="0" rIns="0" tIns="0" bIns="0" anchor="ctr">
+            <a:noAutofit/>
+          </a:bodyPr>
+          <a:p>
+            <a:pPr algn="ctr">
+              <a:buNone/>
+            </a:pPr>
+            <a:endParaRPr b="0" lang="en-US" sz="4400" spc="-1" strike="noStrike">
               <a:latin typeface="Arial"/>
             </a:endParaRPr>
           </a:p>
@@ -844,25 +809,28 @@
             <a:spLocks noGrp="1"/>
           </p:cNvSpPr>
           <p:nvPr>
-            <p:ph type="body"/>
+            <p:ph/>
           </p:nvPr>
         </p:nvSpPr>
         <p:spPr>
           <a:xfrm>
             <a:off x="311760" y="1152360"/>
-            <a:ext cx="1951200" cy="3415680"/>
-          </a:xfrm>
-          <a:prstGeom prst="rect">
-            <a:avLst/>
-          </a:prstGeom>
-        </p:spPr>
-        <p:txBody>
-          <a:bodyPr lIns="0" tIns="0" rIns="0" bIns="0">
-            <a:normAutofit/>
-          </a:bodyPr>
-          <a:lstStyle/>
-          <a:p>
-            <a:endParaRPr lang="en-US" sz="3200" b="0" strike="noStrike" spc="-1">
+            <a:ext cx="463680" cy="3414960"/>
+          </a:xfrm>
+          <a:prstGeom prst="rect">
+            <a:avLst/>
+          </a:prstGeom>
+          <a:noFill/>
+          <a:ln w="0">
+            <a:noFill/>
+          </a:ln>
+        </p:spPr>
+        <p:txBody>
+          <a:bodyPr lIns="0" rIns="0" tIns="0" bIns="0" anchor="t">
+            <a:normAutofit fontScale="61000"/>
+          </a:bodyPr>
+          <a:p>
+            <a:endParaRPr b="0" lang="en-US" sz="3200" spc="-1" strike="noStrike">
               <a:latin typeface="Arial"/>
             </a:endParaRPr>
           </a:p>
@@ -870,14 +838,11 @@
       </p:sp>
     </p:spTree>
   </p:cSld>
-  <p:clrMapOvr>
-    <a:masterClrMapping/>
-  </p:clrMapOvr>
 </p:sldLayout>
 </file>
 
 <file path=ppt/slideLayouts/slideLayout16.xml><?xml version="1.0" encoding="utf-8"?>
-<p:sldLayout xmlns:a="http://schemas.openxmlformats.org/drawingml/2006/main" xmlns:r="http://schemas.openxmlformats.org/officeDocument/2006/relationships" xmlns:p="http://schemas.openxmlformats.org/presentationml/2006/main" type="twoObj" preserve="1">
+<p:sldLayout xmlns:a="http://schemas.openxmlformats.org/drawingml/2006/main" xmlns:p="http://schemas.openxmlformats.org/presentationml/2006/main" xmlns:r="http://schemas.openxmlformats.org/officeDocument/2006/relationships" xmlns:p14="http://schemas.microsoft.com/office/powerpoint/2010/main" xmlns:p15="http://schemas.microsoft.com/office/powerpoint/2012/main" xmlns:mc="http://schemas.openxmlformats.org/markup-compatibility/2006" type="twoObj" preserve="1">
   <p:cSld name="Title, 2 Content">
     <p:spTree>
       <p:nvGrpSpPr>
@@ -905,19 +870,26 @@
         </p:nvSpPr>
         <p:spPr>
           <a:xfrm>
-            <a:off x="311760" y="418320"/>
-            <a:ext cx="8519760" cy="625320"/>
-          </a:xfrm>
-          <a:prstGeom prst="rect">
-            <a:avLst/>
-          </a:prstGeom>
-        </p:spPr>
-        <p:txBody>
-          <a:bodyPr lIns="0" tIns="0" rIns="0" bIns="0" anchor="ctr"/>
-          <a:lstStyle/>
-          <a:p>
-            <a:pPr algn="ctr"/>
-            <a:endParaRPr lang="en-US" sz="4400" b="0" strike="noStrike" spc="-1">
+            <a:off x="311760" y="417960"/>
+            <a:ext cx="8519040" cy="625320"/>
+          </a:xfrm>
+          <a:prstGeom prst="rect">
+            <a:avLst/>
+          </a:prstGeom>
+          <a:noFill/>
+          <a:ln w="0">
+            <a:noFill/>
+          </a:ln>
+        </p:spPr>
+        <p:txBody>
+          <a:bodyPr lIns="0" rIns="0" tIns="0" bIns="0" anchor="ctr">
+            <a:noAutofit/>
+          </a:bodyPr>
+          <a:p>
+            <a:pPr algn="ctr">
+              <a:buNone/>
+            </a:pPr>
+            <a:endParaRPr b="0" lang="en-US" sz="4400" spc="-1" strike="noStrike">
               <a:latin typeface="Arial"/>
             </a:endParaRPr>
           </a:p>
@@ -930,25 +902,28 @@
             <a:spLocks noGrp="1"/>
           </p:cNvSpPr>
           <p:nvPr>
-            <p:ph type="body"/>
+            <p:ph/>
           </p:nvPr>
         </p:nvSpPr>
         <p:spPr>
           <a:xfrm>
             <a:off x="311760" y="1152360"/>
-            <a:ext cx="951840" cy="3415680"/>
-          </a:xfrm>
-          <a:prstGeom prst="rect">
-            <a:avLst/>
-          </a:prstGeom>
-        </p:spPr>
-        <p:txBody>
-          <a:bodyPr lIns="0" tIns="0" rIns="0" bIns="0">
-            <a:normAutofit/>
-          </a:bodyPr>
-          <a:lstStyle/>
-          <a:p>
-            <a:endParaRPr lang="en-US" sz="3200" b="0" strike="noStrike" spc="-1">
+            <a:ext cx="226080" cy="3414960"/>
+          </a:xfrm>
+          <a:prstGeom prst="rect">
+            <a:avLst/>
+          </a:prstGeom>
+          <a:noFill/>
+          <a:ln w="0">
+            <a:noFill/>
+          </a:ln>
+        </p:spPr>
+        <p:txBody>
+          <a:bodyPr lIns="0" rIns="0" tIns="0" bIns="0" anchor="t">
+            <a:normAutofit fontScale="44000"/>
+          </a:bodyPr>
+          <a:p>
+            <a:endParaRPr b="0" lang="en-US" sz="3200" spc="-1" strike="noStrike">
               <a:latin typeface="Arial"/>
             </a:endParaRPr>
           </a:p>
@@ -961,25 +936,28 @@
             <a:spLocks noGrp="1"/>
           </p:cNvSpPr>
           <p:nvPr>
-            <p:ph type="body"/>
-          </p:nvPr>
-        </p:nvSpPr>
-        <p:spPr>
-          <a:xfrm>
-            <a:off x="1311480" y="1152360"/>
-            <a:ext cx="951840" cy="3415680"/>
-          </a:xfrm>
-          <a:prstGeom prst="rect">
-            <a:avLst/>
-          </a:prstGeom>
-        </p:spPr>
-        <p:txBody>
-          <a:bodyPr lIns="0" tIns="0" rIns="0" bIns="0">
-            <a:normAutofit/>
-          </a:bodyPr>
-          <a:lstStyle/>
-          <a:p>
-            <a:endParaRPr lang="en-US" sz="3200" b="0" strike="noStrike" spc="-1">
+            <p:ph/>
+          </p:nvPr>
+        </p:nvSpPr>
+        <p:spPr>
+          <a:xfrm>
+            <a:off x="549360" y="1152360"/>
+            <a:ext cx="226080" cy="3414960"/>
+          </a:xfrm>
+          <a:prstGeom prst="rect">
+            <a:avLst/>
+          </a:prstGeom>
+          <a:noFill/>
+          <a:ln w="0">
+            <a:noFill/>
+          </a:ln>
+        </p:spPr>
+        <p:txBody>
+          <a:bodyPr lIns="0" rIns="0" tIns="0" bIns="0" anchor="t">
+            <a:normAutofit fontScale="44000"/>
+          </a:bodyPr>
+          <a:p>
+            <a:endParaRPr b="0" lang="en-US" sz="3200" spc="-1" strike="noStrike">
               <a:latin typeface="Arial"/>
             </a:endParaRPr>
           </a:p>
@@ -987,14 +965,11 @@
       </p:sp>
     </p:spTree>
   </p:cSld>
-  <p:clrMapOvr>
-    <a:masterClrMapping/>
-  </p:clrMapOvr>
 </p:sldLayout>
 </file>
 
 <file path=ppt/slideLayouts/slideLayout17.xml><?xml version="1.0" encoding="utf-8"?>
-<p:sldLayout xmlns:a="http://schemas.openxmlformats.org/drawingml/2006/main" xmlns:r="http://schemas.openxmlformats.org/officeDocument/2006/relationships" xmlns:p="http://schemas.openxmlformats.org/presentationml/2006/main" type="titleOnly" preserve="1">
+<p:sldLayout xmlns:a="http://schemas.openxmlformats.org/drawingml/2006/main" xmlns:p="http://schemas.openxmlformats.org/presentationml/2006/main" xmlns:r="http://schemas.openxmlformats.org/officeDocument/2006/relationships" xmlns:p14="http://schemas.microsoft.com/office/powerpoint/2010/main" xmlns:p15="http://schemas.microsoft.com/office/powerpoint/2012/main" xmlns:mc="http://schemas.openxmlformats.org/markup-compatibility/2006" type="titleOnly" preserve="1">
   <p:cSld name="Title Only">
     <p:spTree>
       <p:nvGrpSpPr>
@@ -1022,19 +997,26 @@
         </p:nvSpPr>
         <p:spPr>
           <a:xfrm>
-            <a:off x="311760" y="418320"/>
-            <a:ext cx="8519760" cy="625320"/>
-          </a:xfrm>
-          <a:prstGeom prst="rect">
-            <a:avLst/>
-          </a:prstGeom>
-        </p:spPr>
-        <p:txBody>
-          <a:bodyPr lIns="0" tIns="0" rIns="0" bIns="0" anchor="ctr"/>
-          <a:lstStyle/>
-          <a:p>
-            <a:pPr algn="ctr"/>
-            <a:endParaRPr lang="en-US" sz="4400" b="0" strike="noStrike" spc="-1">
+            <a:off x="311760" y="417960"/>
+            <a:ext cx="8519040" cy="625320"/>
+          </a:xfrm>
+          <a:prstGeom prst="rect">
+            <a:avLst/>
+          </a:prstGeom>
+          <a:noFill/>
+          <a:ln w="0">
+            <a:noFill/>
+          </a:ln>
+        </p:spPr>
+        <p:txBody>
+          <a:bodyPr lIns="0" rIns="0" tIns="0" bIns="0" anchor="ctr">
+            <a:noAutofit/>
+          </a:bodyPr>
+          <a:p>
+            <a:pPr algn="ctr">
+              <a:buNone/>
+            </a:pPr>
+            <a:endParaRPr b="0" lang="en-US" sz="4400" spc="-1" strike="noStrike">
               <a:latin typeface="Arial"/>
             </a:endParaRPr>
           </a:p>
@@ -1042,14 +1024,11 @@
       </p:sp>
     </p:spTree>
   </p:cSld>
-  <p:clrMapOvr>
-    <a:masterClrMapping/>
-  </p:clrMapOvr>
 </p:sldLayout>
 </file>
 
 <file path=ppt/slideLayouts/slideLayout18.xml><?xml version="1.0" encoding="utf-8"?>
-<p:sldLayout xmlns:a="http://schemas.openxmlformats.org/drawingml/2006/main" xmlns:r="http://schemas.openxmlformats.org/officeDocument/2006/relationships" xmlns:p="http://schemas.openxmlformats.org/presentationml/2006/main" type="objOnly" preserve="1">
+<p:sldLayout xmlns:a="http://schemas.openxmlformats.org/drawingml/2006/main" xmlns:p="http://schemas.openxmlformats.org/presentationml/2006/main" xmlns:r="http://schemas.openxmlformats.org/officeDocument/2006/relationships" xmlns:p14="http://schemas.microsoft.com/office/powerpoint/2010/main" xmlns:p15="http://schemas.microsoft.com/office/powerpoint/2012/main" xmlns:mc="http://schemas.openxmlformats.org/markup-compatibility/2006" type="objOnly" preserve="1">
   <p:cSld name="Centered Text">
     <p:spTree>
       <p:nvGrpSpPr>
@@ -1077,19 +1056,26 @@
         </p:nvSpPr>
         <p:spPr>
           <a:xfrm>
-            <a:off x="311760" y="444960"/>
-            <a:ext cx="8519760" cy="2652840"/>
-          </a:xfrm>
-          <a:prstGeom prst="rect">
-            <a:avLst/>
-          </a:prstGeom>
-        </p:spPr>
-        <p:txBody>
-          <a:bodyPr lIns="0" tIns="0" rIns="0" bIns="0" anchor="ctr"/>
-          <a:lstStyle/>
-          <a:p>
-            <a:pPr algn="ctr"/>
-            <a:endParaRPr lang="en-US" sz="3200" b="0" strike="noStrike" spc="-1">
+            <a:off x="311760" y="418320"/>
+            <a:ext cx="8519040" cy="2896560"/>
+          </a:xfrm>
+          <a:prstGeom prst="rect">
+            <a:avLst/>
+          </a:prstGeom>
+          <a:noFill/>
+          <a:ln w="0">
+            <a:noFill/>
+          </a:ln>
+        </p:spPr>
+        <p:txBody>
+          <a:bodyPr lIns="0" rIns="0" tIns="0" bIns="0" anchor="ctr">
+            <a:noAutofit/>
+          </a:bodyPr>
+          <a:p>
+            <a:pPr algn="ctr">
+              <a:buNone/>
+            </a:pPr>
+            <a:endParaRPr b="0" lang="en-US" sz="3200" spc="-1" strike="noStrike">
               <a:latin typeface="Arial"/>
             </a:endParaRPr>
           </a:p>
@@ -1097,14 +1083,11 @@
       </p:sp>
     </p:spTree>
   </p:cSld>
-  <p:clrMapOvr>
-    <a:masterClrMapping/>
-  </p:clrMapOvr>
 </p:sldLayout>
 </file>
 
 <file path=ppt/slideLayouts/slideLayout19.xml><?xml version="1.0" encoding="utf-8"?>
-<p:sldLayout xmlns:a="http://schemas.openxmlformats.org/drawingml/2006/main" xmlns:r="http://schemas.openxmlformats.org/officeDocument/2006/relationships" xmlns:p="http://schemas.openxmlformats.org/presentationml/2006/main" type="twoObjAndObj" preserve="1">
+<p:sldLayout xmlns:a="http://schemas.openxmlformats.org/drawingml/2006/main" xmlns:p="http://schemas.openxmlformats.org/presentationml/2006/main" xmlns:r="http://schemas.openxmlformats.org/officeDocument/2006/relationships" xmlns:p14="http://schemas.microsoft.com/office/powerpoint/2010/main" xmlns:p15="http://schemas.microsoft.com/office/powerpoint/2012/main" xmlns:mc="http://schemas.openxmlformats.org/markup-compatibility/2006" type="twoObjAndObj" preserve="1">
   <p:cSld name="Title, 2 Content and Content">
     <p:spTree>
       <p:nvGrpSpPr>
@@ -1132,19 +1115,26 @@
         </p:nvSpPr>
         <p:spPr>
           <a:xfrm>
-            <a:off x="311760" y="418320"/>
-            <a:ext cx="8519760" cy="625320"/>
-          </a:xfrm>
-          <a:prstGeom prst="rect">
-            <a:avLst/>
-          </a:prstGeom>
-        </p:spPr>
-        <p:txBody>
-          <a:bodyPr lIns="0" tIns="0" rIns="0" bIns="0" anchor="ctr"/>
-          <a:lstStyle/>
-          <a:p>
-            <a:pPr algn="ctr"/>
-            <a:endParaRPr lang="en-US" sz="4400" b="0" strike="noStrike" spc="-1">
+            <a:off x="311760" y="417960"/>
+            <a:ext cx="8519040" cy="625320"/>
+          </a:xfrm>
+          <a:prstGeom prst="rect">
+            <a:avLst/>
+          </a:prstGeom>
+          <a:noFill/>
+          <a:ln w="0">
+            <a:noFill/>
+          </a:ln>
+        </p:spPr>
+        <p:txBody>
+          <a:bodyPr lIns="0" rIns="0" tIns="0" bIns="0" anchor="ctr">
+            <a:noAutofit/>
+          </a:bodyPr>
+          <a:p>
+            <a:pPr algn="ctr">
+              <a:buNone/>
+            </a:pPr>
+            <a:endParaRPr b="0" lang="en-US" sz="4400" spc="-1" strike="noStrike">
               <a:latin typeface="Arial"/>
             </a:endParaRPr>
           </a:p>
@@ -1157,25 +1147,28 @@
             <a:spLocks noGrp="1"/>
           </p:cNvSpPr>
           <p:nvPr>
-            <p:ph type="body"/>
+            <p:ph/>
           </p:nvPr>
         </p:nvSpPr>
         <p:spPr>
           <a:xfrm>
             <a:off x="311760" y="1152360"/>
-            <a:ext cx="951840" cy="1629000"/>
-          </a:xfrm>
-          <a:prstGeom prst="rect">
-            <a:avLst/>
-          </a:prstGeom>
-        </p:spPr>
-        <p:txBody>
-          <a:bodyPr lIns="0" tIns="0" rIns="0" bIns="0">
-            <a:normAutofit/>
-          </a:bodyPr>
-          <a:lstStyle/>
-          <a:p>
-            <a:endParaRPr lang="en-US" sz="3200" b="0" strike="noStrike" spc="-1">
+            <a:ext cx="226080" cy="1628640"/>
+          </a:xfrm>
+          <a:prstGeom prst="rect">
+            <a:avLst/>
+          </a:prstGeom>
+          <a:noFill/>
+          <a:ln w="0">
+            <a:noFill/>
+          </a:ln>
+        </p:spPr>
+        <p:txBody>
+          <a:bodyPr lIns="0" rIns="0" tIns="0" bIns="0" anchor="t">
+            <a:normAutofit fontScale="30000"/>
+          </a:bodyPr>
+          <a:p>
+            <a:endParaRPr b="0" lang="en-US" sz="3200" spc="-1" strike="noStrike">
               <a:latin typeface="Arial"/>
             </a:endParaRPr>
           </a:p>
@@ -1188,25 +1181,28 @@
             <a:spLocks noGrp="1"/>
           </p:cNvSpPr>
           <p:nvPr>
-            <p:ph type="body"/>
-          </p:nvPr>
-        </p:nvSpPr>
-        <p:spPr>
-          <a:xfrm>
-            <a:off x="1311480" y="1152360"/>
-            <a:ext cx="951840" cy="3415680"/>
-          </a:xfrm>
-          <a:prstGeom prst="rect">
-            <a:avLst/>
-          </a:prstGeom>
-        </p:spPr>
-        <p:txBody>
-          <a:bodyPr lIns="0" tIns="0" rIns="0" bIns="0">
-            <a:normAutofit/>
-          </a:bodyPr>
-          <a:lstStyle/>
-          <a:p>
-            <a:endParaRPr lang="en-US" sz="3200" b="0" strike="noStrike" spc="-1">
+            <p:ph/>
+          </p:nvPr>
+        </p:nvSpPr>
+        <p:spPr>
+          <a:xfrm>
+            <a:off x="549360" y="1152360"/>
+            <a:ext cx="226080" cy="3414960"/>
+          </a:xfrm>
+          <a:prstGeom prst="rect">
+            <a:avLst/>
+          </a:prstGeom>
+          <a:noFill/>
+          <a:ln w="0">
+            <a:noFill/>
+          </a:ln>
+        </p:spPr>
+        <p:txBody>
+          <a:bodyPr lIns="0" rIns="0" tIns="0" bIns="0" anchor="t">
+            <a:normAutofit fontScale="44000"/>
+          </a:bodyPr>
+          <a:p>
+            <a:endParaRPr b="0" lang="en-US" sz="3200" spc="-1" strike="noStrike">
               <a:latin typeface="Arial"/>
             </a:endParaRPr>
           </a:p>
@@ -1219,25 +1215,28 @@
             <a:spLocks noGrp="1"/>
           </p:cNvSpPr>
           <p:nvPr>
-            <p:ph type="body"/>
-          </p:nvPr>
-        </p:nvSpPr>
-        <p:spPr>
-          <a:xfrm>
-            <a:off x="311760" y="2936520"/>
-            <a:ext cx="951840" cy="1629000"/>
-          </a:xfrm>
-          <a:prstGeom prst="rect">
-            <a:avLst/>
-          </a:prstGeom>
-        </p:spPr>
-        <p:txBody>
-          <a:bodyPr lIns="0" tIns="0" rIns="0" bIns="0">
-            <a:normAutofit/>
-          </a:bodyPr>
-          <a:lstStyle/>
-          <a:p>
-            <a:endParaRPr lang="en-US" sz="3200" b="0" strike="noStrike" spc="-1">
+            <p:ph/>
+          </p:nvPr>
+        </p:nvSpPr>
+        <p:spPr>
+          <a:xfrm>
+            <a:off x="311760" y="2936160"/>
+            <a:ext cx="226080" cy="1628640"/>
+          </a:xfrm>
+          <a:prstGeom prst="rect">
+            <a:avLst/>
+          </a:prstGeom>
+          <a:noFill/>
+          <a:ln w="0">
+            <a:noFill/>
+          </a:ln>
+        </p:spPr>
+        <p:txBody>
+          <a:bodyPr lIns="0" rIns="0" tIns="0" bIns="0" anchor="t">
+            <a:normAutofit fontScale="30000"/>
+          </a:bodyPr>
+          <a:p>
+            <a:endParaRPr b="0" lang="en-US" sz="3200" spc="-1" strike="noStrike">
               <a:latin typeface="Arial"/>
             </a:endParaRPr>
           </a:p>
@@ -1245,14 +1244,11 @@
       </p:sp>
     </p:spTree>
   </p:cSld>
-  <p:clrMapOvr>
-    <a:masterClrMapping/>
-  </p:clrMapOvr>
 </p:sldLayout>
 </file>
 
 <file path=ppt/slideLayouts/slideLayout2.xml><?xml version="1.0" encoding="utf-8"?>
-<p:sldLayout xmlns:a="http://schemas.openxmlformats.org/drawingml/2006/main" xmlns:r="http://schemas.openxmlformats.org/officeDocument/2006/relationships" xmlns:p="http://schemas.openxmlformats.org/presentationml/2006/main" type="tx" preserve="1">
+<p:sldLayout xmlns:a="http://schemas.openxmlformats.org/drawingml/2006/main" xmlns:p="http://schemas.openxmlformats.org/presentationml/2006/main" xmlns:r="http://schemas.openxmlformats.org/officeDocument/2006/relationships" xmlns:p14="http://schemas.microsoft.com/office/powerpoint/2010/main" xmlns:p15="http://schemas.microsoft.com/office/powerpoint/2012/main" xmlns:mc="http://schemas.openxmlformats.org/markup-compatibility/2006" type="tx" preserve="1">
   <p:cSld name="Title Slide">
     <p:spTree>
       <p:nvGrpSpPr>
@@ -1280,19 +1276,26 @@
         </p:nvSpPr>
         <p:spPr>
           <a:xfrm>
-            <a:off x="311760" y="418320"/>
-            <a:ext cx="8519760" cy="625320"/>
-          </a:xfrm>
-          <a:prstGeom prst="rect">
-            <a:avLst/>
-          </a:prstGeom>
-        </p:spPr>
-        <p:txBody>
-          <a:bodyPr lIns="0" tIns="0" rIns="0" bIns="0" anchor="ctr"/>
-          <a:lstStyle/>
-          <a:p>
-            <a:pPr algn="ctr"/>
-            <a:endParaRPr lang="en-US" sz="4400" b="0" strike="noStrike" spc="-1">
+            <a:off x="311760" y="417960"/>
+            <a:ext cx="8519040" cy="625320"/>
+          </a:xfrm>
+          <a:prstGeom prst="rect">
+            <a:avLst/>
+          </a:prstGeom>
+          <a:noFill/>
+          <a:ln w="0">
+            <a:noFill/>
+          </a:ln>
+        </p:spPr>
+        <p:txBody>
+          <a:bodyPr lIns="0" rIns="0" tIns="0" bIns="0" anchor="ctr">
+            <a:noAutofit/>
+          </a:bodyPr>
+          <a:p>
+            <a:pPr algn="ctr">
+              <a:buNone/>
+            </a:pPr>
+            <a:endParaRPr b="0" lang="en-US" sz="4400" spc="-1" strike="noStrike">
               <a:latin typeface="Arial"/>
             </a:endParaRPr>
           </a:p>
@@ -1310,19 +1313,26 @@
         </p:nvSpPr>
         <p:spPr>
           <a:xfrm>
-            <a:off x="311760" y="1152360"/>
-            <a:ext cx="1951200" cy="3415680"/>
-          </a:xfrm>
-          <a:prstGeom prst="rect">
-            <a:avLst/>
-          </a:prstGeom>
-        </p:spPr>
-        <p:txBody>
-          <a:bodyPr lIns="0" tIns="0" rIns="0" bIns="0" anchor="ctr"/>
-          <a:lstStyle/>
-          <a:p>
-            <a:pPr algn="ctr"/>
-            <a:endParaRPr lang="en-US" sz="3200" b="0" strike="noStrike" spc="-1">
+            <a:off x="311760" y="1036800"/>
+            <a:ext cx="463680" cy="3646440"/>
+          </a:xfrm>
+          <a:prstGeom prst="rect">
+            <a:avLst/>
+          </a:prstGeom>
+          <a:noFill/>
+          <a:ln w="0">
+            <a:noFill/>
+          </a:ln>
+        </p:spPr>
+        <p:txBody>
+          <a:bodyPr lIns="0" rIns="0" tIns="0" bIns="0" anchor="ctr">
+            <a:noAutofit/>
+          </a:bodyPr>
+          <a:p>
+            <a:pPr algn="ctr">
+              <a:buNone/>
+            </a:pPr>
+            <a:endParaRPr b="0" lang="en-US" sz="3200" spc="-1" strike="noStrike">
               <a:latin typeface="Arial"/>
             </a:endParaRPr>
           </a:p>
@@ -1330,14 +1340,11 @@
       </p:sp>
     </p:spTree>
   </p:cSld>
-  <p:clrMapOvr>
-    <a:masterClrMapping/>
-  </p:clrMapOvr>
 </p:sldLayout>
 </file>
 
 <file path=ppt/slideLayouts/slideLayout20.xml><?xml version="1.0" encoding="utf-8"?>
-<p:sldLayout xmlns:a="http://schemas.openxmlformats.org/drawingml/2006/main" xmlns:r="http://schemas.openxmlformats.org/officeDocument/2006/relationships" xmlns:p="http://schemas.openxmlformats.org/presentationml/2006/main" type="objAndTwoObj" preserve="1">
+<p:sldLayout xmlns:a="http://schemas.openxmlformats.org/drawingml/2006/main" xmlns:p="http://schemas.openxmlformats.org/presentationml/2006/main" xmlns:r="http://schemas.openxmlformats.org/officeDocument/2006/relationships" xmlns:p14="http://schemas.microsoft.com/office/powerpoint/2010/main" xmlns:p15="http://schemas.microsoft.com/office/powerpoint/2012/main" xmlns:mc="http://schemas.openxmlformats.org/markup-compatibility/2006" type="objAndTwoObj" preserve="1">
   <p:cSld name="Title Content and 2 Content">
     <p:spTree>
       <p:nvGrpSpPr>
@@ -1365,19 +1372,26 @@
         </p:nvSpPr>
         <p:spPr>
           <a:xfrm>
-            <a:off x="311760" y="418320"/>
-            <a:ext cx="8519760" cy="625320"/>
-          </a:xfrm>
-          <a:prstGeom prst="rect">
-            <a:avLst/>
-          </a:prstGeom>
-        </p:spPr>
-        <p:txBody>
-          <a:bodyPr lIns="0" tIns="0" rIns="0" bIns="0" anchor="ctr"/>
-          <a:lstStyle/>
-          <a:p>
-            <a:pPr algn="ctr"/>
-            <a:endParaRPr lang="en-US" sz="4400" b="0" strike="noStrike" spc="-1">
+            <a:off x="311760" y="417960"/>
+            <a:ext cx="8519040" cy="625320"/>
+          </a:xfrm>
+          <a:prstGeom prst="rect">
+            <a:avLst/>
+          </a:prstGeom>
+          <a:noFill/>
+          <a:ln w="0">
+            <a:noFill/>
+          </a:ln>
+        </p:spPr>
+        <p:txBody>
+          <a:bodyPr lIns="0" rIns="0" tIns="0" bIns="0" anchor="ctr">
+            <a:noAutofit/>
+          </a:bodyPr>
+          <a:p>
+            <a:pPr algn="ctr">
+              <a:buNone/>
+            </a:pPr>
+            <a:endParaRPr b="0" lang="en-US" sz="4400" spc="-1" strike="noStrike">
               <a:latin typeface="Arial"/>
             </a:endParaRPr>
           </a:p>
@@ -1390,25 +1404,28 @@
             <a:spLocks noGrp="1"/>
           </p:cNvSpPr>
           <p:nvPr>
-            <p:ph type="body"/>
+            <p:ph/>
           </p:nvPr>
         </p:nvSpPr>
         <p:spPr>
           <a:xfrm>
             <a:off x="311760" y="1152360"/>
-            <a:ext cx="951840" cy="3415680"/>
-          </a:xfrm>
-          <a:prstGeom prst="rect">
-            <a:avLst/>
-          </a:prstGeom>
-        </p:spPr>
-        <p:txBody>
-          <a:bodyPr lIns="0" tIns="0" rIns="0" bIns="0">
-            <a:normAutofit/>
-          </a:bodyPr>
-          <a:lstStyle/>
-          <a:p>
-            <a:endParaRPr lang="en-US" sz="3200" b="0" strike="noStrike" spc="-1">
+            <a:ext cx="226080" cy="3414960"/>
+          </a:xfrm>
+          <a:prstGeom prst="rect">
+            <a:avLst/>
+          </a:prstGeom>
+          <a:noFill/>
+          <a:ln w="0">
+            <a:noFill/>
+          </a:ln>
+        </p:spPr>
+        <p:txBody>
+          <a:bodyPr lIns="0" rIns="0" tIns="0" bIns="0" anchor="t">
+            <a:normAutofit fontScale="44000"/>
+          </a:bodyPr>
+          <a:p>
+            <a:endParaRPr b="0" lang="en-US" sz="3200" spc="-1" strike="noStrike">
               <a:latin typeface="Arial"/>
             </a:endParaRPr>
           </a:p>
@@ -1421,25 +1438,28 @@
             <a:spLocks noGrp="1"/>
           </p:cNvSpPr>
           <p:nvPr>
-            <p:ph type="body"/>
-          </p:nvPr>
-        </p:nvSpPr>
-        <p:spPr>
-          <a:xfrm>
-            <a:off x="1311480" y="1152360"/>
-            <a:ext cx="951840" cy="1629000"/>
-          </a:xfrm>
-          <a:prstGeom prst="rect">
-            <a:avLst/>
-          </a:prstGeom>
-        </p:spPr>
-        <p:txBody>
-          <a:bodyPr lIns="0" tIns="0" rIns="0" bIns="0">
-            <a:normAutofit/>
-          </a:bodyPr>
-          <a:lstStyle/>
-          <a:p>
-            <a:endParaRPr lang="en-US" sz="3200" b="0" strike="noStrike" spc="-1">
+            <p:ph/>
+          </p:nvPr>
+        </p:nvSpPr>
+        <p:spPr>
+          <a:xfrm>
+            <a:off x="549360" y="1152360"/>
+            <a:ext cx="226080" cy="1628640"/>
+          </a:xfrm>
+          <a:prstGeom prst="rect">
+            <a:avLst/>
+          </a:prstGeom>
+          <a:noFill/>
+          <a:ln w="0">
+            <a:noFill/>
+          </a:ln>
+        </p:spPr>
+        <p:txBody>
+          <a:bodyPr lIns="0" rIns="0" tIns="0" bIns="0" anchor="t">
+            <a:normAutofit fontScale="30000"/>
+          </a:bodyPr>
+          <a:p>
+            <a:endParaRPr b="0" lang="en-US" sz="3200" spc="-1" strike="noStrike">
               <a:latin typeface="Arial"/>
             </a:endParaRPr>
           </a:p>
@@ -1452,25 +1472,28 @@
             <a:spLocks noGrp="1"/>
           </p:cNvSpPr>
           <p:nvPr>
-            <p:ph type="body"/>
-          </p:nvPr>
-        </p:nvSpPr>
-        <p:spPr>
-          <a:xfrm>
-            <a:off x="1311480" y="2936520"/>
-            <a:ext cx="951840" cy="1629000"/>
-          </a:xfrm>
-          <a:prstGeom prst="rect">
-            <a:avLst/>
-          </a:prstGeom>
-        </p:spPr>
-        <p:txBody>
-          <a:bodyPr lIns="0" tIns="0" rIns="0" bIns="0">
-            <a:normAutofit/>
-          </a:bodyPr>
-          <a:lstStyle/>
-          <a:p>
-            <a:endParaRPr lang="en-US" sz="3200" b="0" strike="noStrike" spc="-1">
+            <p:ph/>
+          </p:nvPr>
+        </p:nvSpPr>
+        <p:spPr>
+          <a:xfrm>
+            <a:off x="549360" y="2936160"/>
+            <a:ext cx="226080" cy="1628640"/>
+          </a:xfrm>
+          <a:prstGeom prst="rect">
+            <a:avLst/>
+          </a:prstGeom>
+          <a:noFill/>
+          <a:ln w="0">
+            <a:noFill/>
+          </a:ln>
+        </p:spPr>
+        <p:txBody>
+          <a:bodyPr lIns="0" rIns="0" tIns="0" bIns="0" anchor="t">
+            <a:normAutofit fontScale="30000"/>
+          </a:bodyPr>
+          <a:p>
+            <a:endParaRPr b="0" lang="en-US" sz="3200" spc="-1" strike="noStrike">
               <a:latin typeface="Arial"/>
             </a:endParaRPr>
           </a:p>
@@ -1478,14 +1501,11 @@
       </p:sp>
     </p:spTree>
   </p:cSld>
-  <p:clrMapOvr>
-    <a:masterClrMapping/>
-  </p:clrMapOvr>
 </p:sldLayout>
 </file>
 
 <file path=ppt/slideLayouts/slideLayout21.xml><?xml version="1.0" encoding="utf-8"?>
-<p:sldLayout xmlns:a="http://schemas.openxmlformats.org/drawingml/2006/main" xmlns:r="http://schemas.openxmlformats.org/officeDocument/2006/relationships" xmlns:p="http://schemas.openxmlformats.org/presentationml/2006/main" type="twoObjOverTx" preserve="1">
+<p:sldLayout xmlns:a="http://schemas.openxmlformats.org/drawingml/2006/main" xmlns:p="http://schemas.openxmlformats.org/presentationml/2006/main" xmlns:r="http://schemas.openxmlformats.org/officeDocument/2006/relationships" xmlns:p14="http://schemas.microsoft.com/office/powerpoint/2010/main" xmlns:p15="http://schemas.microsoft.com/office/powerpoint/2012/main" xmlns:mc="http://schemas.openxmlformats.org/markup-compatibility/2006" type="twoObjOverTx" preserve="1">
   <p:cSld name="Title, 2 Content over Content">
     <p:spTree>
       <p:nvGrpSpPr>
@@ -1513,19 +1533,26 @@
         </p:nvSpPr>
         <p:spPr>
           <a:xfrm>
-            <a:off x="311760" y="418320"/>
-            <a:ext cx="8519760" cy="625320"/>
-          </a:xfrm>
-          <a:prstGeom prst="rect">
-            <a:avLst/>
-          </a:prstGeom>
-        </p:spPr>
-        <p:txBody>
-          <a:bodyPr lIns="0" tIns="0" rIns="0" bIns="0" anchor="ctr"/>
-          <a:lstStyle/>
-          <a:p>
-            <a:pPr algn="ctr"/>
-            <a:endParaRPr lang="en-US" sz="4400" b="0" strike="noStrike" spc="-1">
+            <a:off x="311760" y="417960"/>
+            <a:ext cx="8519040" cy="625320"/>
+          </a:xfrm>
+          <a:prstGeom prst="rect">
+            <a:avLst/>
+          </a:prstGeom>
+          <a:noFill/>
+          <a:ln w="0">
+            <a:noFill/>
+          </a:ln>
+        </p:spPr>
+        <p:txBody>
+          <a:bodyPr lIns="0" rIns="0" tIns="0" bIns="0" anchor="ctr">
+            <a:noAutofit/>
+          </a:bodyPr>
+          <a:p>
+            <a:pPr algn="ctr">
+              <a:buNone/>
+            </a:pPr>
+            <a:endParaRPr b="0" lang="en-US" sz="4400" spc="-1" strike="noStrike">
               <a:latin typeface="Arial"/>
             </a:endParaRPr>
           </a:p>
@@ -1538,25 +1565,28 @@
             <a:spLocks noGrp="1"/>
           </p:cNvSpPr>
           <p:nvPr>
-            <p:ph type="body"/>
+            <p:ph/>
           </p:nvPr>
         </p:nvSpPr>
         <p:spPr>
           <a:xfrm>
             <a:off x="311760" y="1152360"/>
-            <a:ext cx="951840" cy="1629000"/>
-          </a:xfrm>
-          <a:prstGeom prst="rect">
-            <a:avLst/>
-          </a:prstGeom>
-        </p:spPr>
-        <p:txBody>
-          <a:bodyPr lIns="0" tIns="0" rIns="0" bIns="0">
-            <a:normAutofit/>
-          </a:bodyPr>
-          <a:lstStyle/>
-          <a:p>
-            <a:endParaRPr lang="en-US" sz="3200" b="0" strike="noStrike" spc="-1">
+            <a:ext cx="226080" cy="1628640"/>
+          </a:xfrm>
+          <a:prstGeom prst="rect">
+            <a:avLst/>
+          </a:prstGeom>
+          <a:noFill/>
+          <a:ln w="0">
+            <a:noFill/>
+          </a:ln>
+        </p:spPr>
+        <p:txBody>
+          <a:bodyPr lIns="0" rIns="0" tIns="0" bIns="0" anchor="t">
+            <a:normAutofit fontScale="30000"/>
+          </a:bodyPr>
+          <a:p>
+            <a:endParaRPr b="0" lang="en-US" sz="3200" spc="-1" strike="noStrike">
               <a:latin typeface="Arial"/>
             </a:endParaRPr>
           </a:p>
@@ -1569,25 +1599,28 @@
             <a:spLocks noGrp="1"/>
           </p:cNvSpPr>
           <p:nvPr>
-            <p:ph type="body"/>
-          </p:nvPr>
-        </p:nvSpPr>
-        <p:spPr>
-          <a:xfrm>
-            <a:off x="1311480" y="1152360"/>
-            <a:ext cx="951840" cy="1629000"/>
-          </a:xfrm>
-          <a:prstGeom prst="rect">
-            <a:avLst/>
-          </a:prstGeom>
-        </p:spPr>
-        <p:txBody>
-          <a:bodyPr lIns="0" tIns="0" rIns="0" bIns="0">
-            <a:normAutofit/>
-          </a:bodyPr>
-          <a:lstStyle/>
-          <a:p>
-            <a:endParaRPr lang="en-US" sz="3200" b="0" strike="noStrike" spc="-1">
+            <p:ph/>
+          </p:nvPr>
+        </p:nvSpPr>
+        <p:spPr>
+          <a:xfrm>
+            <a:off x="549360" y="1152360"/>
+            <a:ext cx="226080" cy="1628640"/>
+          </a:xfrm>
+          <a:prstGeom prst="rect">
+            <a:avLst/>
+          </a:prstGeom>
+          <a:noFill/>
+          <a:ln w="0">
+            <a:noFill/>
+          </a:ln>
+        </p:spPr>
+        <p:txBody>
+          <a:bodyPr lIns="0" rIns="0" tIns="0" bIns="0" anchor="t">
+            <a:normAutofit fontScale="30000"/>
+          </a:bodyPr>
+          <a:p>
+            <a:endParaRPr b="0" lang="en-US" sz="3200" spc="-1" strike="noStrike">
               <a:latin typeface="Arial"/>
             </a:endParaRPr>
           </a:p>
@@ -1600,25 +1633,28 @@
             <a:spLocks noGrp="1"/>
           </p:cNvSpPr>
           <p:nvPr>
-            <p:ph type="body"/>
-          </p:nvPr>
-        </p:nvSpPr>
-        <p:spPr>
-          <a:xfrm>
-            <a:off x="311760" y="2936520"/>
-            <a:ext cx="1951200" cy="1629000"/>
-          </a:xfrm>
-          <a:prstGeom prst="rect">
-            <a:avLst/>
-          </a:prstGeom>
-        </p:spPr>
-        <p:txBody>
-          <a:bodyPr lIns="0" tIns="0" rIns="0" bIns="0">
-            <a:normAutofit/>
-          </a:bodyPr>
-          <a:lstStyle/>
-          <a:p>
-            <a:endParaRPr lang="en-US" sz="3200" b="0" strike="noStrike" spc="-1">
+            <p:ph/>
+          </p:nvPr>
+        </p:nvSpPr>
+        <p:spPr>
+          <a:xfrm>
+            <a:off x="311760" y="2936160"/>
+            <a:ext cx="463680" cy="1628640"/>
+          </a:xfrm>
+          <a:prstGeom prst="rect">
+            <a:avLst/>
+          </a:prstGeom>
+          <a:noFill/>
+          <a:ln w="0">
+            <a:noFill/>
+          </a:ln>
+        </p:spPr>
+        <p:txBody>
+          <a:bodyPr lIns="0" rIns="0" tIns="0" bIns="0" anchor="t">
+            <a:normAutofit fontScale="49000"/>
+          </a:bodyPr>
+          <a:p>
+            <a:endParaRPr b="0" lang="en-US" sz="3200" spc="-1" strike="noStrike">
               <a:latin typeface="Arial"/>
             </a:endParaRPr>
           </a:p>
@@ -1626,14 +1662,11 @@
       </p:sp>
     </p:spTree>
   </p:cSld>
-  <p:clrMapOvr>
-    <a:masterClrMapping/>
-  </p:clrMapOvr>
 </p:sldLayout>
 </file>
 
 <file path=ppt/slideLayouts/slideLayout22.xml><?xml version="1.0" encoding="utf-8"?>
-<p:sldLayout xmlns:a="http://schemas.openxmlformats.org/drawingml/2006/main" xmlns:r="http://schemas.openxmlformats.org/officeDocument/2006/relationships" xmlns:p="http://schemas.openxmlformats.org/presentationml/2006/main" type="objOverTx" preserve="1">
+<p:sldLayout xmlns:a="http://schemas.openxmlformats.org/drawingml/2006/main" xmlns:p="http://schemas.openxmlformats.org/presentationml/2006/main" xmlns:r="http://schemas.openxmlformats.org/officeDocument/2006/relationships" xmlns:p14="http://schemas.microsoft.com/office/powerpoint/2010/main" xmlns:p15="http://schemas.microsoft.com/office/powerpoint/2012/main" xmlns:mc="http://schemas.openxmlformats.org/markup-compatibility/2006" type="objOverTx" preserve="1">
   <p:cSld name="Title, Content over Content">
     <p:spTree>
       <p:nvGrpSpPr>
@@ -1661,19 +1694,26 @@
         </p:nvSpPr>
         <p:spPr>
           <a:xfrm>
-            <a:off x="311760" y="418320"/>
-            <a:ext cx="8519760" cy="625320"/>
-          </a:xfrm>
-          <a:prstGeom prst="rect">
-            <a:avLst/>
-          </a:prstGeom>
-        </p:spPr>
-        <p:txBody>
-          <a:bodyPr lIns="0" tIns="0" rIns="0" bIns="0" anchor="ctr"/>
-          <a:lstStyle/>
-          <a:p>
-            <a:pPr algn="ctr"/>
-            <a:endParaRPr lang="en-US" sz="4400" b="0" strike="noStrike" spc="-1">
+            <a:off x="311760" y="417960"/>
+            <a:ext cx="8519040" cy="625320"/>
+          </a:xfrm>
+          <a:prstGeom prst="rect">
+            <a:avLst/>
+          </a:prstGeom>
+          <a:noFill/>
+          <a:ln w="0">
+            <a:noFill/>
+          </a:ln>
+        </p:spPr>
+        <p:txBody>
+          <a:bodyPr lIns="0" rIns="0" tIns="0" bIns="0" anchor="ctr">
+            <a:noAutofit/>
+          </a:bodyPr>
+          <a:p>
+            <a:pPr algn="ctr">
+              <a:buNone/>
+            </a:pPr>
+            <a:endParaRPr b="0" lang="en-US" sz="4400" spc="-1" strike="noStrike">
               <a:latin typeface="Arial"/>
             </a:endParaRPr>
           </a:p>
@@ -1686,25 +1726,28 @@
             <a:spLocks noGrp="1"/>
           </p:cNvSpPr>
           <p:nvPr>
-            <p:ph type="body"/>
+            <p:ph/>
           </p:nvPr>
         </p:nvSpPr>
         <p:spPr>
           <a:xfrm>
             <a:off x="311760" y="1152360"/>
-            <a:ext cx="1951200" cy="1629000"/>
-          </a:xfrm>
-          <a:prstGeom prst="rect">
-            <a:avLst/>
-          </a:prstGeom>
-        </p:spPr>
-        <p:txBody>
-          <a:bodyPr lIns="0" tIns="0" rIns="0" bIns="0">
-            <a:normAutofit/>
-          </a:bodyPr>
-          <a:lstStyle/>
-          <a:p>
-            <a:endParaRPr lang="en-US" sz="3200" b="0" strike="noStrike" spc="-1">
+            <a:ext cx="463680" cy="1628640"/>
+          </a:xfrm>
+          <a:prstGeom prst="rect">
+            <a:avLst/>
+          </a:prstGeom>
+          <a:noFill/>
+          <a:ln w="0">
+            <a:noFill/>
+          </a:ln>
+        </p:spPr>
+        <p:txBody>
+          <a:bodyPr lIns="0" rIns="0" tIns="0" bIns="0" anchor="t">
+            <a:normAutofit fontScale="49000"/>
+          </a:bodyPr>
+          <a:p>
+            <a:endParaRPr b="0" lang="en-US" sz="3200" spc="-1" strike="noStrike">
               <a:latin typeface="Arial"/>
             </a:endParaRPr>
           </a:p>
@@ -1717,25 +1760,28 @@
             <a:spLocks noGrp="1"/>
           </p:cNvSpPr>
           <p:nvPr>
-            <p:ph type="body"/>
-          </p:nvPr>
-        </p:nvSpPr>
-        <p:spPr>
-          <a:xfrm>
-            <a:off x="311760" y="2936520"/>
-            <a:ext cx="1951200" cy="1629000"/>
-          </a:xfrm>
-          <a:prstGeom prst="rect">
-            <a:avLst/>
-          </a:prstGeom>
-        </p:spPr>
-        <p:txBody>
-          <a:bodyPr lIns="0" tIns="0" rIns="0" bIns="0">
-            <a:normAutofit/>
-          </a:bodyPr>
-          <a:lstStyle/>
-          <a:p>
-            <a:endParaRPr lang="en-US" sz="3200" b="0" strike="noStrike" spc="-1">
+            <p:ph/>
+          </p:nvPr>
+        </p:nvSpPr>
+        <p:spPr>
+          <a:xfrm>
+            <a:off x="311760" y="2936160"/>
+            <a:ext cx="463680" cy="1628640"/>
+          </a:xfrm>
+          <a:prstGeom prst="rect">
+            <a:avLst/>
+          </a:prstGeom>
+          <a:noFill/>
+          <a:ln w="0">
+            <a:noFill/>
+          </a:ln>
+        </p:spPr>
+        <p:txBody>
+          <a:bodyPr lIns="0" rIns="0" tIns="0" bIns="0" anchor="t">
+            <a:normAutofit fontScale="49000"/>
+          </a:bodyPr>
+          <a:p>
+            <a:endParaRPr b="0" lang="en-US" sz="3200" spc="-1" strike="noStrike">
               <a:latin typeface="Arial"/>
             </a:endParaRPr>
           </a:p>
@@ -1743,14 +1789,11 @@
       </p:sp>
     </p:spTree>
   </p:cSld>
-  <p:clrMapOvr>
-    <a:masterClrMapping/>
-  </p:clrMapOvr>
 </p:sldLayout>
 </file>
 
 <file path=ppt/slideLayouts/slideLayout23.xml><?xml version="1.0" encoding="utf-8"?>
-<p:sldLayout xmlns:a="http://schemas.openxmlformats.org/drawingml/2006/main" xmlns:r="http://schemas.openxmlformats.org/officeDocument/2006/relationships" xmlns:p="http://schemas.openxmlformats.org/presentationml/2006/main" type="fourObj" preserve="1">
+<p:sldLayout xmlns:a="http://schemas.openxmlformats.org/drawingml/2006/main" xmlns:p="http://schemas.openxmlformats.org/presentationml/2006/main" xmlns:r="http://schemas.openxmlformats.org/officeDocument/2006/relationships" xmlns:p14="http://schemas.microsoft.com/office/powerpoint/2010/main" xmlns:p15="http://schemas.microsoft.com/office/powerpoint/2012/main" xmlns:mc="http://schemas.openxmlformats.org/markup-compatibility/2006" type="fourObj" preserve="1">
   <p:cSld name="Title, 4 Content">
     <p:spTree>
       <p:nvGrpSpPr>
@@ -1778,19 +1821,26 @@
         </p:nvSpPr>
         <p:spPr>
           <a:xfrm>
-            <a:off x="311760" y="418320"/>
-            <a:ext cx="8519760" cy="625320"/>
-          </a:xfrm>
-          <a:prstGeom prst="rect">
-            <a:avLst/>
-          </a:prstGeom>
-        </p:spPr>
-        <p:txBody>
-          <a:bodyPr lIns="0" tIns="0" rIns="0" bIns="0" anchor="ctr"/>
-          <a:lstStyle/>
-          <a:p>
-            <a:pPr algn="ctr"/>
-            <a:endParaRPr lang="en-US" sz="4400" b="0" strike="noStrike" spc="-1">
+            <a:off x="311760" y="417960"/>
+            <a:ext cx="8519040" cy="625320"/>
+          </a:xfrm>
+          <a:prstGeom prst="rect">
+            <a:avLst/>
+          </a:prstGeom>
+          <a:noFill/>
+          <a:ln w="0">
+            <a:noFill/>
+          </a:ln>
+        </p:spPr>
+        <p:txBody>
+          <a:bodyPr lIns="0" rIns="0" tIns="0" bIns="0" anchor="ctr">
+            <a:noAutofit/>
+          </a:bodyPr>
+          <a:p>
+            <a:pPr algn="ctr">
+              <a:buNone/>
+            </a:pPr>
+            <a:endParaRPr b="0" lang="en-US" sz="4400" spc="-1" strike="noStrike">
               <a:latin typeface="Arial"/>
             </a:endParaRPr>
           </a:p>
@@ -1803,25 +1853,28 @@
             <a:spLocks noGrp="1"/>
           </p:cNvSpPr>
           <p:nvPr>
-            <p:ph type="body"/>
+            <p:ph/>
           </p:nvPr>
         </p:nvSpPr>
         <p:spPr>
           <a:xfrm>
             <a:off x="311760" y="1152360"/>
-            <a:ext cx="951840" cy="1629000"/>
-          </a:xfrm>
-          <a:prstGeom prst="rect">
-            <a:avLst/>
-          </a:prstGeom>
-        </p:spPr>
-        <p:txBody>
-          <a:bodyPr lIns="0" tIns="0" rIns="0" bIns="0">
-            <a:normAutofit/>
-          </a:bodyPr>
-          <a:lstStyle/>
-          <a:p>
-            <a:endParaRPr lang="en-US" sz="3200" b="0" strike="noStrike" spc="-1">
+            <a:ext cx="226080" cy="1628640"/>
+          </a:xfrm>
+          <a:prstGeom prst="rect">
+            <a:avLst/>
+          </a:prstGeom>
+          <a:noFill/>
+          <a:ln w="0">
+            <a:noFill/>
+          </a:ln>
+        </p:spPr>
+        <p:txBody>
+          <a:bodyPr lIns="0" rIns="0" tIns="0" bIns="0" anchor="t">
+            <a:normAutofit fontScale="30000"/>
+          </a:bodyPr>
+          <a:p>
+            <a:endParaRPr b="0" lang="en-US" sz="3200" spc="-1" strike="noStrike">
               <a:latin typeface="Arial"/>
             </a:endParaRPr>
           </a:p>
@@ -1834,25 +1887,28 @@
             <a:spLocks noGrp="1"/>
           </p:cNvSpPr>
           <p:nvPr>
-            <p:ph type="body"/>
-          </p:nvPr>
-        </p:nvSpPr>
-        <p:spPr>
-          <a:xfrm>
-            <a:off x="1311480" y="1152360"/>
-            <a:ext cx="951840" cy="1629000"/>
-          </a:xfrm>
-          <a:prstGeom prst="rect">
-            <a:avLst/>
-          </a:prstGeom>
-        </p:spPr>
-        <p:txBody>
-          <a:bodyPr lIns="0" tIns="0" rIns="0" bIns="0">
-            <a:normAutofit/>
-          </a:bodyPr>
-          <a:lstStyle/>
-          <a:p>
-            <a:endParaRPr lang="en-US" sz="3200" b="0" strike="noStrike" spc="-1">
+            <p:ph/>
+          </p:nvPr>
+        </p:nvSpPr>
+        <p:spPr>
+          <a:xfrm>
+            <a:off x="549360" y="1152360"/>
+            <a:ext cx="226080" cy="1628640"/>
+          </a:xfrm>
+          <a:prstGeom prst="rect">
+            <a:avLst/>
+          </a:prstGeom>
+          <a:noFill/>
+          <a:ln w="0">
+            <a:noFill/>
+          </a:ln>
+        </p:spPr>
+        <p:txBody>
+          <a:bodyPr lIns="0" rIns="0" tIns="0" bIns="0" anchor="t">
+            <a:normAutofit fontScale="30000"/>
+          </a:bodyPr>
+          <a:p>
+            <a:endParaRPr b="0" lang="en-US" sz="3200" spc="-1" strike="noStrike">
               <a:latin typeface="Arial"/>
             </a:endParaRPr>
           </a:p>
@@ -1865,25 +1921,28 @@
             <a:spLocks noGrp="1"/>
           </p:cNvSpPr>
           <p:nvPr>
-            <p:ph type="body"/>
-          </p:nvPr>
-        </p:nvSpPr>
-        <p:spPr>
-          <a:xfrm>
-            <a:off x="311760" y="2936520"/>
-            <a:ext cx="951840" cy="1629000"/>
-          </a:xfrm>
-          <a:prstGeom prst="rect">
-            <a:avLst/>
-          </a:prstGeom>
-        </p:spPr>
-        <p:txBody>
-          <a:bodyPr lIns="0" tIns="0" rIns="0" bIns="0">
-            <a:normAutofit/>
-          </a:bodyPr>
-          <a:lstStyle/>
-          <a:p>
-            <a:endParaRPr lang="en-US" sz="3200" b="0" strike="noStrike" spc="-1">
+            <p:ph/>
+          </p:nvPr>
+        </p:nvSpPr>
+        <p:spPr>
+          <a:xfrm>
+            <a:off x="311760" y="2936160"/>
+            <a:ext cx="226080" cy="1628640"/>
+          </a:xfrm>
+          <a:prstGeom prst="rect">
+            <a:avLst/>
+          </a:prstGeom>
+          <a:noFill/>
+          <a:ln w="0">
+            <a:noFill/>
+          </a:ln>
+        </p:spPr>
+        <p:txBody>
+          <a:bodyPr lIns="0" rIns="0" tIns="0" bIns="0" anchor="t">
+            <a:normAutofit fontScale="30000"/>
+          </a:bodyPr>
+          <a:p>
+            <a:endParaRPr b="0" lang="en-US" sz="3200" spc="-1" strike="noStrike">
               <a:latin typeface="Arial"/>
             </a:endParaRPr>
           </a:p>
@@ -1896,25 +1955,28 @@
             <a:spLocks noGrp="1"/>
           </p:cNvSpPr>
           <p:nvPr>
-            <p:ph type="body"/>
-          </p:nvPr>
-        </p:nvSpPr>
-        <p:spPr>
-          <a:xfrm>
-            <a:off x="1311480" y="2936520"/>
-            <a:ext cx="951840" cy="1629000"/>
-          </a:xfrm>
-          <a:prstGeom prst="rect">
-            <a:avLst/>
-          </a:prstGeom>
-        </p:spPr>
-        <p:txBody>
-          <a:bodyPr lIns="0" tIns="0" rIns="0" bIns="0">
-            <a:normAutofit/>
-          </a:bodyPr>
-          <a:lstStyle/>
-          <a:p>
-            <a:endParaRPr lang="en-US" sz="3200" b="0" strike="noStrike" spc="-1">
+            <p:ph/>
+          </p:nvPr>
+        </p:nvSpPr>
+        <p:spPr>
+          <a:xfrm>
+            <a:off x="549360" y="2936160"/>
+            <a:ext cx="226080" cy="1628640"/>
+          </a:xfrm>
+          <a:prstGeom prst="rect">
+            <a:avLst/>
+          </a:prstGeom>
+          <a:noFill/>
+          <a:ln w="0">
+            <a:noFill/>
+          </a:ln>
+        </p:spPr>
+        <p:txBody>
+          <a:bodyPr lIns="0" rIns="0" tIns="0" bIns="0" anchor="t">
+            <a:normAutofit fontScale="30000"/>
+          </a:bodyPr>
+          <a:p>
+            <a:endParaRPr b="0" lang="en-US" sz="3200" spc="-1" strike="noStrike">
               <a:latin typeface="Arial"/>
             </a:endParaRPr>
           </a:p>
@@ -1922,14 +1984,11 @@
       </p:sp>
     </p:spTree>
   </p:cSld>
-  <p:clrMapOvr>
-    <a:masterClrMapping/>
-  </p:clrMapOvr>
 </p:sldLayout>
 </file>
 
 <file path=ppt/slideLayouts/slideLayout24.xml><?xml version="1.0" encoding="utf-8"?>
-<p:sldLayout xmlns:a="http://schemas.openxmlformats.org/drawingml/2006/main" xmlns:r="http://schemas.openxmlformats.org/officeDocument/2006/relationships" xmlns:p="http://schemas.openxmlformats.org/presentationml/2006/main" type="blank" preserve="1">
+<p:sldLayout xmlns:a="http://schemas.openxmlformats.org/drawingml/2006/main" xmlns:p="http://schemas.openxmlformats.org/presentationml/2006/main" xmlns:r="http://schemas.openxmlformats.org/officeDocument/2006/relationships" xmlns:p14="http://schemas.microsoft.com/office/powerpoint/2010/main" xmlns:p15="http://schemas.microsoft.com/office/powerpoint/2012/main" xmlns:mc="http://schemas.openxmlformats.org/markup-compatibility/2006" type="blank" preserve="1">
   <p:cSld name="Title, 6 Content">
     <p:spTree>
       <p:nvGrpSpPr>
@@ -1957,19 +2016,26 @@
         </p:nvSpPr>
         <p:spPr>
           <a:xfrm>
-            <a:off x="311760" y="418320"/>
-            <a:ext cx="8519760" cy="625320"/>
-          </a:xfrm>
-          <a:prstGeom prst="rect">
-            <a:avLst/>
-          </a:prstGeom>
-        </p:spPr>
-        <p:txBody>
-          <a:bodyPr lIns="0" tIns="0" rIns="0" bIns="0" anchor="ctr"/>
-          <a:lstStyle/>
-          <a:p>
-            <a:pPr algn="ctr"/>
-            <a:endParaRPr lang="en-US" sz="4400" b="0" strike="noStrike" spc="-1">
+            <a:off x="311760" y="417960"/>
+            <a:ext cx="8519040" cy="625320"/>
+          </a:xfrm>
+          <a:prstGeom prst="rect">
+            <a:avLst/>
+          </a:prstGeom>
+          <a:noFill/>
+          <a:ln w="0">
+            <a:noFill/>
+          </a:ln>
+        </p:spPr>
+        <p:txBody>
+          <a:bodyPr lIns="0" rIns="0" tIns="0" bIns="0" anchor="ctr">
+            <a:noAutofit/>
+          </a:bodyPr>
+          <a:p>
+            <a:pPr algn="ctr">
+              <a:buNone/>
+            </a:pPr>
+            <a:endParaRPr b="0" lang="en-US" sz="4400" spc="-1" strike="noStrike">
               <a:latin typeface="Arial"/>
             </a:endParaRPr>
           </a:p>
@@ -1982,25 +2048,28 @@
             <a:spLocks noGrp="1"/>
           </p:cNvSpPr>
           <p:nvPr>
-            <p:ph type="body"/>
+            <p:ph/>
           </p:nvPr>
         </p:nvSpPr>
         <p:spPr>
           <a:xfrm>
             <a:off x="311760" y="1152360"/>
-            <a:ext cx="628200" cy="1629000"/>
-          </a:xfrm>
-          <a:prstGeom prst="rect">
-            <a:avLst/>
-          </a:prstGeom>
-        </p:spPr>
-        <p:txBody>
-          <a:bodyPr lIns="0" tIns="0" rIns="0" bIns="0">
-            <a:normAutofit/>
-          </a:bodyPr>
-          <a:lstStyle/>
-          <a:p>
-            <a:endParaRPr lang="en-US" sz="3200" b="0" strike="noStrike" spc="-1">
+            <a:ext cx="149040" cy="1628640"/>
+          </a:xfrm>
+          <a:prstGeom prst="rect">
+            <a:avLst/>
+          </a:prstGeom>
+          <a:noFill/>
+          <a:ln w="0">
+            <a:noFill/>
+          </a:ln>
+        </p:spPr>
+        <p:txBody>
+          <a:bodyPr lIns="0" rIns="0" tIns="0" bIns="0" anchor="t">
+            <a:normAutofit fontScale="23000"/>
+          </a:bodyPr>
+          <a:p>
+            <a:endParaRPr b="0" lang="en-US" sz="3200" spc="-1" strike="noStrike">
               <a:latin typeface="Arial"/>
             </a:endParaRPr>
           </a:p>
@@ -2013,25 +2082,28 @@
             <a:spLocks noGrp="1"/>
           </p:cNvSpPr>
           <p:nvPr>
-            <p:ph type="body"/>
-          </p:nvPr>
-        </p:nvSpPr>
-        <p:spPr>
-          <a:xfrm>
-            <a:off x="971640" y="1152360"/>
-            <a:ext cx="628200" cy="1629000"/>
-          </a:xfrm>
-          <a:prstGeom prst="rect">
-            <a:avLst/>
-          </a:prstGeom>
-        </p:spPr>
-        <p:txBody>
-          <a:bodyPr lIns="0" tIns="0" rIns="0" bIns="0">
-            <a:normAutofit/>
-          </a:bodyPr>
-          <a:lstStyle/>
-          <a:p>
-            <a:endParaRPr lang="en-US" sz="3200" b="0" strike="noStrike" spc="-1">
+            <p:ph/>
+          </p:nvPr>
+        </p:nvSpPr>
+        <p:spPr>
+          <a:xfrm>
+            <a:off x="468720" y="1152360"/>
+            <a:ext cx="149040" cy="1628640"/>
+          </a:xfrm>
+          <a:prstGeom prst="rect">
+            <a:avLst/>
+          </a:prstGeom>
+          <a:noFill/>
+          <a:ln w="0">
+            <a:noFill/>
+          </a:ln>
+        </p:spPr>
+        <p:txBody>
+          <a:bodyPr lIns="0" rIns="0" tIns="0" bIns="0" anchor="t">
+            <a:normAutofit fontScale="23000"/>
+          </a:bodyPr>
+          <a:p>
+            <a:endParaRPr b="0" lang="en-US" sz="3200" spc="-1" strike="noStrike">
               <a:latin typeface="Arial"/>
             </a:endParaRPr>
           </a:p>
@@ -2044,25 +2116,28 @@
             <a:spLocks noGrp="1"/>
           </p:cNvSpPr>
           <p:nvPr>
-            <p:ph type="body"/>
-          </p:nvPr>
-        </p:nvSpPr>
-        <p:spPr>
-          <a:xfrm>
-            <a:off x="1631880" y="1152360"/>
-            <a:ext cx="628200" cy="1629000"/>
-          </a:xfrm>
-          <a:prstGeom prst="rect">
-            <a:avLst/>
-          </a:prstGeom>
-        </p:spPr>
-        <p:txBody>
-          <a:bodyPr lIns="0" tIns="0" rIns="0" bIns="0">
-            <a:normAutofit/>
-          </a:bodyPr>
-          <a:lstStyle/>
-          <a:p>
-            <a:endParaRPr lang="en-US" sz="3200" b="0" strike="noStrike" spc="-1">
+            <p:ph/>
+          </p:nvPr>
+        </p:nvSpPr>
+        <p:spPr>
+          <a:xfrm>
+            <a:off x="625680" y="1152360"/>
+            <a:ext cx="149040" cy="1628640"/>
+          </a:xfrm>
+          <a:prstGeom prst="rect">
+            <a:avLst/>
+          </a:prstGeom>
+          <a:noFill/>
+          <a:ln w="0">
+            <a:noFill/>
+          </a:ln>
+        </p:spPr>
+        <p:txBody>
+          <a:bodyPr lIns="0" rIns="0" tIns="0" bIns="0" anchor="t">
+            <a:normAutofit fontScale="23000"/>
+          </a:bodyPr>
+          <a:p>
+            <a:endParaRPr b="0" lang="en-US" sz="3200" spc="-1" strike="noStrike">
               <a:latin typeface="Arial"/>
             </a:endParaRPr>
           </a:p>
@@ -2075,25 +2150,28 @@
             <a:spLocks noGrp="1"/>
           </p:cNvSpPr>
           <p:nvPr>
-            <p:ph type="body"/>
-          </p:nvPr>
-        </p:nvSpPr>
-        <p:spPr>
-          <a:xfrm>
-            <a:off x="311760" y="2936520"/>
-            <a:ext cx="628200" cy="1629000"/>
-          </a:xfrm>
-          <a:prstGeom prst="rect">
-            <a:avLst/>
-          </a:prstGeom>
-        </p:spPr>
-        <p:txBody>
-          <a:bodyPr lIns="0" tIns="0" rIns="0" bIns="0">
-            <a:normAutofit/>
-          </a:bodyPr>
-          <a:lstStyle/>
-          <a:p>
-            <a:endParaRPr lang="en-US" sz="3200" b="0" strike="noStrike" spc="-1">
+            <p:ph/>
+          </p:nvPr>
+        </p:nvSpPr>
+        <p:spPr>
+          <a:xfrm>
+            <a:off x="311760" y="2936160"/>
+            <a:ext cx="149040" cy="1628640"/>
+          </a:xfrm>
+          <a:prstGeom prst="rect">
+            <a:avLst/>
+          </a:prstGeom>
+          <a:noFill/>
+          <a:ln w="0">
+            <a:noFill/>
+          </a:ln>
+        </p:spPr>
+        <p:txBody>
+          <a:bodyPr lIns="0" rIns="0" tIns="0" bIns="0" anchor="t">
+            <a:normAutofit fontScale="23000"/>
+          </a:bodyPr>
+          <a:p>
+            <a:endParaRPr b="0" lang="en-US" sz="3200" spc="-1" strike="noStrike">
               <a:latin typeface="Arial"/>
             </a:endParaRPr>
           </a:p>
@@ -2106,25 +2184,28 @@
             <a:spLocks noGrp="1"/>
           </p:cNvSpPr>
           <p:nvPr>
-            <p:ph type="body"/>
-          </p:nvPr>
-        </p:nvSpPr>
-        <p:spPr>
-          <a:xfrm>
-            <a:off x="971640" y="2936520"/>
-            <a:ext cx="628200" cy="1629000"/>
-          </a:xfrm>
-          <a:prstGeom prst="rect">
-            <a:avLst/>
-          </a:prstGeom>
-        </p:spPr>
-        <p:txBody>
-          <a:bodyPr lIns="0" tIns="0" rIns="0" bIns="0">
-            <a:normAutofit/>
-          </a:bodyPr>
-          <a:lstStyle/>
-          <a:p>
-            <a:endParaRPr lang="en-US" sz="3200" b="0" strike="noStrike" spc="-1">
+            <p:ph/>
+          </p:nvPr>
+        </p:nvSpPr>
+        <p:spPr>
+          <a:xfrm>
+            <a:off x="468720" y="2936160"/>
+            <a:ext cx="149040" cy="1628640"/>
+          </a:xfrm>
+          <a:prstGeom prst="rect">
+            <a:avLst/>
+          </a:prstGeom>
+          <a:noFill/>
+          <a:ln w="0">
+            <a:noFill/>
+          </a:ln>
+        </p:spPr>
+        <p:txBody>
+          <a:bodyPr lIns="0" rIns="0" tIns="0" bIns="0" anchor="t">
+            <a:normAutofit fontScale="23000"/>
+          </a:bodyPr>
+          <a:p>
+            <a:endParaRPr b="0" lang="en-US" sz="3200" spc="-1" strike="noStrike">
               <a:latin typeface="Arial"/>
             </a:endParaRPr>
           </a:p>
@@ -2137,25 +2218,28 @@
             <a:spLocks noGrp="1"/>
           </p:cNvSpPr>
           <p:nvPr>
-            <p:ph type="body"/>
-          </p:nvPr>
-        </p:nvSpPr>
-        <p:spPr>
-          <a:xfrm>
-            <a:off x="1631880" y="2936520"/>
-            <a:ext cx="628200" cy="1629000"/>
-          </a:xfrm>
-          <a:prstGeom prst="rect">
-            <a:avLst/>
-          </a:prstGeom>
-        </p:spPr>
-        <p:txBody>
-          <a:bodyPr lIns="0" tIns="0" rIns="0" bIns="0">
-            <a:normAutofit/>
-          </a:bodyPr>
-          <a:lstStyle/>
-          <a:p>
-            <a:endParaRPr lang="en-US" sz="3200" b="0" strike="noStrike" spc="-1">
+            <p:ph/>
+          </p:nvPr>
+        </p:nvSpPr>
+        <p:spPr>
+          <a:xfrm>
+            <a:off x="625680" y="2936160"/>
+            <a:ext cx="149040" cy="1628640"/>
+          </a:xfrm>
+          <a:prstGeom prst="rect">
+            <a:avLst/>
+          </a:prstGeom>
+          <a:noFill/>
+          <a:ln w="0">
+            <a:noFill/>
+          </a:ln>
+        </p:spPr>
+        <p:txBody>
+          <a:bodyPr lIns="0" rIns="0" tIns="0" bIns="0" anchor="t">
+            <a:normAutofit fontScale="23000"/>
+          </a:bodyPr>
+          <a:p>
+            <a:endParaRPr b="0" lang="en-US" sz="3200" spc="-1" strike="noStrike">
               <a:latin typeface="Arial"/>
             </a:endParaRPr>
           </a:p>
@@ -2163,14 +2247,11 @@
       </p:sp>
     </p:spTree>
   </p:cSld>
-  <p:clrMapOvr>
-    <a:masterClrMapping/>
-  </p:clrMapOvr>
 </p:sldLayout>
 </file>
 
 <file path=ppt/slideLayouts/slideLayout3.xml><?xml version="1.0" encoding="utf-8"?>
-<p:sldLayout xmlns:a="http://schemas.openxmlformats.org/drawingml/2006/main" xmlns:r="http://schemas.openxmlformats.org/officeDocument/2006/relationships" xmlns:p="http://schemas.openxmlformats.org/presentationml/2006/main" type="obj" preserve="1">
+<p:sldLayout xmlns:a="http://schemas.openxmlformats.org/drawingml/2006/main" xmlns:p="http://schemas.openxmlformats.org/presentationml/2006/main" xmlns:r="http://schemas.openxmlformats.org/officeDocument/2006/relationships" xmlns:p14="http://schemas.microsoft.com/office/powerpoint/2010/main" xmlns:p15="http://schemas.microsoft.com/office/powerpoint/2012/main" xmlns:mc="http://schemas.openxmlformats.org/markup-compatibility/2006" type="obj" preserve="1">
   <p:cSld name="Title, Content">
     <p:spTree>
       <p:nvGrpSpPr>
@@ -2198,19 +2279,26 @@
         </p:nvSpPr>
         <p:spPr>
           <a:xfrm>
-            <a:off x="311760" y="418320"/>
-            <a:ext cx="8519760" cy="625320"/>
-          </a:xfrm>
-          <a:prstGeom prst="rect">
-            <a:avLst/>
-          </a:prstGeom>
-        </p:spPr>
-        <p:txBody>
-          <a:bodyPr lIns="0" tIns="0" rIns="0" bIns="0" anchor="ctr"/>
-          <a:lstStyle/>
-          <a:p>
-            <a:pPr algn="ctr"/>
-            <a:endParaRPr lang="en-US" sz="4400" b="0" strike="noStrike" spc="-1">
+            <a:off x="311760" y="417960"/>
+            <a:ext cx="8519040" cy="625320"/>
+          </a:xfrm>
+          <a:prstGeom prst="rect">
+            <a:avLst/>
+          </a:prstGeom>
+          <a:noFill/>
+          <a:ln w="0">
+            <a:noFill/>
+          </a:ln>
+        </p:spPr>
+        <p:txBody>
+          <a:bodyPr lIns="0" rIns="0" tIns="0" bIns="0" anchor="ctr">
+            <a:noAutofit/>
+          </a:bodyPr>
+          <a:p>
+            <a:pPr algn="ctr">
+              <a:buNone/>
+            </a:pPr>
+            <a:endParaRPr b="0" lang="en-US" sz="4400" spc="-1" strike="noStrike">
               <a:latin typeface="Arial"/>
             </a:endParaRPr>
           </a:p>
@@ -2223,25 +2311,28 @@
             <a:spLocks noGrp="1"/>
           </p:cNvSpPr>
           <p:nvPr>
-            <p:ph type="body"/>
+            <p:ph/>
           </p:nvPr>
         </p:nvSpPr>
         <p:spPr>
           <a:xfrm>
             <a:off x="311760" y="1152360"/>
-            <a:ext cx="1951200" cy="3415680"/>
-          </a:xfrm>
-          <a:prstGeom prst="rect">
-            <a:avLst/>
-          </a:prstGeom>
-        </p:spPr>
-        <p:txBody>
-          <a:bodyPr lIns="0" tIns="0" rIns="0" bIns="0">
-            <a:normAutofit/>
-          </a:bodyPr>
-          <a:lstStyle/>
-          <a:p>
-            <a:endParaRPr lang="en-US" sz="3200" b="0" strike="noStrike" spc="-1">
+            <a:ext cx="463680" cy="3414960"/>
+          </a:xfrm>
+          <a:prstGeom prst="rect">
+            <a:avLst/>
+          </a:prstGeom>
+          <a:noFill/>
+          <a:ln w="0">
+            <a:noFill/>
+          </a:ln>
+        </p:spPr>
+        <p:txBody>
+          <a:bodyPr lIns="0" rIns="0" tIns="0" bIns="0" anchor="t">
+            <a:normAutofit fontScale="61000"/>
+          </a:bodyPr>
+          <a:p>
+            <a:endParaRPr b="0" lang="en-US" sz="3200" spc="-1" strike="noStrike">
               <a:latin typeface="Arial"/>
             </a:endParaRPr>
           </a:p>
@@ -2249,14 +2340,11 @@
       </p:sp>
     </p:spTree>
   </p:cSld>
-  <p:clrMapOvr>
-    <a:masterClrMapping/>
-  </p:clrMapOvr>
 </p:sldLayout>
 </file>
 
 <file path=ppt/slideLayouts/slideLayout4.xml><?xml version="1.0" encoding="utf-8"?>
-<p:sldLayout xmlns:a="http://schemas.openxmlformats.org/drawingml/2006/main" xmlns:r="http://schemas.openxmlformats.org/officeDocument/2006/relationships" xmlns:p="http://schemas.openxmlformats.org/presentationml/2006/main" type="twoObj" preserve="1">
+<p:sldLayout xmlns:a="http://schemas.openxmlformats.org/drawingml/2006/main" xmlns:p="http://schemas.openxmlformats.org/presentationml/2006/main" xmlns:r="http://schemas.openxmlformats.org/officeDocument/2006/relationships" xmlns:p14="http://schemas.microsoft.com/office/powerpoint/2010/main" xmlns:p15="http://schemas.microsoft.com/office/powerpoint/2012/main" xmlns:mc="http://schemas.openxmlformats.org/markup-compatibility/2006" type="twoObj" preserve="1">
   <p:cSld name="Title, 2 Content">
     <p:spTree>
       <p:nvGrpSpPr>
@@ -2284,19 +2372,26 @@
         </p:nvSpPr>
         <p:spPr>
           <a:xfrm>
-            <a:off x="311760" y="418320"/>
-            <a:ext cx="8519760" cy="625320"/>
-          </a:xfrm>
-          <a:prstGeom prst="rect">
-            <a:avLst/>
-          </a:prstGeom>
-        </p:spPr>
-        <p:txBody>
-          <a:bodyPr lIns="0" tIns="0" rIns="0" bIns="0" anchor="ctr"/>
-          <a:lstStyle/>
-          <a:p>
-            <a:pPr algn="ctr"/>
-            <a:endParaRPr lang="en-US" sz="4400" b="0" strike="noStrike" spc="-1">
+            <a:off x="311760" y="417960"/>
+            <a:ext cx="8519040" cy="625320"/>
+          </a:xfrm>
+          <a:prstGeom prst="rect">
+            <a:avLst/>
+          </a:prstGeom>
+          <a:noFill/>
+          <a:ln w="0">
+            <a:noFill/>
+          </a:ln>
+        </p:spPr>
+        <p:txBody>
+          <a:bodyPr lIns="0" rIns="0" tIns="0" bIns="0" anchor="ctr">
+            <a:noAutofit/>
+          </a:bodyPr>
+          <a:p>
+            <a:pPr algn="ctr">
+              <a:buNone/>
+            </a:pPr>
+            <a:endParaRPr b="0" lang="en-US" sz="4400" spc="-1" strike="noStrike">
               <a:latin typeface="Arial"/>
             </a:endParaRPr>
           </a:p>
@@ -2309,25 +2404,28 @@
             <a:spLocks noGrp="1"/>
           </p:cNvSpPr>
           <p:nvPr>
-            <p:ph type="body"/>
+            <p:ph/>
           </p:nvPr>
         </p:nvSpPr>
         <p:spPr>
           <a:xfrm>
             <a:off x="311760" y="1152360"/>
-            <a:ext cx="951840" cy="3415680"/>
-          </a:xfrm>
-          <a:prstGeom prst="rect">
-            <a:avLst/>
-          </a:prstGeom>
-        </p:spPr>
-        <p:txBody>
-          <a:bodyPr lIns="0" tIns="0" rIns="0" bIns="0">
-            <a:normAutofit/>
-          </a:bodyPr>
-          <a:lstStyle/>
-          <a:p>
-            <a:endParaRPr lang="en-US" sz="3200" b="0" strike="noStrike" spc="-1">
+            <a:ext cx="226080" cy="3414960"/>
+          </a:xfrm>
+          <a:prstGeom prst="rect">
+            <a:avLst/>
+          </a:prstGeom>
+          <a:noFill/>
+          <a:ln w="0">
+            <a:noFill/>
+          </a:ln>
+        </p:spPr>
+        <p:txBody>
+          <a:bodyPr lIns="0" rIns="0" tIns="0" bIns="0" anchor="t">
+            <a:normAutofit fontScale="44000"/>
+          </a:bodyPr>
+          <a:p>
+            <a:endParaRPr b="0" lang="en-US" sz="3200" spc="-1" strike="noStrike">
               <a:latin typeface="Arial"/>
             </a:endParaRPr>
           </a:p>
@@ -2340,25 +2438,28 @@
             <a:spLocks noGrp="1"/>
           </p:cNvSpPr>
           <p:nvPr>
-            <p:ph type="body"/>
-          </p:nvPr>
-        </p:nvSpPr>
-        <p:spPr>
-          <a:xfrm>
-            <a:off x="1311480" y="1152360"/>
-            <a:ext cx="951840" cy="3415680"/>
-          </a:xfrm>
-          <a:prstGeom prst="rect">
-            <a:avLst/>
-          </a:prstGeom>
-        </p:spPr>
-        <p:txBody>
-          <a:bodyPr lIns="0" tIns="0" rIns="0" bIns="0">
-            <a:normAutofit/>
-          </a:bodyPr>
-          <a:lstStyle/>
-          <a:p>
-            <a:endParaRPr lang="en-US" sz="3200" b="0" strike="noStrike" spc="-1">
+            <p:ph/>
+          </p:nvPr>
+        </p:nvSpPr>
+        <p:spPr>
+          <a:xfrm>
+            <a:off x="549360" y="1152360"/>
+            <a:ext cx="226080" cy="3414960"/>
+          </a:xfrm>
+          <a:prstGeom prst="rect">
+            <a:avLst/>
+          </a:prstGeom>
+          <a:noFill/>
+          <a:ln w="0">
+            <a:noFill/>
+          </a:ln>
+        </p:spPr>
+        <p:txBody>
+          <a:bodyPr lIns="0" rIns="0" tIns="0" bIns="0" anchor="t">
+            <a:normAutofit fontScale="44000"/>
+          </a:bodyPr>
+          <a:p>
+            <a:endParaRPr b="0" lang="en-US" sz="3200" spc="-1" strike="noStrike">
               <a:latin typeface="Arial"/>
             </a:endParaRPr>
           </a:p>
@@ -2366,14 +2467,11 @@
       </p:sp>
     </p:spTree>
   </p:cSld>
-  <p:clrMapOvr>
-    <a:masterClrMapping/>
-  </p:clrMapOvr>
 </p:sldLayout>
 </file>
 
 <file path=ppt/slideLayouts/slideLayout5.xml><?xml version="1.0" encoding="utf-8"?>
-<p:sldLayout xmlns:a="http://schemas.openxmlformats.org/drawingml/2006/main" xmlns:r="http://schemas.openxmlformats.org/officeDocument/2006/relationships" xmlns:p="http://schemas.openxmlformats.org/presentationml/2006/main" type="titleOnly" preserve="1">
+<p:sldLayout xmlns:a="http://schemas.openxmlformats.org/drawingml/2006/main" xmlns:p="http://schemas.openxmlformats.org/presentationml/2006/main" xmlns:r="http://schemas.openxmlformats.org/officeDocument/2006/relationships" xmlns:p14="http://schemas.microsoft.com/office/powerpoint/2010/main" xmlns:p15="http://schemas.microsoft.com/office/powerpoint/2012/main" xmlns:mc="http://schemas.openxmlformats.org/markup-compatibility/2006" type="titleOnly" preserve="1">
   <p:cSld name="Title Only">
     <p:spTree>
       <p:nvGrpSpPr>
@@ -2401,19 +2499,26 @@
         </p:nvSpPr>
         <p:spPr>
           <a:xfrm>
-            <a:off x="311760" y="418320"/>
-            <a:ext cx="8519760" cy="625320"/>
-          </a:xfrm>
-          <a:prstGeom prst="rect">
-            <a:avLst/>
-          </a:prstGeom>
-        </p:spPr>
-        <p:txBody>
-          <a:bodyPr lIns="0" tIns="0" rIns="0" bIns="0" anchor="ctr"/>
-          <a:lstStyle/>
-          <a:p>
-            <a:pPr algn="ctr"/>
-            <a:endParaRPr lang="en-US" sz="4400" b="0" strike="noStrike" spc="-1">
+            <a:off x="311760" y="417960"/>
+            <a:ext cx="8519040" cy="625320"/>
+          </a:xfrm>
+          <a:prstGeom prst="rect">
+            <a:avLst/>
+          </a:prstGeom>
+          <a:noFill/>
+          <a:ln w="0">
+            <a:noFill/>
+          </a:ln>
+        </p:spPr>
+        <p:txBody>
+          <a:bodyPr lIns="0" rIns="0" tIns="0" bIns="0" anchor="ctr">
+            <a:noAutofit/>
+          </a:bodyPr>
+          <a:p>
+            <a:pPr algn="ctr">
+              <a:buNone/>
+            </a:pPr>
+            <a:endParaRPr b="0" lang="en-US" sz="4400" spc="-1" strike="noStrike">
               <a:latin typeface="Arial"/>
             </a:endParaRPr>
           </a:p>
@@ -2421,14 +2526,11 @@
       </p:sp>
     </p:spTree>
   </p:cSld>
-  <p:clrMapOvr>
-    <a:masterClrMapping/>
-  </p:clrMapOvr>
 </p:sldLayout>
 </file>
 
 <file path=ppt/slideLayouts/slideLayout6.xml><?xml version="1.0" encoding="utf-8"?>
-<p:sldLayout xmlns:a="http://schemas.openxmlformats.org/drawingml/2006/main" xmlns:r="http://schemas.openxmlformats.org/officeDocument/2006/relationships" xmlns:p="http://schemas.openxmlformats.org/presentationml/2006/main" type="objOnly" preserve="1">
+<p:sldLayout xmlns:a="http://schemas.openxmlformats.org/drawingml/2006/main" xmlns:p="http://schemas.openxmlformats.org/presentationml/2006/main" xmlns:r="http://schemas.openxmlformats.org/officeDocument/2006/relationships" xmlns:p14="http://schemas.microsoft.com/office/powerpoint/2010/main" xmlns:p15="http://schemas.microsoft.com/office/powerpoint/2012/main" xmlns:mc="http://schemas.openxmlformats.org/markup-compatibility/2006" type="objOnly" preserve="1">
   <p:cSld name="Centered Text">
     <p:spTree>
       <p:nvGrpSpPr>
@@ -2456,19 +2558,26 @@
         </p:nvSpPr>
         <p:spPr>
           <a:xfrm>
-            <a:off x="311760" y="444960"/>
-            <a:ext cx="8519760" cy="2652840"/>
-          </a:xfrm>
-          <a:prstGeom prst="rect">
-            <a:avLst/>
-          </a:prstGeom>
-        </p:spPr>
-        <p:txBody>
-          <a:bodyPr lIns="0" tIns="0" rIns="0" bIns="0" anchor="ctr"/>
-          <a:lstStyle/>
-          <a:p>
-            <a:pPr algn="ctr"/>
-            <a:endParaRPr lang="en-US" sz="3200" b="0" strike="noStrike" spc="-1">
+            <a:off x="311760" y="418320"/>
+            <a:ext cx="8519040" cy="2896560"/>
+          </a:xfrm>
+          <a:prstGeom prst="rect">
+            <a:avLst/>
+          </a:prstGeom>
+          <a:noFill/>
+          <a:ln w="0">
+            <a:noFill/>
+          </a:ln>
+        </p:spPr>
+        <p:txBody>
+          <a:bodyPr lIns="0" rIns="0" tIns="0" bIns="0" anchor="ctr">
+            <a:noAutofit/>
+          </a:bodyPr>
+          <a:p>
+            <a:pPr algn="ctr">
+              <a:buNone/>
+            </a:pPr>
+            <a:endParaRPr b="0" lang="en-US" sz="3200" spc="-1" strike="noStrike">
               <a:latin typeface="Arial"/>
             </a:endParaRPr>
           </a:p>
@@ -2476,14 +2585,11 @@
       </p:sp>
     </p:spTree>
   </p:cSld>
-  <p:clrMapOvr>
-    <a:masterClrMapping/>
-  </p:clrMapOvr>
 </p:sldLayout>
 </file>
 
 <file path=ppt/slideLayouts/slideLayout7.xml><?xml version="1.0" encoding="utf-8"?>
-<p:sldLayout xmlns:a="http://schemas.openxmlformats.org/drawingml/2006/main" xmlns:r="http://schemas.openxmlformats.org/officeDocument/2006/relationships" xmlns:p="http://schemas.openxmlformats.org/presentationml/2006/main" type="twoObjAndObj" preserve="1">
+<p:sldLayout xmlns:a="http://schemas.openxmlformats.org/drawingml/2006/main" xmlns:p="http://schemas.openxmlformats.org/presentationml/2006/main" xmlns:r="http://schemas.openxmlformats.org/officeDocument/2006/relationships" xmlns:p14="http://schemas.microsoft.com/office/powerpoint/2010/main" xmlns:p15="http://schemas.microsoft.com/office/powerpoint/2012/main" xmlns:mc="http://schemas.openxmlformats.org/markup-compatibility/2006" type="twoObjAndObj" preserve="1">
   <p:cSld name="Title, 2 Content and Content">
     <p:spTree>
       <p:nvGrpSpPr>
@@ -2511,19 +2617,26 @@
         </p:nvSpPr>
         <p:spPr>
           <a:xfrm>
-            <a:off x="311760" y="418320"/>
-            <a:ext cx="8519760" cy="625320"/>
-          </a:xfrm>
-          <a:prstGeom prst="rect">
-            <a:avLst/>
-          </a:prstGeom>
-        </p:spPr>
-        <p:txBody>
-          <a:bodyPr lIns="0" tIns="0" rIns="0" bIns="0" anchor="ctr"/>
-          <a:lstStyle/>
-          <a:p>
-            <a:pPr algn="ctr"/>
-            <a:endParaRPr lang="en-US" sz="4400" b="0" strike="noStrike" spc="-1">
+            <a:off x="311760" y="417960"/>
+            <a:ext cx="8519040" cy="625320"/>
+          </a:xfrm>
+          <a:prstGeom prst="rect">
+            <a:avLst/>
+          </a:prstGeom>
+          <a:noFill/>
+          <a:ln w="0">
+            <a:noFill/>
+          </a:ln>
+        </p:spPr>
+        <p:txBody>
+          <a:bodyPr lIns="0" rIns="0" tIns="0" bIns="0" anchor="ctr">
+            <a:noAutofit/>
+          </a:bodyPr>
+          <a:p>
+            <a:pPr algn="ctr">
+              <a:buNone/>
+            </a:pPr>
+            <a:endParaRPr b="0" lang="en-US" sz="4400" spc="-1" strike="noStrike">
               <a:latin typeface="Arial"/>
             </a:endParaRPr>
           </a:p>
@@ -2536,25 +2649,28 @@
             <a:spLocks noGrp="1"/>
           </p:cNvSpPr>
           <p:nvPr>
-            <p:ph type="body"/>
+            <p:ph/>
           </p:nvPr>
         </p:nvSpPr>
         <p:spPr>
           <a:xfrm>
             <a:off x="311760" y="1152360"/>
-            <a:ext cx="951840" cy="1629000"/>
-          </a:xfrm>
-          <a:prstGeom prst="rect">
-            <a:avLst/>
-          </a:prstGeom>
-        </p:spPr>
-        <p:txBody>
-          <a:bodyPr lIns="0" tIns="0" rIns="0" bIns="0">
-            <a:normAutofit/>
-          </a:bodyPr>
-          <a:lstStyle/>
-          <a:p>
-            <a:endParaRPr lang="en-US" sz="3200" b="0" strike="noStrike" spc="-1">
+            <a:ext cx="226080" cy="1628640"/>
+          </a:xfrm>
+          <a:prstGeom prst="rect">
+            <a:avLst/>
+          </a:prstGeom>
+          <a:noFill/>
+          <a:ln w="0">
+            <a:noFill/>
+          </a:ln>
+        </p:spPr>
+        <p:txBody>
+          <a:bodyPr lIns="0" rIns="0" tIns="0" bIns="0" anchor="t">
+            <a:normAutofit fontScale="30000"/>
+          </a:bodyPr>
+          <a:p>
+            <a:endParaRPr b="0" lang="en-US" sz="3200" spc="-1" strike="noStrike">
               <a:latin typeface="Arial"/>
             </a:endParaRPr>
           </a:p>
@@ -2567,25 +2683,28 @@
             <a:spLocks noGrp="1"/>
           </p:cNvSpPr>
           <p:nvPr>
-            <p:ph type="body"/>
-          </p:nvPr>
-        </p:nvSpPr>
-        <p:spPr>
-          <a:xfrm>
-            <a:off x="1311480" y="1152360"/>
-            <a:ext cx="951840" cy="3415680"/>
-          </a:xfrm>
-          <a:prstGeom prst="rect">
-            <a:avLst/>
-          </a:prstGeom>
-        </p:spPr>
-        <p:txBody>
-          <a:bodyPr lIns="0" tIns="0" rIns="0" bIns="0">
-            <a:normAutofit/>
-          </a:bodyPr>
-          <a:lstStyle/>
-          <a:p>
-            <a:endParaRPr lang="en-US" sz="3200" b="0" strike="noStrike" spc="-1">
+            <p:ph/>
+          </p:nvPr>
+        </p:nvSpPr>
+        <p:spPr>
+          <a:xfrm>
+            <a:off x="549360" y="1152360"/>
+            <a:ext cx="226080" cy="3414960"/>
+          </a:xfrm>
+          <a:prstGeom prst="rect">
+            <a:avLst/>
+          </a:prstGeom>
+          <a:noFill/>
+          <a:ln w="0">
+            <a:noFill/>
+          </a:ln>
+        </p:spPr>
+        <p:txBody>
+          <a:bodyPr lIns="0" rIns="0" tIns="0" bIns="0" anchor="t">
+            <a:normAutofit fontScale="44000"/>
+          </a:bodyPr>
+          <a:p>
+            <a:endParaRPr b="0" lang="en-US" sz="3200" spc="-1" strike="noStrike">
               <a:latin typeface="Arial"/>
             </a:endParaRPr>
           </a:p>
@@ -2598,25 +2717,28 @@
             <a:spLocks noGrp="1"/>
           </p:cNvSpPr>
           <p:nvPr>
-            <p:ph type="body"/>
-          </p:nvPr>
-        </p:nvSpPr>
-        <p:spPr>
-          <a:xfrm>
-            <a:off x="311760" y="2936520"/>
-            <a:ext cx="951840" cy="1629000"/>
-          </a:xfrm>
-          <a:prstGeom prst="rect">
-            <a:avLst/>
-          </a:prstGeom>
-        </p:spPr>
-        <p:txBody>
-          <a:bodyPr lIns="0" tIns="0" rIns="0" bIns="0">
-            <a:normAutofit/>
-          </a:bodyPr>
-          <a:lstStyle/>
-          <a:p>
-            <a:endParaRPr lang="en-US" sz="3200" b="0" strike="noStrike" spc="-1">
+            <p:ph/>
+          </p:nvPr>
+        </p:nvSpPr>
+        <p:spPr>
+          <a:xfrm>
+            <a:off x="311760" y="2936160"/>
+            <a:ext cx="226080" cy="1628640"/>
+          </a:xfrm>
+          <a:prstGeom prst="rect">
+            <a:avLst/>
+          </a:prstGeom>
+          <a:noFill/>
+          <a:ln w="0">
+            <a:noFill/>
+          </a:ln>
+        </p:spPr>
+        <p:txBody>
+          <a:bodyPr lIns="0" rIns="0" tIns="0" bIns="0" anchor="t">
+            <a:normAutofit fontScale="30000"/>
+          </a:bodyPr>
+          <a:p>
+            <a:endParaRPr b="0" lang="en-US" sz="3200" spc="-1" strike="noStrike">
               <a:latin typeface="Arial"/>
             </a:endParaRPr>
           </a:p>
@@ -2624,14 +2746,11 @@
       </p:sp>
     </p:spTree>
   </p:cSld>
-  <p:clrMapOvr>
-    <a:masterClrMapping/>
-  </p:clrMapOvr>
 </p:sldLayout>
 </file>
 
 <file path=ppt/slideLayouts/slideLayout8.xml><?xml version="1.0" encoding="utf-8"?>
-<p:sldLayout xmlns:a="http://schemas.openxmlformats.org/drawingml/2006/main" xmlns:r="http://schemas.openxmlformats.org/officeDocument/2006/relationships" xmlns:p="http://schemas.openxmlformats.org/presentationml/2006/main" type="objAndTwoObj" preserve="1">
+<p:sldLayout xmlns:a="http://schemas.openxmlformats.org/drawingml/2006/main" xmlns:p="http://schemas.openxmlformats.org/presentationml/2006/main" xmlns:r="http://schemas.openxmlformats.org/officeDocument/2006/relationships" xmlns:p14="http://schemas.microsoft.com/office/powerpoint/2010/main" xmlns:p15="http://schemas.microsoft.com/office/powerpoint/2012/main" xmlns:mc="http://schemas.openxmlformats.org/markup-compatibility/2006" type="objAndTwoObj" preserve="1">
   <p:cSld name="Title Content and 2 Content">
     <p:spTree>
       <p:nvGrpSpPr>
@@ -2659,19 +2778,26 @@
         </p:nvSpPr>
         <p:spPr>
           <a:xfrm>
-            <a:off x="311760" y="418320"/>
-            <a:ext cx="8519760" cy="625320"/>
-          </a:xfrm>
-          <a:prstGeom prst="rect">
-            <a:avLst/>
-          </a:prstGeom>
-        </p:spPr>
-        <p:txBody>
-          <a:bodyPr lIns="0" tIns="0" rIns="0" bIns="0" anchor="ctr"/>
-          <a:lstStyle/>
-          <a:p>
-            <a:pPr algn="ctr"/>
-            <a:endParaRPr lang="en-US" sz="4400" b="0" strike="noStrike" spc="-1">
+            <a:off x="311760" y="417960"/>
+            <a:ext cx="8519040" cy="625320"/>
+          </a:xfrm>
+          <a:prstGeom prst="rect">
+            <a:avLst/>
+          </a:prstGeom>
+          <a:noFill/>
+          <a:ln w="0">
+            <a:noFill/>
+          </a:ln>
+        </p:spPr>
+        <p:txBody>
+          <a:bodyPr lIns="0" rIns="0" tIns="0" bIns="0" anchor="ctr">
+            <a:noAutofit/>
+          </a:bodyPr>
+          <a:p>
+            <a:pPr algn="ctr">
+              <a:buNone/>
+            </a:pPr>
+            <a:endParaRPr b="0" lang="en-US" sz="4400" spc="-1" strike="noStrike">
               <a:latin typeface="Arial"/>
             </a:endParaRPr>
           </a:p>
@@ -2684,25 +2810,28 @@
             <a:spLocks noGrp="1"/>
           </p:cNvSpPr>
           <p:nvPr>
-            <p:ph type="body"/>
+            <p:ph/>
           </p:nvPr>
         </p:nvSpPr>
         <p:spPr>
           <a:xfrm>
             <a:off x="311760" y="1152360"/>
-            <a:ext cx="951840" cy="3415680"/>
-          </a:xfrm>
-          <a:prstGeom prst="rect">
-            <a:avLst/>
-          </a:prstGeom>
-        </p:spPr>
-        <p:txBody>
-          <a:bodyPr lIns="0" tIns="0" rIns="0" bIns="0">
-            <a:normAutofit/>
-          </a:bodyPr>
-          <a:lstStyle/>
-          <a:p>
-            <a:endParaRPr lang="en-US" sz="3200" b="0" strike="noStrike" spc="-1">
+            <a:ext cx="226080" cy="3414960"/>
+          </a:xfrm>
+          <a:prstGeom prst="rect">
+            <a:avLst/>
+          </a:prstGeom>
+          <a:noFill/>
+          <a:ln w="0">
+            <a:noFill/>
+          </a:ln>
+        </p:spPr>
+        <p:txBody>
+          <a:bodyPr lIns="0" rIns="0" tIns="0" bIns="0" anchor="t">
+            <a:normAutofit fontScale="44000"/>
+          </a:bodyPr>
+          <a:p>
+            <a:endParaRPr b="0" lang="en-US" sz="3200" spc="-1" strike="noStrike">
               <a:latin typeface="Arial"/>
             </a:endParaRPr>
           </a:p>
@@ -2715,25 +2844,28 @@
             <a:spLocks noGrp="1"/>
           </p:cNvSpPr>
           <p:nvPr>
-            <p:ph type="body"/>
-          </p:nvPr>
-        </p:nvSpPr>
-        <p:spPr>
-          <a:xfrm>
-            <a:off x="1311480" y="1152360"/>
-            <a:ext cx="951840" cy="1629000"/>
-          </a:xfrm>
-          <a:prstGeom prst="rect">
-            <a:avLst/>
-          </a:prstGeom>
-        </p:spPr>
-        <p:txBody>
-          <a:bodyPr lIns="0" tIns="0" rIns="0" bIns="0">
-            <a:normAutofit/>
-          </a:bodyPr>
-          <a:lstStyle/>
-          <a:p>
-            <a:endParaRPr lang="en-US" sz="3200" b="0" strike="noStrike" spc="-1">
+            <p:ph/>
+          </p:nvPr>
+        </p:nvSpPr>
+        <p:spPr>
+          <a:xfrm>
+            <a:off x="549360" y="1152360"/>
+            <a:ext cx="226080" cy="1628640"/>
+          </a:xfrm>
+          <a:prstGeom prst="rect">
+            <a:avLst/>
+          </a:prstGeom>
+          <a:noFill/>
+          <a:ln w="0">
+            <a:noFill/>
+          </a:ln>
+        </p:spPr>
+        <p:txBody>
+          <a:bodyPr lIns="0" rIns="0" tIns="0" bIns="0" anchor="t">
+            <a:normAutofit fontScale="30000"/>
+          </a:bodyPr>
+          <a:p>
+            <a:endParaRPr b="0" lang="en-US" sz="3200" spc="-1" strike="noStrike">
               <a:latin typeface="Arial"/>
             </a:endParaRPr>
           </a:p>
@@ -2746,25 +2878,28 @@
             <a:spLocks noGrp="1"/>
           </p:cNvSpPr>
           <p:nvPr>
-            <p:ph type="body"/>
-          </p:nvPr>
-        </p:nvSpPr>
-        <p:spPr>
-          <a:xfrm>
-            <a:off x="1311480" y="2936520"/>
-            <a:ext cx="951840" cy="1629000"/>
-          </a:xfrm>
-          <a:prstGeom prst="rect">
-            <a:avLst/>
-          </a:prstGeom>
-        </p:spPr>
-        <p:txBody>
-          <a:bodyPr lIns="0" tIns="0" rIns="0" bIns="0">
-            <a:normAutofit/>
-          </a:bodyPr>
-          <a:lstStyle/>
-          <a:p>
-            <a:endParaRPr lang="en-US" sz="3200" b="0" strike="noStrike" spc="-1">
+            <p:ph/>
+          </p:nvPr>
+        </p:nvSpPr>
+        <p:spPr>
+          <a:xfrm>
+            <a:off x="549360" y="2936160"/>
+            <a:ext cx="226080" cy="1628640"/>
+          </a:xfrm>
+          <a:prstGeom prst="rect">
+            <a:avLst/>
+          </a:prstGeom>
+          <a:noFill/>
+          <a:ln w="0">
+            <a:noFill/>
+          </a:ln>
+        </p:spPr>
+        <p:txBody>
+          <a:bodyPr lIns="0" rIns="0" tIns="0" bIns="0" anchor="t">
+            <a:normAutofit fontScale="30000"/>
+          </a:bodyPr>
+          <a:p>
+            <a:endParaRPr b="0" lang="en-US" sz="3200" spc="-1" strike="noStrike">
               <a:latin typeface="Arial"/>
             </a:endParaRPr>
           </a:p>
@@ -2772,14 +2907,11 @@
       </p:sp>
     </p:spTree>
   </p:cSld>
-  <p:clrMapOvr>
-    <a:masterClrMapping/>
-  </p:clrMapOvr>
 </p:sldLayout>
 </file>
 
 <file path=ppt/slideLayouts/slideLayout9.xml><?xml version="1.0" encoding="utf-8"?>
-<p:sldLayout xmlns:a="http://schemas.openxmlformats.org/drawingml/2006/main" xmlns:r="http://schemas.openxmlformats.org/officeDocument/2006/relationships" xmlns:p="http://schemas.openxmlformats.org/presentationml/2006/main" type="twoObjOverTx" preserve="1">
+<p:sldLayout xmlns:a="http://schemas.openxmlformats.org/drawingml/2006/main" xmlns:p="http://schemas.openxmlformats.org/presentationml/2006/main" xmlns:r="http://schemas.openxmlformats.org/officeDocument/2006/relationships" xmlns:p14="http://schemas.microsoft.com/office/powerpoint/2010/main" xmlns:p15="http://schemas.microsoft.com/office/powerpoint/2012/main" xmlns:mc="http://schemas.openxmlformats.org/markup-compatibility/2006" type="twoObjOverTx" preserve="1">
   <p:cSld name="Title, 2 Content over Content">
     <p:spTree>
       <p:nvGrpSpPr>
@@ -2807,19 +2939,26 @@
         </p:nvSpPr>
         <p:spPr>
           <a:xfrm>
-            <a:off x="311760" y="418320"/>
-            <a:ext cx="8519760" cy="625320"/>
-          </a:xfrm>
-          <a:prstGeom prst="rect">
-            <a:avLst/>
-          </a:prstGeom>
-        </p:spPr>
-        <p:txBody>
-          <a:bodyPr lIns="0" tIns="0" rIns="0" bIns="0" anchor="ctr"/>
-          <a:lstStyle/>
-          <a:p>
-            <a:pPr algn="ctr"/>
-            <a:endParaRPr lang="en-US" sz="4400" b="0" strike="noStrike" spc="-1">
+            <a:off x="311760" y="417960"/>
+            <a:ext cx="8519040" cy="625320"/>
+          </a:xfrm>
+          <a:prstGeom prst="rect">
+            <a:avLst/>
+          </a:prstGeom>
+          <a:noFill/>
+          <a:ln w="0">
+            <a:noFill/>
+          </a:ln>
+        </p:spPr>
+        <p:txBody>
+          <a:bodyPr lIns="0" rIns="0" tIns="0" bIns="0" anchor="ctr">
+            <a:noAutofit/>
+          </a:bodyPr>
+          <a:p>
+            <a:pPr algn="ctr">
+              <a:buNone/>
+            </a:pPr>
+            <a:endParaRPr b="0" lang="en-US" sz="4400" spc="-1" strike="noStrike">
               <a:latin typeface="Arial"/>
             </a:endParaRPr>
           </a:p>
@@ -2832,25 +2971,28 @@
             <a:spLocks noGrp="1"/>
           </p:cNvSpPr>
           <p:nvPr>
-            <p:ph type="body"/>
+            <p:ph/>
           </p:nvPr>
         </p:nvSpPr>
         <p:spPr>
           <a:xfrm>
             <a:off x="311760" y="1152360"/>
-            <a:ext cx="951840" cy="1629000"/>
-          </a:xfrm>
-          <a:prstGeom prst="rect">
-            <a:avLst/>
-          </a:prstGeom>
-        </p:spPr>
-        <p:txBody>
-          <a:bodyPr lIns="0" tIns="0" rIns="0" bIns="0">
-            <a:normAutofit/>
-          </a:bodyPr>
-          <a:lstStyle/>
-          <a:p>
-            <a:endParaRPr lang="en-US" sz="3200" b="0" strike="noStrike" spc="-1">
+            <a:ext cx="226080" cy="1628640"/>
+          </a:xfrm>
+          <a:prstGeom prst="rect">
+            <a:avLst/>
+          </a:prstGeom>
+          <a:noFill/>
+          <a:ln w="0">
+            <a:noFill/>
+          </a:ln>
+        </p:spPr>
+        <p:txBody>
+          <a:bodyPr lIns="0" rIns="0" tIns="0" bIns="0" anchor="t">
+            <a:normAutofit fontScale="30000"/>
+          </a:bodyPr>
+          <a:p>
+            <a:endParaRPr b="0" lang="en-US" sz="3200" spc="-1" strike="noStrike">
               <a:latin typeface="Arial"/>
             </a:endParaRPr>
           </a:p>
@@ -2863,25 +3005,28 @@
             <a:spLocks noGrp="1"/>
           </p:cNvSpPr>
           <p:nvPr>
-            <p:ph type="body"/>
-          </p:nvPr>
-        </p:nvSpPr>
-        <p:spPr>
-          <a:xfrm>
-            <a:off x="1311480" y="1152360"/>
-            <a:ext cx="951840" cy="1629000"/>
-          </a:xfrm>
-          <a:prstGeom prst="rect">
-            <a:avLst/>
-          </a:prstGeom>
-        </p:spPr>
-        <p:txBody>
-          <a:bodyPr lIns="0" tIns="0" rIns="0" bIns="0">
-            <a:normAutofit/>
-          </a:bodyPr>
-          <a:lstStyle/>
-          <a:p>
-            <a:endParaRPr lang="en-US" sz="3200" b="0" strike="noStrike" spc="-1">
+            <p:ph/>
+          </p:nvPr>
+        </p:nvSpPr>
+        <p:spPr>
+          <a:xfrm>
+            <a:off x="549360" y="1152360"/>
+            <a:ext cx="226080" cy="1628640"/>
+          </a:xfrm>
+          <a:prstGeom prst="rect">
+            <a:avLst/>
+          </a:prstGeom>
+          <a:noFill/>
+          <a:ln w="0">
+            <a:noFill/>
+          </a:ln>
+        </p:spPr>
+        <p:txBody>
+          <a:bodyPr lIns="0" rIns="0" tIns="0" bIns="0" anchor="t">
+            <a:normAutofit fontScale="30000"/>
+          </a:bodyPr>
+          <a:p>
+            <a:endParaRPr b="0" lang="en-US" sz="3200" spc="-1" strike="noStrike">
               <a:latin typeface="Arial"/>
             </a:endParaRPr>
           </a:p>
@@ -2894,25 +3039,28 @@
             <a:spLocks noGrp="1"/>
           </p:cNvSpPr>
           <p:nvPr>
-            <p:ph type="body"/>
-          </p:nvPr>
-        </p:nvSpPr>
-        <p:spPr>
-          <a:xfrm>
-            <a:off x="311760" y="2936520"/>
-            <a:ext cx="1951200" cy="1629000"/>
-          </a:xfrm>
-          <a:prstGeom prst="rect">
-            <a:avLst/>
-          </a:prstGeom>
-        </p:spPr>
-        <p:txBody>
-          <a:bodyPr lIns="0" tIns="0" rIns="0" bIns="0">
-            <a:normAutofit/>
-          </a:bodyPr>
-          <a:lstStyle/>
-          <a:p>
-            <a:endParaRPr lang="en-US" sz="3200" b="0" strike="noStrike" spc="-1">
+            <p:ph/>
+          </p:nvPr>
+        </p:nvSpPr>
+        <p:spPr>
+          <a:xfrm>
+            <a:off x="311760" y="2936160"/>
+            <a:ext cx="463680" cy="1628640"/>
+          </a:xfrm>
+          <a:prstGeom prst="rect">
+            <a:avLst/>
+          </a:prstGeom>
+          <a:noFill/>
+          <a:ln w="0">
+            <a:noFill/>
+          </a:ln>
+        </p:spPr>
+        <p:txBody>
+          <a:bodyPr lIns="0" rIns="0" tIns="0" bIns="0" anchor="t">
+            <a:normAutofit fontScale="49000"/>
+          </a:bodyPr>
+          <a:p>
+            <a:endParaRPr b="0" lang="en-US" sz="3200" spc="-1" strike="noStrike">
               <a:latin typeface="Arial"/>
             </a:endParaRPr>
           </a:p>
@@ -2920,21 +3068,17 @@
       </p:sp>
     </p:spTree>
   </p:cSld>
-  <p:clrMapOvr>
-    <a:masterClrMapping/>
-  </p:clrMapOvr>
 </p:sldLayout>
 </file>
 
 <file path=ppt/slideMasters/slideMaster1.xml><?xml version="1.0" encoding="utf-8"?>
-<p:sldMaster xmlns:a="http://schemas.openxmlformats.org/drawingml/2006/main" xmlns:r="http://schemas.openxmlformats.org/officeDocument/2006/relationships" xmlns:p="http://schemas.openxmlformats.org/presentationml/2006/main">
+<p:sldMaster xmlns:a="http://schemas.openxmlformats.org/drawingml/2006/main" xmlns:p="http://schemas.openxmlformats.org/presentationml/2006/main" xmlns:r="http://schemas.openxmlformats.org/officeDocument/2006/relationships" xmlns:p14="http://schemas.microsoft.com/office/powerpoint/2010/main" xmlns:p15="http://schemas.microsoft.com/office/powerpoint/2012/main" xmlns:mc="http://schemas.openxmlformats.org/markup-compatibility/2006">
   <p:cSld>
     <p:bg>
       <p:bgPr>
         <a:solidFill>
-          <a:srgbClr val="FFFFFF"/>
+          <a:srgbClr val="ffffff"/>
         </a:solidFill>
-        <a:effectLst/>
       </p:bgPr>
     </p:bg>
     <p:spTree>
@@ -2953,7 +3097,7 @@
       </p:grpSpPr>
       <p:sp>
         <p:nvSpPr>
-          <p:cNvPr id="2" name="PlaceHolder 1"/>
+          <p:cNvPr id="0" name="PlaceHolder 1"/>
           <p:cNvSpPr>
             <a:spLocks noGrp="1"/>
           </p:cNvSpPr>
@@ -2963,29 +3107,40 @@
         </p:nvSpPr>
         <p:spPr>
           <a:xfrm>
-            <a:off x="311760" y="444960"/>
-            <a:ext cx="8519760" cy="572040"/>
-          </a:xfrm>
-          <a:prstGeom prst="rect">
-            <a:avLst/>
-          </a:prstGeom>
-        </p:spPr>
-        <p:txBody>
-          <a:bodyPr lIns="0" tIns="0" rIns="0" bIns="0" anchor="ctr"/>
-          <a:lstStyle/>
-          <a:p>
-            <a:r>
-              <a:rPr lang="en-US" sz="1800" b="0" strike="noStrike" spc="-1">
+            <a:off x="457200" y="205200"/>
+            <a:ext cx="8229240" cy="858600"/>
+          </a:xfrm>
+          <a:prstGeom prst="rect">
+            <a:avLst/>
+          </a:prstGeom>
+          <a:noFill/>
+          <a:ln w="0">
+            <a:noFill/>
+          </a:ln>
+        </p:spPr>
+        <p:txBody>
+          <a:bodyPr lIns="0" rIns="0" tIns="0" bIns="0" anchor="ctr">
+            <a:noAutofit/>
+          </a:bodyPr>
+          <a:p>
+            <a:pPr algn="ctr">
+              <a:buNone/>
+            </a:pPr>
+            <a:r>
+              <a:rPr b="0" lang="en-US" sz="4400" spc="-1" strike="noStrike">
                 <a:latin typeface="Arial"/>
               </a:rPr>
               <a:t>Click to edit the title text format</a:t>
             </a:r>
-          </a:p>
-        </p:txBody>
-      </p:sp>
-      <p:sp>
-        <p:nvSpPr>
-          <p:cNvPr id="3" name="PlaceHolder 2"/>
+            <a:endParaRPr b="0" lang="en-US" sz="4400" spc="-1" strike="noStrike">
+              <a:latin typeface="Arial"/>
+            </a:endParaRPr>
+          </a:p>
+        </p:txBody>
+      </p:sp>
+      <p:sp>
+        <p:nvSpPr>
+          <p:cNvPr id="1" name="PlaceHolder 2"/>
           <p:cNvSpPr>
             <a:spLocks noGrp="1"/>
           </p:cNvSpPr>
@@ -3001,12 +3156,15 @@
           <a:prstGeom prst="rect">
             <a:avLst/>
           </a:prstGeom>
-        </p:spPr>
-        <p:txBody>
-          <a:bodyPr lIns="0" tIns="0" rIns="0" bIns="0">
+          <a:noFill/>
+          <a:ln w="0">
+            <a:noFill/>
+          </a:ln>
+        </p:spPr>
+        <p:txBody>
+          <a:bodyPr lIns="0" rIns="0" tIns="0" bIns="0" anchor="t">
             <a:normAutofit/>
           </a:bodyPr>
-          <a:lstStyle/>
           <a:p>
             <a:pPr marL="432000" indent="-324000">
               <a:spcBef>
@@ -3020,14 +3178,17 @@
               <a:buChar char=""/>
             </a:pPr>
             <a:r>
-              <a:rPr lang="en-US" sz="3200" b="0" strike="noStrike" spc="-1">
+              <a:rPr b="0" lang="en-US" sz="3200" spc="-1" strike="noStrike">
                 <a:latin typeface="Arial"/>
               </a:rPr>
               <a:t>Click to edit the outline text format</a:t>
             </a:r>
-          </a:p>
-          <a:p>
-            <a:pPr marL="864000" lvl="1" indent="-324000">
+            <a:endParaRPr b="0" lang="en-US" sz="3200" spc="-1" strike="noStrike">
+              <a:latin typeface="Arial"/>
+            </a:endParaRPr>
+          </a:p>
+          <a:p>
+            <a:pPr lvl="1" marL="864000" indent="-324000">
               <a:spcBef>
                 <a:spcPts val="1134"/>
               </a:spcBef>
@@ -3039,14 +3200,17 @@
               <a:buChar char=""/>
             </a:pPr>
             <a:r>
-              <a:rPr lang="en-US" sz="2800" b="0" strike="noStrike" spc="-1">
+              <a:rPr b="0" lang="en-US" sz="2800" spc="-1" strike="noStrike">
                 <a:latin typeface="Arial"/>
               </a:rPr>
               <a:t>Second Outline Level</a:t>
             </a:r>
-          </a:p>
-          <a:p>
-            <a:pPr marL="1296000" lvl="2" indent="-288000">
+            <a:endParaRPr b="0" lang="en-US" sz="2800" spc="-1" strike="noStrike">
+              <a:latin typeface="Arial"/>
+            </a:endParaRPr>
+          </a:p>
+          <a:p>
+            <a:pPr lvl="2" marL="1296000" indent="-288000">
               <a:spcBef>
                 <a:spcPts val="850"/>
               </a:spcBef>
@@ -3058,14 +3222,17 @@
               <a:buChar char=""/>
             </a:pPr>
             <a:r>
-              <a:rPr lang="en-US" sz="2400" b="0" strike="noStrike" spc="-1">
+              <a:rPr b="0" lang="en-US" sz="2400" spc="-1" strike="noStrike">
                 <a:latin typeface="Arial"/>
               </a:rPr>
               <a:t>Third Outline Level</a:t>
             </a:r>
-          </a:p>
-          <a:p>
-            <a:pPr marL="1728000" lvl="3" indent="-216000">
+            <a:endParaRPr b="0" lang="en-US" sz="2400" spc="-1" strike="noStrike">
+              <a:latin typeface="Arial"/>
+            </a:endParaRPr>
+          </a:p>
+          <a:p>
+            <a:pPr lvl="3" marL="1728000" indent="-216000">
               <a:spcBef>
                 <a:spcPts val="567"/>
               </a:spcBef>
@@ -3077,14 +3244,17 @@
               <a:buChar char=""/>
             </a:pPr>
             <a:r>
-              <a:rPr lang="en-US" sz="2000" b="0" strike="noStrike" spc="-1">
+              <a:rPr b="0" lang="en-US" sz="2000" spc="-1" strike="noStrike">
                 <a:latin typeface="Arial"/>
               </a:rPr>
               <a:t>Fourth Outline Level</a:t>
             </a:r>
-          </a:p>
-          <a:p>
-            <a:pPr marL="2160000" lvl="4" indent="-216000">
+            <a:endParaRPr b="0" lang="en-US" sz="2000" spc="-1" strike="noStrike">
+              <a:latin typeface="Arial"/>
+            </a:endParaRPr>
+          </a:p>
+          <a:p>
+            <a:pPr lvl="4" marL="2160000" indent="-216000">
               <a:spcBef>
                 <a:spcPts val="283"/>
               </a:spcBef>
@@ -3096,14 +3266,17 @@
               <a:buChar char=""/>
             </a:pPr>
             <a:r>
-              <a:rPr lang="en-US" sz="2000" b="0" strike="noStrike" spc="-1">
+              <a:rPr b="0" lang="en-US" sz="2000" spc="-1" strike="noStrike">
                 <a:latin typeface="Arial"/>
               </a:rPr>
               <a:t>Fifth Outline Level</a:t>
             </a:r>
-          </a:p>
-          <a:p>
-            <a:pPr marL="2592000" lvl="5" indent="-216000">
+            <a:endParaRPr b="0" lang="en-US" sz="2000" spc="-1" strike="noStrike">
+              <a:latin typeface="Arial"/>
+            </a:endParaRPr>
+          </a:p>
+          <a:p>
+            <a:pPr lvl="5" marL="2592000" indent="-216000">
               <a:spcBef>
                 <a:spcPts val="283"/>
               </a:spcBef>
@@ -3115,14 +3288,17 @@
               <a:buChar char=""/>
             </a:pPr>
             <a:r>
-              <a:rPr lang="en-US" sz="2000" b="0" strike="noStrike" spc="-1">
+              <a:rPr b="0" lang="en-US" sz="2000" spc="-1" strike="noStrike">
                 <a:latin typeface="Arial"/>
               </a:rPr>
               <a:t>Sixth Outline Level</a:t>
             </a:r>
-          </a:p>
-          <a:p>
-            <a:pPr marL="3024000" lvl="6" indent="-216000">
+            <a:endParaRPr b="0" lang="en-US" sz="2000" spc="-1" strike="noStrike">
+              <a:latin typeface="Arial"/>
+            </a:endParaRPr>
+          </a:p>
+          <a:p>
+            <a:pPr lvl="6" marL="3024000" indent="-216000">
               <a:spcBef>
                 <a:spcPts val="283"/>
               </a:spcBef>
@@ -3134,323 +3310,45 @@
               <a:buChar char=""/>
             </a:pPr>
             <a:r>
-              <a:rPr lang="en-US" sz="2000" b="0" strike="noStrike" spc="-1">
+              <a:rPr b="0" lang="en-US" sz="2000" spc="-1" strike="noStrike">
                 <a:latin typeface="Arial"/>
               </a:rPr>
               <a:t>Seventh Outline Level</a:t>
             </a:r>
+            <a:endParaRPr b="0" lang="en-US" sz="2000" spc="-1" strike="noStrike">
+              <a:latin typeface="Arial"/>
+            </a:endParaRPr>
           </a:p>
         </p:txBody>
       </p:sp>
     </p:spTree>
   </p:cSld>
-  <p:clrMap bg1="lt1" tx1="dk1" bg2="lt2" tx2="dk2" accent1="accent1" accent2="accent2" accent3="accent3" accent4="accent4" accent5="accent5" accent6="accent6" hlink="hlink" folHlink="folHlink"/>
+  <p:clrMap bg1="lt1" bg2="lt2" tx1="dk1" tx2="dk2" accent1="accent1" accent2="accent2" accent3="accent3" accent4="accent4" accent5="accent5" accent6="accent6" hlink="hlink" folHlink="folHlink"/>
   <p:sldLayoutIdLst>
-    <p:sldLayoutId id="2147483649" r:id="rId1"/>
-    <p:sldLayoutId id="2147483650" r:id="rId2"/>
-    <p:sldLayoutId id="2147483651" r:id="rId3"/>
-    <p:sldLayoutId id="2147483652" r:id="rId4"/>
-    <p:sldLayoutId id="2147483653" r:id="rId5"/>
-    <p:sldLayoutId id="2147483654" r:id="rId6"/>
-    <p:sldLayoutId id="2147483655" r:id="rId7"/>
-    <p:sldLayoutId id="2147483656" r:id="rId8"/>
-    <p:sldLayoutId id="2147483657" r:id="rId9"/>
-    <p:sldLayoutId id="2147483658" r:id="rId10"/>
-    <p:sldLayoutId id="2147483659" r:id="rId11"/>
-    <p:sldLayoutId id="2147483660" r:id="rId12"/>
+    <p:sldLayoutId id="2147483649" r:id="rId2"/>
+    <p:sldLayoutId id="2147483650" r:id="rId3"/>
+    <p:sldLayoutId id="2147483651" r:id="rId4"/>
+    <p:sldLayoutId id="2147483652" r:id="rId5"/>
+    <p:sldLayoutId id="2147483653" r:id="rId6"/>
+    <p:sldLayoutId id="2147483654" r:id="rId7"/>
+    <p:sldLayoutId id="2147483655" r:id="rId8"/>
+    <p:sldLayoutId id="2147483656" r:id="rId9"/>
+    <p:sldLayoutId id="2147483657" r:id="rId10"/>
+    <p:sldLayoutId id="2147483658" r:id="rId11"/>
+    <p:sldLayoutId id="2147483659" r:id="rId12"/>
+    <p:sldLayoutId id="2147483660" r:id="rId13"/>
   </p:sldLayoutIdLst>
-  <p:txStyles>
-    <p:titleStyle>
-      <a:lvl1pPr algn="l" defTabSz="914400" rtl="0" eaLnBrk="1" latinLnBrk="0" hangingPunct="1">
-        <a:lnSpc>
-          <a:spcPct val="90000"/>
-        </a:lnSpc>
-        <a:spcBef>
-          <a:spcPct val="0"/>
-        </a:spcBef>
-        <a:buNone/>
-        <a:defRPr sz="4400" kern="1200">
-          <a:solidFill>
-            <a:schemeClr val="tx1"/>
-          </a:solidFill>
-          <a:latin typeface="+mj-lt"/>
-          <a:ea typeface="+mj-ea"/>
-          <a:cs typeface="+mj-cs"/>
-        </a:defRPr>
-      </a:lvl1pPr>
-    </p:titleStyle>
-    <p:bodyStyle>
-      <a:lvl1pPr marL="228600" indent="-228600" algn="l" defTabSz="914400" rtl="0" eaLnBrk="1" latinLnBrk="0" hangingPunct="1">
-        <a:lnSpc>
-          <a:spcPct val="90000"/>
-        </a:lnSpc>
-        <a:spcBef>
-          <a:spcPts val="1000"/>
-        </a:spcBef>
-        <a:buFont typeface="Arial" panose="020B0604020202020204" pitchFamily="34" charset="0"/>
-        <a:buChar char="•"/>
-        <a:defRPr sz="2800" kern="1200">
-          <a:solidFill>
-            <a:schemeClr val="tx1"/>
-          </a:solidFill>
-          <a:latin typeface="+mn-lt"/>
-          <a:ea typeface="+mn-ea"/>
-          <a:cs typeface="+mn-cs"/>
-        </a:defRPr>
-      </a:lvl1pPr>
-      <a:lvl2pPr marL="685800" indent="-228600" algn="l" defTabSz="914400" rtl="0" eaLnBrk="1" latinLnBrk="0" hangingPunct="1">
-        <a:lnSpc>
-          <a:spcPct val="90000"/>
-        </a:lnSpc>
-        <a:spcBef>
-          <a:spcPts val="500"/>
-        </a:spcBef>
-        <a:buFont typeface="Arial" panose="020B0604020202020204" pitchFamily="34" charset="0"/>
-        <a:buChar char="•"/>
-        <a:defRPr sz="2400" kern="1200">
-          <a:solidFill>
-            <a:schemeClr val="tx1"/>
-          </a:solidFill>
-          <a:latin typeface="+mn-lt"/>
-          <a:ea typeface="+mn-ea"/>
-          <a:cs typeface="+mn-cs"/>
-        </a:defRPr>
-      </a:lvl2pPr>
-      <a:lvl3pPr marL="1143000" indent="-228600" algn="l" defTabSz="914400" rtl="0" eaLnBrk="1" latinLnBrk="0" hangingPunct="1">
-        <a:lnSpc>
-          <a:spcPct val="90000"/>
-        </a:lnSpc>
-        <a:spcBef>
-          <a:spcPts val="500"/>
-        </a:spcBef>
-        <a:buFont typeface="Arial" panose="020B0604020202020204" pitchFamily="34" charset="0"/>
-        <a:buChar char="•"/>
-        <a:defRPr sz="2000" kern="1200">
-          <a:solidFill>
-            <a:schemeClr val="tx1"/>
-          </a:solidFill>
-          <a:latin typeface="+mn-lt"/>
-          <a:ea typeface="+mn-ea"/>
-          <a:cs typeface="+mn-cs"/>
-        </a:defRPr>
-      </a:lvl3pPr>
-      <a:lvl4pPr marL="1600200" indent="-228600" algn="l" defTabSz="914400" rtl="0" eaLnBrk="1" latinLnBrk="0" hangingPunct="1">
-        <a:lnSpc>
-          <a:spcPct val="90000"/>
-        </a:lnSpc>
-        <a:spcBef>
-          <a:spcPts val="500"/>
-        </a:spcBef>
-        <a:buFont typeface="Arial" panose="020B0604020202020204" pitchFamily="34" charset="0"/>
-        <a:buChar char="•"/>
-        <a:defRPr sz="1800" kern="1200">
-          <a:solidFill>
-            <a:schemeClr val="tx1"/>
-          </a:solidFill>
-          <a:latin typeface="+mn-lt"/>
-          <a:ea typeface="+mn-ea"/>
-          <a:cs typeface="+mn-cs"/>
-        </a:defRPr>
-      </a:lvl4pPr>
-      <a:lvl5pPr marL="2057400" indent="-228600" algn="l" defTabSz="914400" rtl="0" eaLnBrk="1" latinLnBrk="0" hangingPunct="1">
-        <a:lnSpc>
-          <a:spcPct val="90000"/>
-        </a:lnSpc>
-        <a:spcBef>
-          <a:spcPts val="500"/>
-        </a:spcBef>
-        <a:buFont typeface="Arial" panose="020B0604020202020204" pitchFamily="34" charset="0"/>
-        <a:buChar char="•"/>
-        <a:defRPr sz="1800" kern="1200">
-          <a:solidFill>
-            <a:schemeClr val="tx1"/>
-          </a:solidFill>
-          <a:latin typeface="+mn-lt"/>
-          <a:ea typeface="+mn-ea"/>
-          <a:cs typeface="+mn-cs"/>
-        </a:defRPr>
-      </a:lvl5pPr>
-      <a:lvl6pPr marL="2514600" indent="-228600" algn="l" defTabSz="914400" rtl="0" eaLnBrk="1" latinLnBrk="0" hangingPunct="1">
-        <a:lnSpc>
-          <a:spcPct val="90000"/>
-        </a:lnSpc>
-        <a:spcBef>
-          <a:spcPts val="500"/>
-        </a:spcBef>
-        <a:buFont typeface="Arial" panose="020B0604020202020204" pitchFamily="34" charset="0"/>
-        <a:buChar char="•"/>
-        <a:defRPr sz="1800" kern="1200">
-          <a:solidFill>
-            <a:schemeClr val="tx1"/>
-          </a:solidFill>
-          <a:latin typeface="+mn-lt"/>
-          <a:ea typeface="+mn-ea"/>
-          <a:cs typeface="+mn-cs"/>
-        </a:defRPr>
-      </a:lvl6pPr>
-      <a:lvl7pPr marL="2971800" indent="-228600" algn="l" defTabSz="914400" rtl="0" eaLnBrk="1" latinLnBrk="0" hangingPunct="1">
-        <a:lnSpc>
-          <a:spcPct val="90000"/>
-        </a:lnSpc>
-        <a:spcBef>
-          <a:spcPts val="500"/>
-        </a:spcBef>
-        <a:buFont typeface="Arial" panose="020B0604020202020204" pitchFamily="34" charset="0"/>
-        <a:buChar char="•"/>
-        <a:defRPr sz="1800" kern="1200">
-          <a:solidFill>
-            <a:schemeClr val="tx1"/>
-          </a:solidFill>
-          <a:latin typeface="+mn-lt"/>
-          <a:ea typeface="+mn-ea"/>
-          <a:cs typeface="+mn-cs"/>
-        </a:defRPr>
-      </a:lvl7pPr>
-      <a:lvl8pPr marL="3429000" indent="-228600" algn="l" defTabSz="914400" rtl="0" eaLnBrk="1" latinLnBrk="0" hangingPunct="1">
-        <a:lnSpc>
-          <a:spcPct val="90000"/>
-        </a:lnSpc>
-        <a:spcBef>
-          <a:spcPts val="500"/>
-        </a:spcBef>
-        <a:buFont typeface="Arial" panose="020B0604020202020204" pitchFamily="34" charset="0"/>
-        <a:buChar char="•"/>
-        <a:defRPr sz="1800" kern="1200">
-          <a:solidFill>
-            <a:schemeClr val="tx1"/>
-          </a:solidFill>
-          <a:latin typeface="+mn-lt"/>
-          <a:ea typeface="+mn-ea"/>
-          <a:cs typeface="+mn-cs"/>
-        </a:defRPr>
-      </a:lvl8pPr>
-      <a:lvl9pPr marL="3886200" indent="-228600" algn="l" defTabSz="914400" rtl="0" eaLnBrk="1" latinLnBrk="0" hangingPunct="1">
-        <a:lnSpc>
-          <a:spcPct val="90000"/>
-        </a:lnSpc>
-        <a:spcBef>
-          <a:spcPts val="500"/>
-        </a:spcBef>
-        <a:buFont typeface="Arial" panose="020B0604020202020204" pitchFamily="34" charset="0"/>
-        <a:buChar char="•"/>
-        <a:defRPr sz="1800" kern="1200">
-          <a:solidFill>
-            <a:schemeClr val="tx1"/>
-          </a:solidFill>
-          <a:latin typeface="+mn-lt"/>
-          <a:ea typeface="+mn-ea"/>
-          <a:cs typeface="+mn-cs"/>
-        </a:defRPr>
-      </a:lvl9pPr>
-    </p:bodyStyle>
-    <p:otherStyle>
-      <a:defPPr>
-        <a:defRPr lang="en-US"/>
-      </a:defPPr>
-      <a:lvl1pPr marL="0" algn="l" defTabSz="914400" rtl="0" eaLnBrk="1" latinLnBrk="0" hangingPunct="1">
-        <a:defRPr sz="1800" kern="1200">
-          <a:solidFill>
-            <a:schemeClr val="tx1"/>
-          </a:solidFill>
-          <a:latin typeface="+mn-lt"/>
-          <a:ea typeface="+mn-ea"/>
-          <a:cs typeface="+mn-cs"/>
-        </a:defRPr>
-      </a:lvl1pPr>
-      <a:lvl2pPr marL="457200" algn="l" defTabSz="914400" rtl="0" eaLnBrk="1" latinLnBrk="0" hangingPunct="1">
-        <a:defRPr sz="1800" kern="1200">
-          <a:solidFill>
-            <a:schemeClr val="tx1"/>
-          </a:solidFill>
-          <a:latin typeface="+mn-lt"/>
-          <a:ea typeface="+mn-ea"/>
-          <a:cs typeface="+mn-cs"/>
-        </a:defRPr>
-      </a:lvl2pPr>
-      <a:lvl3pPr marL="914400" algn="l" defTabSz="914400" rtl="0" eaLnBrk="1" latinLnBrk="0" hangingPunct="1">
-        <a:defRPr sz="1800" kern="1200">
-          <a:solidFill>
-            <a:schemeClr val="tx1"/>
-          </a:solidFill>
-          <a:latin typeface="+mn-lt"/>
-          <a:ea typeface="+mn-ea"/>
-          <a:cs typeface="+mn-cs"/>
-        </a:defRPr>
-      </a:lvl3pPr>
-      <a:lvl4pPr marL="1371600" algn="l" defTabSz="914400" rtl="0" eaLnBrk="1" latinLnBrk="0" hangingPunct="1">
-        <a:defRPr sz="1800" kern="1200">
-          <a:solidFill>
-            <a:schemeClr val="tx1"/>
-          </a:solidFill>
-          <a:latin typeface="+mn-lt"/>
-          <a:ea typeface="+mn-ea"/>
-          <a:cs typeface="+mn-cs"/>
-        </a:defRPr>
-      </a:lvl4pPr>
-      <a:lvl5pPr marL="1828800" algn="l" defTabSz="914400" rtl="0" eaLnBrk="1" latinLnBrk="0" hangingPunct="1">
-        <a:defRPr sz="1800" kern="1200">
-          <a:solidFill>
-            <a:schemeClr val="tx1"/>
-          </a:solidFill>
-          <a:latin typeface="+mn-lt"/>
-          <a:ea typeface="+mn-ea"/>
-          <a:cs typeface="+mn-cs"/>
-        </a:defRPr>
-      </a:lvl5pPr>
-      <a:lvl6pPr marL="2286000" algn="l" defTabSz="914400" rtl="0" eaLnBrk="1" latinLnBrk="0" hangingPunct="1">
-        <a:defRPr sz="1800" kern="1200">
-          <a:solidFill>
-            <a:schemeClr val="tx1"/>
-          </a:solidFill>
-          <a:latin typeface="+mn-lt"/>
-          <a:ea typeface="+mn-ea"/>
-          <a:cs typeface="+mn-cs"/>
-        </a:defRPr>
-      </a:lvl6pPr>
-      <a:lvl7pPr marL="2743200" algn="l" defTabSz="914400" rtl="0" eaLnBrk="1" latinLnBrk="0" hangingPunct="1">
-        <a:defRPr sz="1800" kern="1200">
-          <a:solidFill>
-            <a:schemeClr val="tx1"/>
-          </a:solidFill>
-          <a:latin typeface="+mn-lt"/>
-          <a:ea typeface="+mn-ea"/>
-          <a:cs typeface="+mn-cs"/>
-        </a:defRPr>
-      </a:lvl7pPr>
-      <a:lvl8pPr marL="3200400" algn="l" defTabSz="914400" rtl="0" eaLnBrk="1" latinLnBrk="0" hangingPunct="1">
-        <a:defRPr sz="1800" kern="1200">
-          <a:solidFill>
-            <a:schemeClr val="tx1"/>
-          </a:solidFill>
-          <a:latin typeface="+mn-lt"/>
-          <a:ea typeface="+mn-ea"/>
-          <a:cs typeface="+mn-cs"/>
-        </a:defRPr>
-      </a:lvl8pPr>
-      <a:lvl9pPr marL="3657600" algn="l" defTabSz="914400" rtl="0" eaLnBrk="1" latinLnBrk="0" hangingPunct="1">
-        <a:defRPr sz="1800" kern="1200">
-          <a:solidFill>
-            <a:schemeClr val="tx1"/>
-          </a:solidFill>
-          <a:latin typeface="+mn-lt"/>
-          <a:ea typeface="+mn-ea"/>
-          <a:cs typeface="+mn-cs"/>
-        </a:defRPr>
-      </a:lvl9pPr>
-    </p:otherStyle>
-  </p:txStyles>
 </p:sldMaster>
 </file>
 
 <file path=ppt/slideMasters/slideMaster2.xml><?xml version="1.0" encoding="utf-8"?>
-<p:sldMaster xmlns:a="http://schemas.openxmlformats.org/drawingml/2006/main" xmlns:r="http://schemas.openxmlformats.org/officeDocument/2006/relationships" xmlns:p="http://schemas.openxmlformats.org/presentationml/2006/main">
+<p:sldMaster xmlns:a="http://schemas.openxmlformats.org/drawingml/2006/main" xmlns:p="http://schemas.openxmlformats.org/presentationml/2006/main" xmlns:r="http://schemas.openxmlformats.org/officeDocument/2006/relationships" xmlns:p14="http://schemas.microsoft.com/office/powerpoint/2010/main" xmlns:p15="http://schemas.microsoft.com/office/powerpoint/2012/main" xmlns:mc="http://schemas.openxmlformats.org/markup-compatibility/2006">
   <p:cSld>
     <p:bg>
       <p:bgPr>
         <a:solidFill>
-          <a:srgbClr val="FFFFFF"/>
+          <a:srgbClr val="ffffff"/>
         </a:solidFill>
-        <a:effectLst/>
       </p:bgPr>
     </p:bg>
     <p:spTree>
@@ -3479,23 +3377,31 @@
         </p:nvSpPr>
         <p:spPr>
           <a:xfrm>
-            <a:off x="311760" y="444960"/>
-            <a:ext cx="8519760" cy="572040"/>
-          </a:xfrm>
-          <a:prstGeom prst="rect">
-            <a:avLst/>
-          </a:prstGeom>
-        </p:spPr>
-        <p:txBody>
-          <a:bodyPr lIns="0" tIns="0" rIns="0" bIns="0" anchor="ctr"/>
-          <a:lstStyle/>
-          <a:p>
-            <a:r>
-              <a:rPr lang="en-US" sz="1800" b="0" strike="noStrike" spc="-1">
+            <a:off x="311760" y="418320"/>
+            <a:ext cx="8519040" cy="624600"/>
+          </a:xfrm>
+          <a:prstGeom prst="rect">
+            <a:avLst/>
+          </a:prstGeom>
+          <a:noFill/>
+          <a:ln w="0">
+            <a:noFill/>
+          </a:ln>
+        </p:spPr>
+        <p:txBody>
+          <a:bodyPr lIns="0" rIns="0" tIns="0" bIns="0" anchor="ctr">
+            <a:noAutofit/>
+          </a:bodyPr>
+          <a:p>
+            <a:r>
+              <a:rPr b="0" lang="en-US" sz="1800" spc="-1" strike="noStrike">
                 <a:latin typeface="Arial"/>
               </a:rPr>
               <a:t>Click to edit the title text format</a:t>
             </a:r>
+            <a:endParaRPr b="0" lang="en-US" sz="1800" spc="-1" strike="noStrike">
+              <a:latin typeface="Arial"/>
+            </a:endParaRPr>
           </a:p>
         </p:txBody>
       </p:sp>
@@ -3512,17 +3418,20 @@
         <p:spPr>
           <a:xfrm>
             <a:off x="311760" y="1152360"/>
-            <a:ext cx="1951200" cy="3415680"/>
-          </a:xfrm>
-          <a:prstGeom prst="rect">
-            <a:avLst/>
-          </a:prstGeom>
-        </p:spPr>
-        <p:txBody>
-          <a:bodyPr lIns="0" tIns="0" rIns="0" bIns="0">
-            <a:normAutofit/>
-          </a:bodyPr>
-          <a:lstStyle/>
+            <a:ext cx="463680" cy="3414960"/>
+          </a:xfrm>
+          <a:prstGeom prst="rect">
+            <a:avLst/>
+          </a:prstGeom>
+          <a:noFill/>
+          <a:ln w="0">
+            <a:noFill/>
+          </a:ln>
+        </p:spPr>
+        <p:txBody>
+          <a:bodyPr lIns="0" rIns="0" tIns="0" bIns="0" anchor="t">
+            <a:normAutofit fontScale="19000"/>
+          </a:bodyPr>
           <a:p>
             <a:pPr marL="432000" indent="-324000">
               <a:spcBef>
@@ -3536,14 +3445,17 @@
               <a:buChar char=""/>
             </a:pPr>
             <a:r>
-              <a:rPr lang="en-US" sz="1800" b="0" strike="noStrike" spc="-1">
+              <a:rPr b="0" lang="en-US" sz="1800" spc="-1" strike="noStrike">
                 <a:latin typeface="Arial"/>
               </a:rPr>
               <a:t>Click to edit the outline text format</a:t>
             </a:r>
-          </a:p>
-          <a:p>
-            <a:pPr marL="864000" lvl="1" indent="-324000">
+            <a:endParaRPr b="0" lang="en-US" sz="1800" spc="-1" strike="noStrike">
+              <a:latin typeface="Arial"/>
+            </a:endParaRPr>
+          </a:p>
+          <a:p>
+            <a:pPr lvl="1" marL="864000" indent="-324000">
               <a:spcBef>
                 <a:spcPts val="1134"/>
               </a:spcBef>
@@ -3555,14 +3467,17 @@
               <a:buChar char=""/>
             </a:pPr>
             <a:r>
-              <a:rPr lang="en-US" sz="1800" b="0" strike="noStrike" spc="-1">
+              <a:rPr b="0" lang="en-US" sz="1800" spc="-1" strike="noStrike">
                 <a:latin typeface="Arial"/>
               </a:rPr>
               <a:t>Second Outline Level</a:t>
             </a:r>
-          </a:p>
-          <a:p>
-            <a:pPr marL="1296000" lvl="2" indent="-288000">
+            <a:endParaRPr b="0" lang="en-US" sz="1800" spc="-1" strike="noStrike">
+              <a:latin typeface="Arial"/>
+            </a:endParaRPr>
+          </a:p>
+          <a:p>
+            <a:pPr lvl="2" marL="1296000" indent="-288000">
               <a:spcBef>
                 <a:spcPts val="850"/>
               </a:spcBef>
@@ -3574,14 +3489,17 @@
               <a:buChar char=""/>
             </a:pPr>
             <a:r>
-              <a:rPr lang="en-US" sz="1800" b="0" strike="noStrike" spc="-1">
+              <a:rPr b="0" lang="en-US" sz="1800" spc="-1" strike="noStrike">
                 <a:latin typeface="Arial"/>
               </a:rPr>
               <a:t>Third Outline Level</a:t>
             </a:r>
-          </a:p>
-          <a:p>
-            <a:pPr marL="1728000" lvl="3" indent="-216000">
+            <a:endParaRPr b="0" lang="en-US" sz="1800" spc="-1" strike="noStrike">
+              <a:latin typeface="Arial"/>
+            </a:endParaRPr>
+          </a:p>
+          <a:p>
+            <a:pPr lvl="3" marL="1728000" indent="-216000">
               <a:spcBef>
                 <a:spcPts val="567"/>
               </a:spcBef>
@@ -3593,14 +3511,17 @@
               <a:buChar char=""/>
             </a:pPr>
             <a:r>
-              <a:rPr lang="en-US" sz="1800" b="0" strike="noStrike" spc="-1">
+              <a:rPr b="0" lang="en-US" sz="1800" spc="-1" strike="noStrike">
                 <a:latin typeface="Arial"/>
               </a:rPr>
               <a:t>Fourth Outline Level</a:t>
             </a:r>
-          </a:p>
-          <a:p>
-            <a:pPr marL="2160000" lvl="4" indent="-216000">
+            <a:endParaRPr b="0" lang="en-US" sz="1800" spc="-1" strike="noStrike">
+              <a:latin typeface="Arial"/>
+            </a:endParaRPr>
+          </a:p>
+          <a:p>
+            <a:pPr lvl="4" marL="2160000" indent="-216000">
               <a:spcBef>
                 <a:spcPts val="283"/>
               </a:spcBef>
@@ -3612,14 +3533,17 @@
               <a:buChar char=""/>
             </a:pPr>
             <a:r>
-              <a:rPr lang="en-US" sz="1800" b="0" strike="noStrike" spc="-1">
+              <a:rPr b="0" lang="en-US" sz="1800" spc="-1" strike="noStrike">
                 <a:latin typeface="Arial"/>
               </a:rPr>
               <a:t>Fifth Outline Level</a:t>
             </a:r>
-          </a:p>
-          <a:p>
-            <a:pPr marL="2592000" lvl="5" indent="-216000">
+            <a:endParaRPr b="0" lang="en-US" sz="1800" spc="-1" strike="noStrike">
+              <a:latin typeface="Arial"/>
+            </a:endParaRPr>
+          </a:p>
+          <a:p>
+            <a:pPr lvl="5" marL="2592000" indent="-216000">
               <a:spcBef>
                 <a:spcPts val="283"/>
               </a:spcBef>
@@ -3631,14 +3555,17 @@
               <a:buChar char=""/>
             </a:pPr>
             <a:r>
-              <a:rPr lang="en-US" sz="1800" b="0" strike="noStrike" spc="-1">
+              <a:rPr b="0" lang="en-US" sz="1800" spc="-1" strike="noStrike">
                 <a:latin typeface="Arial"/>
               </a:rPr>
               <a:t>Sixth Outline Level</a:t>
             </a:r>
-          </a:p>
-          <a:p>
-            <a:pPr marL="3024000" lvl="6" indent="-216000">
+            <a:endParaRPr b="0" lang="en-US" sz="1800" spc="-1" strike="noStrike">
+              <a:latin typeface="Arial"/>
+            </a:endParaRPr>
+          </a:p>
+          <a:p>
+            <a:pPr lvl="6" marL="3024000" indent="-216000">
               <a:spcBef>
                 <a:spcPts val="283"/>
               </a:spcBef>
@@ -3650,11 +3577,14 @@
               <a:buChar char=""/>
             </a:pPr>
             <a:r>
-              <a:rPr lang="en-US" sz="1800" b="0" strike="noStrike" spc="-1">
+              <a:rPr b="0" lang="en-US" sz="1800" spc="-1" strike="noStrike">
                 <a:latin typeface="Arial"/>
               </a:rPr>
               <a:t>Seventh Outline Level</a:t>
             </a:r>
+            <a:endParaRPr b="0" lang="en-US" sz="1800" spc="-1" strike="noStrike">
+              <a:latin typeface="Arial"/>
+            </a:endParaRPr>
           </a:p>
         </p:txBody>
       </p:sp>
@@ -3670,18 +3600,21 @@
         </p:nvSpPr>
         <p:spPr>
           <a:xfrm>
-            <a:off x="2361240" y="1152360"/>
-            <a:ext cx="1951200" cy="3415680"/>
-          </a:xfrm>
-          <a:prstGeom prst="rect">
-            <a:avLst/>
-          </a:prstGeom>
-        </p:spPr>
-        <p:txBody>
-          <a:bodyPr lIns="0" tIns="0" rIns="0" bIns="0">
-            <a:normAutofit/>
-          </a:bodyPr>
-          <a:lstStyle/>
+            <a:off x="799560" y="1152360"/>
+            <a:ext cx="463680" cy="3414960"/>
+          </a:xfrm>
+          <a:prstGeom prst="rect">
+            <a:avLst/>
+          </a:prstGeom>
+          <a:noFill/>
+          <a:ln w="0">
+            <a:noFill/>
+          </a:ln>
+        </p:spPr>
+        <p:txBody>
+          <a:bodyPr lIns="0" rIns="0" tIns="0" bIns="0" anchor="t">
+            <a:normAutofit fontScale="19000"/>
+          </a:bodyPr>
           <a:p>
             <a:pPr marL="432000" indent="-324000">
               <a:spcBef>
@@ -3695,14 +3628,17 @@
               <a:buChar char=""/>
             </a:pPr>
             <a:r>
-              <a:rPr lang="en-US" sz="1800" b="0" strike="noStrike" spc="-1">
+              <a:rPr b="0" lang="en-US" sz="1800" spc="-1" strike="noStrike">
                 <a:latin typeface="Arial"/>
               </a:rPr>
               <a:t>Click to edit the outline text format</a:t>
             </a:r>
-          </a:p>
-          <a:p>
-            <a:pPr marL="864000" lvl="1" indent="-324000">
+            <a:endParaRPr b="0" lang="en-US" sz="1800" spc="-1" strike="noStrike">
+              <a:latin typeface="Arial"/>
+            </a:endParaRPr>
+          </a:p>
+          <a:p>
+            <a:pPr lvl="1" marL="864000" indent="-324000">
               <a:spcBef>
                 <a:spcPts val="1134"/>
               </a:spcBef>
@@ -3714,14 +3650,17 @@
               <a:buChar char=""/>
             </a:pPr>
             <a:r>
-              <a:rPr lang="en-US" sz="1800" b="0" strike="noStrike" spc="-1">
+              <a:rPr b="0" lang="en-US" sz="1800" spc="-1" strike="noStrike">
                 <a:latin typeface="Arial"/>
               </a:rPr>
               <a:t>Second Outline Level</a:t>
             </a:r>
-          </a:p>
-          <a:p>
-            <a:pPr marL="1296000" lvl="2" indent="-288000">
+            <a:endParaRPr b="0" lang="en-US" sz="1800" spc="-1" strike="noStrike">
+              <a:latin typeface="Arial"/>
+            </a:endParaRPr>
+          </a:p>
+          <a:p>
+            <a:pPr lvl="2" marL="1296000" indent="-288000">
               <a:spcBef>
                 <a:spcPts val="850"/>
               </a:spcBef>
@@ -3733,14 +3672,17 @@
               <a:buChar char=""/>
             </a:pPr>
             <a:r>
-              <a:rPr lang="en-US" sz="1800" b="0" strike="noStrike" spc="-1">
+              <a:rPr b="0" lang="en-US" sz="1800" spc="-1" strike="noStrike">
                 <a:latin typeface="Arial"/>
               </a:rPr>
               <a:t>Third Outline Level</a:t>
             </a:r>
-          </a:p>
-          <a:p>
-            <a:pPr marL="1728000" lvl="3" indent="-216000">
+            <a:endParaRPr b="0" lang="en-US" sz="1800" spc="-1" strike="noStrike">
+              <a:latin typeface="Arial"/>
+            </a:endParaRPr>
+          </a:p>
+          <a:p>
+            <a:pPr lvl="3" marL="1728000" indent="-216000">
               <a:spcBef>
                 <a:spcPts val="567"/>
               </a:spcBef>
@@ -3752,14 +3694,17 @@
               <a:buChar char=""/>
             </a:pPr>
             <a:r>
-              <a:rPr lang="en-US" sz="1800" b="0" strike="noStrike" spc="-1">
+              <a:rPr b="0" lang="en-US" sz="1800" spc="-1" strike="noStrike">
                 <a:latin typeface="Arial"/>
               </a:rPr>
               <a:t>Fourth Outline Level</a:t>
             </a:r>
-          </a:p>
-          <a:p>
-            <a:pPr marL="2160000" lvl="4" indent="-216000">
+            <a:endParaRPr b="0" lang="en-US" sz="1800" spc="-1" strike="noStrike">
+              <a:latin typeface="Arial"/>
+            </a:endParaRPr>
+          </a:p>
+          <a:p>
+            <a:pPr lvl="4" marL="2160000" indent="-216000">
               <a:spcBef>
                 <a:spcPts val="283"/>
               </a:spcBef>
@@ -3771,14 +3716,17 @@
               <a:buChar char=""/>
             </a:pPr>
             <a:r>
-              <a:rPr lang="en-US" sz="1800" b="0" strike="noStrike" spc="-1">
+              <a:rPr b="0" lang="en-US" sz="1800" spc="-1" strike="noStrike">
                 <a:latin typeface="Arial"/>
               </a:rPr>
               <a:t>Fifth Outline Level</a:t>
             </a:r>
-          </a:p>
-          <a:p>
-            <a:pPr marL="2592000" lvl="5" indent="-216000">
+            <a:endParaRPr b="0" lang="en-US" sz="1800" spc="-1" strike="noStrike">
+              <a:latin typeface="Arial"/>
+            </a:endParaRPr>
+          </a:p>
+          <a:p>
+            <a:pPr lvl="5" marL="2592000" indent="-216000">
               <a:spcBef>
                 <a:spcPts val="283"/>
               </a:spcBef>
@@ -3790,14 +3738,17 @@
               <a:buChar char=""/>
             </a:pPr>
             <a:r>
-              <a:rPr lang="en-US" sz="1800" b="0" strike="noStrike" spc="-1">
+              <a:rPr b="0" lang="en-US" sz="1800" spc="-1" strike="noStrike">
                 <a:latin typeface="Arial"/>
               </a:rPr>
               <a:t>Sixth Outline Level</a:t>
             </a:r>
-          </a:p>
-          <a:p>
-            <a:pPr marL="3024000" lvl="6" indent="-216000">
+            <a:endParaRPr b="0" lang="en-US" sz="1800" spc="-1" strike="noStrike">
+              <a:latin typeface="Arial"/>
+            </a:endParaRPr>
+          </a:p>
+          <a:p>
+            <a:pPr lvl="6" marL="3024000" indent="-216000">
               <a:spcBef>
                 <a:spcPts val="283"/>
               </a:spcBef>
@@ -3809,316 +3760,39 @@
               <a:buChar char=""/>
             </a:pPr>
             <a:r>
-              <a:rPr lang="en-US" sz="1800" b="0" strike="noStrike" spc="-1">
+              <a:rPr b="0" lang="en-US" sz="1800" spc="-1" strike="noStrike">
                 <a:latin typeface="Arial"/>
               </a:rPr>
               <a:t>Seventh Outline Level</a:t>
             </a:r>
+            <a:endParaRPr b="0" lang="en-US" sz="1800" spc="-1" strike="noStrike">
+              <a:latin typeface="Arial"/>
+            </a:endParaRPr>
           </a:p>
         </p:txBody>
       </p:sp>
     </p:spTree>
   </p:cSld>
-  <p:clrMap bg1="lt1" tx1="dk1" bg2="lt2" tx2="dk2" accent1="accent1" accent2="accent2" accent3="accent3" accent4="accent4" accent5="accent5" accent6="accent6" hlink="hlink" folHlink="folHlink"/>
+  <p:clrMap bg1="lt1" bg2="lt2" tx1="dk1" tx2="dk2" accent1="accent1" accent2="accent2" accent3="accent3" accent4="accent4" accent5="accent5" accent6="accent6" hlink="hlink" folHlink="folHlink"/>
   <p:sldLayoutIdLst>
-    <p:sldLayoutId id="2147483662" r:id="rId1"/>
-    <p:sldLayoutId id="2147483663" r:id="rId2"/>
-    <p:sldLayoutId id="2147483664" r:id="rId3"/>
-    <p:sldLayoutId id="2147483665" r:id="rId4"/>
-    <p:sldLayoutId id="2147483666" r:id="rId5"/>
-    <p:sldLayoutId id="2147483667" r:id="rId6"/>
-    <p:sldLayoutId id="2147483668" r:id="rId7"/>
-    <p:sldLayoutId id="2147483669" r:id="rId8"/>
-    <p:sldLayoutId id="2147483670" r:id="rId9"/>
-    <p:sldLayoutId id="2147483671" r:id="rId10"/>
-    <p:sldLayoutId id="2147483672" r:id="rId11"/>
-    <p:sldLayoutId id="2147483673" r:id="rId12"/>
+    <p:sldLayoutId id="2147483662" r:id="rId2"/>
+    <p:sldLayoutId id="2147483663" r:id="rId3"/>
+    <p:sldLayoutId id="2147483664" r:id="rId4"/>
+    <p:sldLayoutId id="2147483665" r:id="rId5"/>
+    <p:sldLayoutId id="2147483666" r:id="rId6"/>
+    <p:sldLayoutId id="2147483667" r:id="rId7"/>
+    <p:sldLayoutId id="2147483668" r:id="rId8"/>
+    <p:sldLayoutId id="2147483669" r:id="rId9"/>
+    <p:sldLayoutId id="2147483670" r:id="rId10"/>
+    <p:sldLayoutId id="2147483671" r:id="rId11"/>
+    <p:sldLayoutId id="2147483672" r:id="rId12"/>
+    <p:sldLayoutId id="2147483673" r:id="rId13"/>
   </p:sldLayoutIdLst>
-  <p:txStyles>
-    <p:titleStyle>
-      <a:lvl1pPr algn="l" defTabSz="914400" rtl="0" eaLnBrk="1" latinLnBrk="0" hangingPunct="1">
-        <a:lnSpc>
-          <a:spcPct val="90000"/>
-        </a:lnSpc>
-        <a:spcBef>
-          <a:spcPct val="0"/>
-        </a:spcBef>
-        <a:buNone/>
-        <a:defRPr sz="4400" kern="1200">
-          <a:solidFill>
-            <a:schemeClr val="tx1"/>
-          </a:solidFill>
-          <a:latin typeface="+mj-lt"/>
-          <a:ea typeface="+mj-ea"/>
-          <a:cs typeface="+mj-cs"/>
-        </a:defRPr>
-      </a:lvl1pPr>
-    </p:titleStyle>
-    <p:bodyStyle>
-      <a:lvl1pPr marL="228600" indent="-228600" algn="l" defTabSz="914400" rtl="0" eaLnBrk="1" latinLnBrk="0" hangingPunct="1">
-        <a:lnSpc>
-          <a:spcPct val="90000"/>
-        </a:lnSpc>
-        <a:spcBef>
-          <a:spcPts val="1000"/>
-        </a:spcBef>
-        <a:buFont typeface="Arial" panose="020B0604020202020204" pitchFamily="34" charset="0"/>
-        <a:buChar char="•"/>
-        <a:defRPr sz="2800" kern="1200">
-          <a:solidFill>
-            <a:schemeClr val="tx1"/>
-          </a:solidFill>
-          <a:latin typeface="+mn-lt"/>
-          <a:ea typeface="+mn-ea"/>
-          <a:cs typeface="+mn-cs"/>
-        </a:defRPr>
-      </a:lvl1pPr>
-      <a:lvl2pPr marL="685800" indent="-228600" algn="l" defTabSz="914400" rtl="0" eaLnBrk="1" latinLnBrk="0" hangingPunct="1">
-        <a:lnSpc>
-          <a:spcPct val="90000"/>
-        </a:lnSpc>
-        <a:spcBef>
-          <a:spcPts val="500"/>
-        </a:spcBef>
-        <a:buFont typeface="Arial" panose="020B0604020202020204" pitchFamily="34" charset="0"/>
-        <a:buChar char="•"/>
-        <a:defRPr sz="2400" kern="1200">
-          <a:solidFill>
-            <a:schemeClr val="tx1"/>
-          </a:solidFill>
-          <a:latin typeface="+mn-lt"/>
-          <a:ea typeface="+mn-ea"/>
-          <a:cs typeface="+mn-cs"/>
-        </a:defRPr>
-      </a:lvl2pPr>
-      <a:lvl3pPr marL="1143000" indent="-228600" algn="l" defTabSz="914400" rtl="0" eaLnBrk="1" latinLnBrk="0" hangingPunct="1">
-        <a:lnSpc>
-          <a:spcPct val="90000"/>
-        </a:lnSpc>
-        <a:spcBef>
-          <a:spcPts val="500"/>
-        </a:spcBef>
-        <a:buFont typeface="Arial" panose="020B0604020202020204" pitchFamily="34" charset="0"/>
-        <a:buChar char="•"/>
-        <a:defRPr sz="2000" kern="1200">
-          <a:solidFill>
-            <a:schemeClr val="tx1"/>
-          </a:solidFill>
-          <a:latin typeface="+mn-lt"/>
-          <a:ea typeface="+mn-ea"/>
-          <a:cs typeface="+mn-cs"/>
-        </a:defRPr>
-      </a:lvl3pPr>
-      <a:lvl4pPr marL="1600200" indent="-228600" algn="l" defTabSz="914400" rtl="0" eaLnBrk="1" latinLnBrk="0" hangingPunct="1">
-        <a:lnSpc>
-          <a:spcPct val="90000"/>
-        </a:lnSpc>
-        <a:spcBef>
-          <a:spcPts val="500"/>
-        </a:spcBef>
-        <a:buFont typeface="Arial" panose="020B0604020202020204" pitchFamily="34" charset="0"/>
-        <a:buChar char="•"/>
-        <a:defRPr sz="1800" kern="1200">
-          <a:solidFill>
-            <a:schemeClr val="tx1"/>
-          </a:solidFill>
-          <a:latin typeface="+mn-lt"/>
-          <a:ea typeface="+mn-ea"/>
-          <a:cs typeface="+mn-cs"/>
-        </a:defRPr>
-      </a:lvl4pPr>
-      <a:lvl5pPr marL="2057400" indent="-228600" algn="l" defTabSz="914400" rtl="0" eaLnBrk="1" latinLnBrk="0" hangingPunct="1">
-        <a:lnSpc>
-          <a:spcPct val="90000"/>
-        </a:lnSpc>
-        <a:spcBef>
-          <a:spcPts val="500"/>
-        </a:spcBef>
-        <a:buFont typeface="Arial" panose="020B0604020202020204" pitchFamily="34" charset="0"/>
-        <a:buChar char="•"/>
-        <a:defRPr sz="1800" kern="1200">
-          <a:solidFill>
-            <a:schemeClr val="tx1"/>
-          </a:solidFill>
-          <a:latin typeface="+mn-lt"/>
-          <a:ea typeface="+mn-ea"/>
-          <a:cs typeface="+mn-cs"/>
-        </a:defRPr>
-      </a:lvl5pPr>
-      <a:lvl6pPr marL="2514600" indent="-228600" algn="l" defTabSz="914400" rtl="0" eaLnBrk="1" latinLnBrk="0" hangingPunct="1">
-        <a:lnSpc>
-          <a:spcPct val="90000"/>
-        </a:lnSpc>
-        <a:spcBef>
-          <a:spcPts val="500"/>
-        </a:spcBef>
-        <a:buFont typeface="Arial" panose="020B0604020202020204" pitchFamily="34" charset="0"/>
-        <a:buChar char="•"/>
-        <a:defRPr sz="1800" kern="1200">
-          <a:solidFill>
-            <a:schemeClr val="tx1"/>
-          </a:solidFill>
-          <a:latin typeface="+mn-lt"/>
-          <a:ea typeface="+mn-ea"/>
-          <a:cs typeface="+mn-cs"/>
-        </a:defRPr>
-      </a:lvl6pPr>
-      <a:lvl7pPr marL="2971800" indent="-228600" algn="l" defTabSz="914400" rtl="0" eaLnBrk="1" latinLnBrk="0" hangingPunct="1">
-        <a:lnSpc>
-          <a:spcPct val="90000"/>
-        </a:lnSpc>
-        <a:spcBef>
-          <a:spcPts val="500"/>
-        </a:spcBef>
-        <a:buFont typeface="Arial" panose="020B0604020202020204" pitchFamily="34" charset="0"/>
-        <a:buChar char="•"/>
-        <a:defRPr sz="1800" kern="1200">
-          <a:solidFill>
-            <a:schemeClr val="tx1"/>
-          </a:solidFill>
-          <a:latin typeface="+mn-lt"/>
-          <a:ea typeface="+mn-ea"/>
-          <a:cs typeface="+mn-cs"/>
-        </a:defRPr>
-      </a:lvl7pPr>
-      <a:lvl8pPr marL="3429000" indent="-228600" algn="l" defTabSz="914400" rtl="0" eaLnBrk="1" latinLnBrk="0" hangingPunct="1">
-        <a:lnSpc>
-          <a:spcPct val="90000"/>
-        </a:lnSpc>
-        <a:spcBef>
-          <a:spcPts val="500"/>
-        </a:spcBef>
-        <a:buFont typeface="Arial" panose="020B0604020202020204" pitchFamily="34" charset="0"/>
-        <a:buChar char="•"/>
-        <a:defRPr sz="1800" kern="1200">
-          <a:solidFill>
-            <a:schemeClr val="tx1"/>
-          </a:solidFill>
-          <a:latin typeface="+mn-lt"/>
-          <a:ea typeface="+mn-ea"/>
-          <a:cs typeface="+mn-cs"/>
-        </a:defRPr>
-      </a:lvl8pPr>
-      <a:lvl9pPr marL="3886200" indent="-228600" algn="l" defTabSz="914400" rtl="0" eaLnBrk="1" latinLnBrk="0" hangingPunct="1">
-        <a:lnSpc>
-          <a:spcPct val="90000"/>
-        </a:lnSpc>
-        <a:spcBef>
-          <a:spcPts val="500"/>
-        </a:spcBef>
-        <a:buFont typeface="Arial" panose="020B0604020202020204" pitchFamily="34" charset="0"/>
-        <a:buChar char="•"/>
-        <a:defRPr sz="1800" kern="1200">
-          <a:solidFill>
-            <a:schemeClr val="tx1"/>
-          </a:solidFill>
-          <a:latin typeface="+mn-lt"/>
-          <a:ea typeface="+mn-ea"/>
-          <a:cs typeface="+mn-cs"/>
-        </a:defRPr>
-      </a:lvl9pPr>
-    </p:bodyStyle>
-    <p:otherStyle>
-      <a:defPPr>
-        <a:defRPr lang="en-US"/>
-      </a:defPPr>
-      <a:lvl1pPr marL="0" algn="l" defTabSz="914400" rtl="0" eaLnBrk="1" latinLnBrk="0" hangingPunct="1">
-        <a:defRPr sz="1800" kern="1200">
-          <a:solidFill>
-            <a:schemeClr val="tx1"/>
-          </a:solidFill>
-          <a:latin typeface="+mn-lt"/>
-          <a:ea typeface="+mn-ea"/>
-          <a:cs typeface="+mn-cs"/>
-        </a:defRPr>
-      </a:lvl1pPr>
-      <a:lvl2pPr marL="457200" algn="l" defTabSz="914400" rtl="0" eaLnBrk="1" latinLnBrk="0" hangingPunct="1">
-        <a:defRPr sz="1800" kern="1200">
-          <a:solidFill>
-            <a:schemeClr val="tx1"/>
-          </a:solidFill>
-          <a:latin typeface="+mn-lt"/>
-          <a:ea typeface="+mn-ea"/>
-          <a:cs typeface="+mn-cs"/>
-        </a:defRPr>
-      </a:lvl2pPr>
-      <a:lvl3pPr marL="914400" algn="l" defTabSz="914400" rtl="0" eaLnBrk="1" latinLnBrk="0" hangingPunct="1">
-        <a:defRPr sz="1800" kern="1200">
-          <a:solidFill>
-            <a:schemeClr val="tx1"/>
-          </a:solidFill>
-          <a:latin typeface="+mn-lt"/>
-          <a:ea typeface="+mn-ea"/>
-          <a:cs typeface="+mn-cs"/>
-        </a:defRPr>
-      </a:lvl3pPr>
-      <a:lvl4pPr marL="1371600" algn="l" defTabSz="914400" rtl="0" eaLnBrk="1" latinLnBrk="0" hangingPunct="1">
-        <a:defRPr sz="1800" kern="1200">
-          <a:solidFill>
-            <a:schemeClr val="tx1"/>
-          </a:solidFill>
-          <a:latin typeface="+mn-lt"/>
-          <a:ea typeface="+mn-ea"/>
-          <a:cs typeface="+mn-cs"/>
-        </a:defRPr>
-      </a:lvl4pPr>
-      <a:lvl5pPr marL="1828800" algn="l" defTabSz="914400" rtl="0" eaLnBrk="1" latinLnBrk="0" hangingPunct="1">
-        <a:defRPr sz="1800" kern="1200">
-          <a:solidFill>
-            <a:schemeClr val="tx1"/>
-          </a:solidFill>
-          <a:latin typeface="+mn-lt"/>
-          <a:ea typeface="+mn-ea"/>
-          <a:cs typeface="+mn-cs"/>
-        </a:defRPr>
-      </a:lvl5pPr>
-      <a:lvl6pPr marL="2286000" algn="l" defTabSz="914400" rtl="0" eaLnBrk="1" latinLnBrk="0" hangingPunct="1">
-        <a:defRPr sz="1800" kern="1200">
-          <a:solidFill>
-            <a:schemeClr val="tx1"/>
-          </a:solidFill>
-          <a:latin typeface="+mn-lt"/>
-          <a:ea typeface="+mn-ea"/>
-          <a:cs typeface="+mn-cs"/>
-        </a:defRPr>
-      </a:lvl6pPr>
-      <a:lvl7pPr marL="2743200" algn="l" defTabSz="914400" rtl="0" eaLnBrk="1" latinLnBrk="0" hangingPunct="1">
-        <a:defRPr sz="1800" kern="1200">
-          <a:solidFill>
-            <a:schemeClr val="tx1"/>
-          </a:solidFill>
-          <a:latin typeface="+mn-lt"/>
-          <a:ea typeface="+mn-ea"/>
-          <a:cs typeface="+mn-cs"/>
-        </a:defRPr>
-      </a:lvl7pPr>
-      <a:lvl8pPr marL="3200400" algn="l" defTabSz="914400" rtl="0" eaLnBrk="1" latinLnBrk="0" hangingPunct="1">
-        <a:defRPr sz="1800" kern="1200">
-          <a:solidFill>
-            <a:schemeClr val="tx1"/>
-          </a:solidFill>
-          <a:latin typeface="+mn-lt"/>
-          <a:ea typeface="+mn-ea"/>
-          <a:cs typeface="+mn-cs"/>
-        </a:defRPr>
-      </a:lvl8pPr>
-      <a:lvl9pPr marL="3657600" algn="l" defTabSz="914400" rtl="0" eaLnBrk="1" latinLnBrk="0" hangingPunct="1">
-        <a:defRPr sz="1800" kern="1200">
-          <a:solidFill>
-            <a:schemeClr val="tx1"/>
-          </a:solidFill>
-          <a:latin typeface="+mn-lt"/>
-          <a:ea typeface="+mn-ea"/>
-          <a:cs typeface="+mn-cs"/>
-        </a:defRPr>
-      </a:lvl9pPr>
-    </p:otherStyle>
-  </p:txStyles>
 </p:sldMaster>
 </file>
 
 <file path=ppt/slides/slide1.xml><?xml version="1.0" encoding="utf-8"?>
-<p:sld xmlns:a="http://schemas.openxmlformats.org/drawingml/2006/main" xmlns:r="http://schemas.openxmlformats.org/officeDocument/2006/relationships" xmlns:p="http://schemas.openxmlformats.org/presentationml/2006/main">
+<p:sld xmlns:a="http://schemas.openxmlformats.org/drawingml/2006/main" xmlns:p="http://schemas.openxmlformats.org/presentationml/2006/main" xmlns:r="http://schemas.openxmlformats.org/officeDocument/2006/relationships" xmlns:p14="http://schemas.microsoft.com/office/powerpoint/2010/main" xmlns:p15="http://schemas.microsoft.com/office/powerpoint/2012/main" xmlns:mc="http://schemas.openxmlformats.org/markup-compatibility/2006">
   <p:cSld>
     <p:spTree>
       <p:nvGrpSpPr>
@@ -4143,39 +3817,35 @@
         <p:spPr>
           <a:xfrm>
             <a:off x="311760" y="744480"/>
-            <a:ext cx="8519760" cy="2052000"/>
-          </a:xfrm>
-          <a:prstGeom prst="rect">
-            <a:avLst/>
-          </a:prstGeom>
-          <a:noFill/>
-          <a:ln>
+            <a:ext cx="8519040" cy="2051280"/>
+          </a:xfrm>
+          <a:prstGeom prst="rect">
+            <a:avLst/>
+          </a:prstGeom>
+          <a:noFill/>
+          <a:ln w="0">
             <a:noFill/>
           </a:ln>
         </p:spPr>
         <p:style>
-          <a:lnRef idx="0">
-            <a:scrgbClr r="0" g="0" b="0"/>
-          </a:lnRef>
-          <a:fillRef idx="0">
-            <a:scrgbClr r="0" g="0" b="0"/>
-          </a:fillRef>
-          <a:effectRef idx="0">
-            <a:scrgbClr r="0" g="0" b="0"/>
-          </a:effectRef>
+          <a:lnRef idx="0"/>
+          <a:fillRef idx="0"/>
+          <a:effectRef idx="0"/>
           <a:fontRef idx="minor"/>
         </p:style>
         <p:txBody>
-          <a:bodyPr lIns="90000" tIns="91440" rIns="90000" bIns="91440" anchor="b"/>
-          <a:lstStyle/>
+          <a:bodyPr lIns="90000" rIns="90000" tIns="91440" bIns="91440" anchor="b">
+            <a:noAutofit/>
+          </a:bodyPr>
           <a:p>
             <a:pPr algn="ctr">
               <a:lnSpc>
                 <a:spcPct val="100000"/>
               </a:lnSpc>
-            </a:pPr>
-            <a:r>
-              <a:rPr lang="en-US" sz="5200" b="0" strike="noStrike" spc="-1" dirty="0">
+              <a:buNone/>
+            </a:pPr>
+            <a:r>
+              <a:rPr b="0" lang="en-US" sz="5200" spc="-1" strike="noStrike">
                 <a:solidFill>
                   <a:srgbClr val="000000"/>
                 </a:solidFill>
@@ -4184,7 +3854,7 @@
               </a:rPr>
               <a:t>CS 6320 Project 6</a:t>
             </a:r>
-            <a:endParaRPr lang="en-US" sz="5200" b="0" strike="noStrike" spc="-1" dirty="0">
+            <a:endParaRPr b="0" lang="en-US" sz="5200" spc="-1" strike="noStrike">
               <a:latin typeface="Arial"/>
             </a:endParaRPr>
           </a:p>
@@ -4199,48 +3869,44 @@
         <p:spPr>
           <a:xfrm>
             <a:off x="311760" y="2834280"/>
-            <a:ext cx="8519760" cy="792000"/>
-          </a:xfrm>
-          <a:prstGeom prst="rect">
-            <a:avLst/>
-          </a:prstGeom>
-          <a:noFill/>
-          <a:ln>
+            <a:ext cx="8519040" cy="791280"/>
+          </a:xfrm>
+          <a:prstGeom prst="rect">
+            <a:avLst/>
+          </a:prstGeom>
+          <a:noFill/>
+          <a:ln w="0">
             <a:noFill/>
           </a:ln>
         </p:spPr>
         <p:style>
-          <a:lnRef idx="0">
-            <a:scrgbClr r="0" g="0" b="0"/>
-          </a:lnRef>
-          <a:fillRef idx="0">
-            <a:scrgbClr r="0" g="0" b="0"/>
-          </a:fillRef>
-          <a:effectRef idx="0">
-            <a:scrgbClr r="0" g="0" b="0"/>
-          </a:effectRef>
+          <a:lnRef idx="0"/>
+          <a:fillRef idx="0"/>
+          <a:effectRef idx="0"/>
           <a:fontRef idx="minor"/>
         </p:style>
         <p:txBody>
-          <a:bodyPr lIns="90000" tIns="91440" rIns="90000" bIns="91440"/>
-          <a:lstStyle/>
+          <a:bodyPr lIns="90000" rIns="90000" tIns="91440" bIns="91440" anchor="t">
+            <a:noAutofit/>
+          </a:bodyPr>
           <a:p>
             <a:pPr algn="ctr">
               <a:lnSpc>
                 <a:spcPct val="100000"/>
               </a:lnSpc>
-            </a:pPr>
-            <a:r>
-              <a:rPr lang="en-US" sz="2800" b="0" strike="noStrike" spc="-1" dirty="0">
+              <a:buNone/>
+            </a:pPr>
+            <a:r>
+              <a:rPr b="0" lang="en-US" sz="2800" spc="-1" strike="noStrike">
                 <a:solidFill>
                   <a:srgbClr val="595959"/>
                 </a:solidFill>
                 <a:latin typeface="Arial"/>
                 <a:ea typeface="Arial"/>
               </a:rPr>
-              <a:t>Name</a:t>
-            </a:r>
-            <a:endParaRPr lang="en-US" sz="2800" b="0" strike="noStrike" spc="-1" dirty="0">
+              <a:t>Jordy A. Larrea Rodriguez</a:t>
+            </a:r>
+            <a:endParaRPr b="0" lang="en-US" sz="2800" spc="-1" strike="noStrike">
               <a:latin typeface="Arial"/>
             </a:endParaRPr>
           </a:p>
@@ -4249,18 +3915,19 @@
               <a:lnSpc>
                 <a:spcPct val="100000"/>
               </a:lnSpc>
-            </a:pPr>
-            <a:r>
-              <a:rPr lang="en-US" sz="2800" b="0" strike="noStrike" spc="-1" dirty="0">
+              <a:buNone/>
+            </a:pPr>
+            <a:r>
+              <a:rPr b="0" lang="en-US" sz="2800" spc="-1" strike="noStrike">
                 <a:solidFill>
                   <a:srgbClr val="595959"/>
                 </a:solidFill>
                 <a:latin typeface="Arial"/>
                 <a:ea typeface="Arial"/>
               </a:rPr>
-              <a:t>Email</a:t>
-            </a:r>
-            <a:endParaRPr lang="en-US" sz="2800" b="0" strike="noStrike" spc="-1" dirty="0">
+              <a:t>Jordy.Larrea@utah.edu</a:t>
+            </a:r>
+            <a:endParaRPr b="0" lang="en-US" sz="2800" spc="-1" strike="noStrike">
               <a:latin typeface="Arial"/>
             </a:endParaRPr>
           </a:p>
@@ -4269,18 +3936,19 @@
               <a:lnSpc>
                 <a:spcPct val="100000"/>
               </a:lnSpc>
-            </a:pPr>
-            <a:r>
-              <a:rPr lang="en-US" sz="2800" b="0" strike="noStrike" spc="-1" dirty="0">
+              <a:buNone/>
+            </a:pPr>
+            <a:r>
+              <a:rPr b="0" lang="en-US" sz="2800" spc="-1" strike="noStrike">
                 <a:solidFill>
                   <a:srgbClr val="595959"/>
                 </a:solidFill>
                 <a:latin typeface="Arial"/>
                 <a:ea typeface="Arial"/>
               </a:rPr>
-              <a:t>UID</a:t>
-            </a:r>
-            <a:endParaRPr lang="en-US" sz="2800" b="0" strike="noStrike" spc="-1" dirty="0">
+              <a:t>u1236145</a:t>
+            </a:r>
+            <a:endParaRPr b="0" lang="en-US" sz="2800" spc="-1" strike="noStrike">
               <a:latin typeface="Arial"/>
             </a:endParaRPr>
           </a:p>
@@ -4289,8 +3957,9 @@
               <a:lnSpc>
                 <a:spcPct val="100000"/>
               </a:lnSpc>
-            </a:pPr>
-            <a:endParaRPr lang="en-US" sz="2800" b="0" strike="noStrike" spc="-1" dirty="0">
+              <a:buNone/>
+            </a:pPr>
+            <a:endParaRPr b="0" lang="en-US" sz="2800" spc="-1" strike="noStrike">
               <a:latin typeface="Arial"/>
             </a:endParaRPr>
           </a:p>
@@ -4298,41 +3967,19 @@
       </p:sp>
     </p:spTree>
   </p:cSld>
-  <p:clrMapOvr>
-    <a:masterClrMapping/>
-  </p:clrMapOvr>
-  <p:timing>
-    <p:tnLst>
-      <p:par>
-        <p:cTn id="1" dur="indefinite" restart="never" nodeType="tmRoot">
-          <p:childTnLst>
-            <p:seq>
-              <p:cTn id="2" dur="indefinite" nodeType="mainSeq"/>
-              <p:prevCondLst>
-                <p:cond evt="onPrev" delay="0">
-                  <p:tgtEl>
-                    <p:sldTgt/>
-                  </p:tgtEl>
-                </p:cond>
-              </p:prevCondLst>
-              <p:nextCondLst>
-                <p:cond evt="onNext" delay="0">
-                  <p:tgtEl>
-                    <p:sldTgt/>
-                  </p:tgtEl>
-                </p:cond>
-              </p:nextCondLst>
-            </p:seq>
-          </p:childTnLst>
-        </p:cTn>
-      </p:par>
-    </p:tnLst>
-  </p:timing>
+  <mc:AlternateContent>
+    <mc:Choice Requires="p14">
+      <p:transition spd="slow" p14:dur="2000"/>
+    </mc:Choice>
+    <mc:Fallback>
+      <p:transition spd="slow"/>
+    </mc:Fallback>
+  </mc:AlternateContent>
 </p:sld>
 </file>
 
 <file path=ppt/slides/slide10.xml><?xml version="1.0" encoding="utf-8"?>
-<p:sld xmlns:a="http://schemas.openxmlformats.org/drawingml/2006/main" xmlns:r="http://schemas.openxmlformats.org/officeDocument/2006/relationships" xmlns:p="http://schemas.openxmlformats.org/presentationml/2006/main">
+<p:sld xmlns:a="http://schemas.openxmlformats.org/drawingml/2006/main" xmlns:p="http://schemas.openxmlformats.org/presentationml/2006/main" xmlns:r="http://schemas.openxmlformats.org/officeDocument/2006/relationships" xmlns:p14="http://schemas.microsoft.com/office/powerpoint/2010/main" xmlns:p15="http://schemas.microsoft.com/office/powerpoint/2012/main" xmlns:mc="http://schemas.openxmlformats.org/markup-compatibility/2006">
   <p:cSld>
     <p:spTree>
       <p:nvGrpSpPr>
@@ -4350,46 +3997,42 @@
       </p:grpSpPr>
       <p:sp>
         <p:nvSpPr>
-          <p:cNvPr id="87" name="CustomShape 1"/>
+          <p:cNvPr id="94" name="CustomShape 1"/>
           <p:cNvSpPr/>
           <p:nvPr/>
         </p:nvSpPr>
         <p:spPr>
           <a:xfrm>
             <a:off x="311760" y="438840"/>
-            <a:ext cx="8394840" cy="4129560"/>
-          </a:xfrm>
-          <a:prstGeom prst="rect">
-            <a:avLst/>
-          </a:prstGeom>
-          <a:noFill/>
-          <a:ln>
+            <a:ext cx="8394120" cy="4128840"/>
+          </a:xfrm>
+          <a:prstGeom prst="rect">
+            <a:avLst/>
+          </a:prstGeom>
+          <a:noFill/>
+          <a:ln w="0">
             <a:noFill/>
           </a:ln>
         </p:spPr>
         <p:style>
-          <a:lnRef idx="0">
-            <a:scrgbClr r="0" g="0" b="0"/>
-          </a:lnRef>
-          <a:fillRef idx="0">
-            <a:scrgbClr r="0" g="0" b="0"/>
-          </a:fillRef>
-          <a:effectRef idx="0">
-            <a:scrgbClr r="0" g="0" b="0"/>
-          </a:effectRef>
+          <a:lnRef idx="0"/>
+          <a:fillRef idx="0"/>
+          <a:effectRef idx="0"/>
           <a:fontRef idx="minor"/>
         </p:style>
         <p:txBody>
-          <a:bodyPr lIns="90000" tIns="91440" rIns="90000" bIns="91440"/>
-          <a:lstStyle/>
+          <a:bodyPr lIns="90000" rIns="90000" tIns="91440" bIns="91440" anchor="t">
+            <a:noAutofit/>
+          </a:bodyPr>
           <a:p>
             <a:pPr>
               <a:lnSpc>
                 <a:spcPct val="115000"/>
               </a:lnSpc>
-            </a:pPr>
-            <a:r>
-              <a:rPr lang="en-US" sz="1400" b="1" strike="noStrike" spc="-1">
+              <a:buNone/>
+            </a:pPr>
+            <a:r>
+              <a:rPr b="1" lang="en-US" sz="1400" spc="-1" strike="noStrike">
                 <a:solidFill>
                   <a:srgbClr val="595959"/>
                 </a:solidFill>
@@ -4398,7 +4041,7 @@
               </a:rPr>
               <a:t>Conclusion: briefly discuss what you have learned from this project.</a:t>
             </a:r>
-            <a:endParaRPr lang="en-US" sz="1400" b="0" strike="noStrike" spc="-1">
+            <a:endParaRPr b="0" lang="en-US" sz="1400" spc="-1" strike="noStrike">
               <a:latin typeface="Arial"/>
             </a:endParaRPr>
           </a:p>
@@ -4413,18 +4056,19 @@
               <a:spcAft>
                 <a:spcPts val="1599"/>
               </a:spcAft>
-            </a:pPr>
-            <a:r>
-              <a:rPr lang="en-US" sz="1400" b="0" strike="noStrike" spc="-1">
+              <a:buNone/>
+            </a:pPr>
+            <a:r>
+              <a:rPr b="0" lang="en-US" sz="1400" spc="-1" strike="noStrike">
                 <a:solidFill>
                   <a:srgbClr val="595959"/>
                 </a:solidFill>
                 <a:latin typeface="Arial"/>
                 <a:ea typeface="Arial"/>
               </a:rPr>
-              <a:t>&lt;Text solution here&gt;</a:t>
-            </a:r>
-            <a:endParaRPr lang="en-US" sz="1400" b="0" strike="noStrike" spc="-1">
+              <a:t>Fine-tuning a NN by fusing with an existing reputable network was quite the learning experience, and improved my understanding of what ML engineering for more complicated NN architectures looks like from a big picture perspective.</a:t>
+            </a:r>
+            <a:endParaRPr b="0" lang="en-US" sz="1400" spc="-1" strike="noStrike">
               <a:latin typeface="Arial"/>
             </a:endParaRPr>
           </a:p>
@@ -4432,41 +4076,19 @@
       </p:sp>
     </p:spTree>
   </p:cSld>
-  <p:clrMapOvr>
-    <a:masterClrMapping/>
-  </p:clrMapOvr>
-  <p:timing>
-    <p:tnLst>
-      <p:par>
-        <p:cTn id="1" dur="indefinite" restart="never" nodeType="tmRoot">
-          <p:childTnLst>
-            <p:seq>
-              <p:cTn id="2" dur="indefinite" nodeType="mainSeq"/>
-              <p:prevCondLst>
-                <p:cond evt="onPrev" delay="0">
-                  <p:tgtEl>
-                    <p:sldTgt/>
-                  </p:tgtEl>
-                </p:cond>
-              </p:prevCondLst>
-              <p:nextCondLst>
-                <p:cond evt="onNext" delay="0">
-                  <p:tgtEl>
-                    <p:sldTgt/>
-                  </p:tgtEl>
-                </p:cond>
-              </p:nextCondLst>
-            </p:seq>
-          </p:childTnLst>
-        </p:cTn>
-      </p:par>
-    </p:tnLst>
-  </p:timing>
+  <mc:AlternateContent>
+    <mc:Choice Requires="p14">
+      <p:transition spd="slow" p14:dur="2000"/>
+    </mc:Choice>
+    <mc:Fallback>
+      <p:transition spd="slow"/>
+    </mc:Fallback>
+  </mc:AlternateContent>
 </p:sld>
 </file>
 
 <file path=ppt/slides/slide11.xml><?xml version="1.0" encoding="utf-8"?>
-<p:sld xmlns:a="http://schemas.openxmlformats.org/drawingml/2006/main" xmlns:r="http://schemas.openxmlformats.org/officeDocument/2006/relationships" xmlns:p="http://schemas.openxmlformats.org/presentationml/2006/main">
+<p:sld xmlns:a="http://schemas.openxmlformats.org/drawingml/2006/main" xmlns:p="http://schemas.openxmlformats.org/presentationml/2006/main" xmlns:r="http://schemas.openxmlformats.org/officeDocument/2006/relationships" xmlns:p14="http://schemas.microsoft.com/office/powerpoint/2010/main" xmlns:p15="http://schemas.microsoft.com/office/powerpoint/2012/main" xmlns:mc="http://schemas.openxmlformats.org/markup-compatibility/2006">
   <p:cSld>
     <p:spTree>
       <p:nvGrpSpPr>
@@ -4484,114 +4106,278 @@
       </p:grpSpPr>
       <p:sp>
         <p:nvSpPr>
-          <p:cNvPr id="88" name="CustomShape 1"/>
+          <p:cNvPr id="95" name="CustomShape 2"/>
           <p:cNvSpPr/>
           <p:nvPr/>
         </p:nvSpPr>
         <p:spPr>
           <a:xfrm>
-            <a:off x="311760" y="444960"/>
-            <a:ext cx="8519760" cy="572040"/>
-          </a:xfrm>
-          <a:prstGeom prst="rect">
-            <a:avLst/>
-          </a:prstGeom>
-          <a:noFill/>
-          <a:ln>
+            <a:off x="311760" y="1016640"/>
+            <a:ext cx="7916400" cy="2967120"/>
+          </a:xfrm>
+          <a:prstGeom prst="rect">
+            <a:avLst/>
+          </a:prstGeom>
+          <a:noFill/>
+          <a:ln w="0">
             <a:noFill/>
           </a:ln>
         </p:spPr>
         <p:style>
-          <a:lnRef idx="0">
-            <a:scrgbClr r="0" g="0" b="0"/>
-          </a:lnRef>
-          <a:fillRef idx="0">
-            <a:scrgbClr r="0" g="0" b="0"/>
-          </a:fillRef>
-          <a:effectRef idx="0">
-            <a:scrgbClr r="0" g="0" b="0"/>
-          </a:effectRef>
+          <a:lnRef idx="0"/>
+          <a:fillRef idx="0"/>
+          <a:effectRef idx="0"/>
           <a:fontRef idx="minor"/>
         </p:style>
         <p:txBody>
-          <a:bodyPr lIns="90000" tIns="91440" rIns="90000" bIns="91440"/>
-          <a:lstStyle/>
+          <a:bodyPr lIns="90000" rIns="90000" tIns="91440" bIns="91440" anchor="t">
+            <a:noAutofit/>
+          </a:bodyPr>
           <a:p>
             <a:pPr>
               <a:lnSpc>
                 <a:spcPct val="100000"/>
               </a:lnSpc>
-            </a:pPr>
-            <a:r>
-              <a:rPr lang="en-US" sz="2800" b="0" strike="noStrike" spc="-1">
-                <a:solidFill>
-                  <a:srgbClr val="000000"/>
-                </a:solidFill>
-                <a:latin typeface="Arial"/>
-                <a:ea typeface="Arial"/>
-              </a:rPr>
-              <a:t>Extra Credit</a:t>
-            </a:r>
-            <a:endParaRPr lang="en-US" sz="2800" b="0" strike="noStrike" spc="-1">
-              <a:latin typeface="Arial"/>
-            </a:endParaRPr>
-          </a:p>
-        </p:txBody>
-      </p:sp>
-      <p:sp>
-        <p:nvSpPr>
-          <p:cNvPr id="89" name="CustomShape 2"/>
-          <p:cNvSpPr/>
-          <p:nvPr/>
-        </p:nvSpPr>
-        <p:spPr>
-          <a:xfrm>
-            <a:off x="311760" y="1152360"/>
-            <a:ext cx="8519760" cy="3415680"/>
-          </a:xfrm>
-          <a:prstGeom prst="rect">
-            <a:avLst/>
-          </a:prstGeom>
-          <a:noFill/>
-          <a:ln>
-            <a:noFill/>
-          </a:ln>
-        </p:spPr>
-        <p:style>
-          <a:lnRef idx="0">
-            <a:scrgbClr r="0" g="0" b="0"/>
-          </a:lnRef>
-          <a:fillRef idx="0">
-            <a:scrgbClr r="0" g="0" b="0"/>
-          </a:fillRef>
-          <a:effectRef idx="0">
-            <a:scrgbClr r="0" g="0" b="0"/>
-          </a:effectRef>
-          <a:fontRef idx="minor"/>
-        </p:style>
-        <p:txBody>
-          <a:bodyPr lIns="90000" tIns="91440" rIns="90000" bIns="91440"/>
-          <a:lstStyle/>
+              <a:spcAft>
+                <a:spcPts val="1599"/>
+              </a:spcAft>
+              <a:buNone/>
+            </a:pPr>
+            <a:endParaRPr b="0" lang="en-US" sz="1000" spc="-1" strike="noStrike">
+              <a:latin typeface="Arial"/>
+            </a:endParaRPr>
+          </a:p>
           <a:p>
             <a:pPr>
               <a:lnSpc>
-                <a:spcPct val="115000"/>
+                <a:spcPct val="100000"/>
               </a:lnSpc>
               <a:spcAft>
                 <a:spcPts val="1599"/>
               </a:spcAft>
-            </a:pPr>
-            <a:r>
-              <a:rPr lang="en-US" sz="1400" b="0" strike="noStrike" spc="-1">
+              <a:buNone/>
+            </a:pPr>
+            <a:endParaRPr b="0" lang="en-US" sz="1000" spc="-1" strike="noStrike">
+              <a:latin typeface="Arial"/>
+            </a:endParaRPr>
+          </a:p>
+        </p:txBody>
+      </p:sp>
+      <p:sp>
+        <p:nvSpPr>
+          <p:cNvPr id="96" name="CustomShape 1"/>
+          <p:cNvSpPr/>
+          <p:nvPr/>
+        </p:nvSpPr>
+        <p:spPr>
+          <a:xfrm>
+            <a:off x="311760" y="444960"/>
+            <a:ext cx="8519040" cy="571320"/>
+          </a:xfrm>
+          <a:prstGeom prst="rect">
+            <a:avLst/>
+          </a:prstGeom>
+          <a:noFill/>
+          <a:ln w="0">
+            <a:noFill/>
+          </a:ln>
+        </p:spPr>
+        <p:style>
+          <a:lnRef idx="0"/>
+          <a:fillRef idx="0"/>
+          <a:effectRef idx="0"/>
+          <a:fontRef idx="minor"/>
+        </p:style>
+        <p:txBody>
+          <a:bodyPr lIns="90000" rIns="90000" tIns="91440" bIns="91440" anchor="t">
+            <a:noAutofit/>
+          </a:bodyPr>
+          <a:p>
+            <a:pPr>
+              <a:lnSpc>
+                <a:spcPct val="100000"/>
+              </a:lnSpc>
+              <a:buNone/>
+            </a:pPr>
+            <a:r>
+              <a:rPr b="0" lang="en-US" sz="2800" spc="-1" strike="noStrike">
                 <a:solidFill>
-                  <a:srgbClr val="595959"/>
+                  <a:srgbClr val="000000"/>
                 </a:solidFill>
                 <a:latin typeface="Arial"/>
                 <a:ea typeface="Arial"/>
               </a:rPr>
-              <a:t>&lt;Discuss what extra credit you did and analyze it. Include images of results as well &gt;</a:t>
-            </a:r>
-            <a:endParaRPr lang="en-US" sz="1400" b="0" strike="noStrike" spc="-1">
+              <a:t>Extra Credit</a:t>
+            </a:r>
+            <a:endParaRPr b="0" lang="en-US" sz="2800" spc="-1" strike="noStrike">
+              <a:latin typeface="Arial"/>
+            </a:endParaRPr>
+          </a:p>
+        </p:txBody>
+      </p:sp>
+      <p:pic>
+        <p:nvPicPr>
+          <p:cNvPr id="97" name="" descr=""/>
+          <p:cNvPicPr/>
+          <p:nvPr/>
+        </p:nvPicPr>
+        <p:blipFill>
+          <a:blip r:embed="rId1"/>
+          <a:stretch/>
+        </p:blipFill>
+        <p:spPr>
+          <a:xfrm>
+            <a:off x="4524480" y="716760"/>
+            <a:ext cx="2333160" cy="1828440"/>
+          </a:xfrm>
+          <a:prstGeom prst="rect">
+            <a:avLst/>
+          </a:prstGeom>
+          <a:ln w="0">
+            <a:noFill/>
+          </a:ln>
+        </p:spPr>
+      </p:pic>
+      <p:pic>
+        <p:nvPicPr>
+          <p:cNvPr id="98" name="" descr=""/>
+          <p:cNvPicPr/>
+          <p:nvPr/>
+        </p:nvPicPr>
+        <p:blipFill>
+          <a:blip r:embed="rId2"/>
+          <a:stretch/>
+        </p:blipFill>
+        <p:spPr>
+          <a:xfrm>
+            <a:off x="6858000" y="716760"/>
+            <a:ext cx="2257920" cy="1797480"/>
+          </a:xfrm>
+          <a:prstGeom prst="rect">
+            <a:avLst/>
+          </a:prstGeom>
+          <a:ln w="0">
+            <a:noFill/>
+          </a:ln>
+        </p:spPr>
+      </p:pic>
+      <p:sp>
+        <p:nvSpPr>
+          <p:cNvPr id="99" name=""/>
+          <p:cNvSpPr/>
+          <p:nvPr/>
+        </p:nvSpPr>
+        <p:spPr>
+          <a:xfrm>
+            <a:off x="311760" y="1143000"/>
+            <a:ext cx="3885840" cy="515520"/>
+          </a:xfrm>
+          <a:prstGeom prst="rect">
+            <a:avLst/>
+          </a:prstGeom>
+          <a:noFill/>
+          <a:ln w="0">
+            <a:noFill/>
+          </a:ln>
+        </p:spPr>
+        <p:style>
+          <a:lnRef idx="0"/>
+          <a:fillRef idx="0"/>
+          <a:effectRef idx="0"/>
+          <a:fontRef idx="minor"/>
+        </p:style>
+        <p:txBody>
+          <a:bodyPr lIns="90000" rIns="90000" tIns="45000" bIns="45000" anchor="t">
+            <a:noAutofit/>
+          </a:bodyPr>
+          <a:p>
+            <a:pPr>
+              <a:lnSpc>
+                <a:spcPct val="100000"/>
+              </a:lnSpc>
+              <a:spcAft>
+                <a:spcPts val="1599"/>
+              </a:spcAft>
+              <a:buNone/>
+            </a:pPr>
+            <a:r>
+              <a:rPr b="0" lang="en-US" sz="1000" spc="-1" strike="noStrike">
+                <a:latin typeface="Arial"/>
+              </a:rPr>
+              <a:t>EC-pt2: Added batch normalization layers at the output of the </a:t>
+            </a:r>
+            <a:r>
+              <a:rPr b="0" lang="en-US" sz="1000" spc="-1" strike="noStrike">
+                <a:latin typeface="Arial"/>
+              </a:rPr>
+              <a:t>	</a:t>
+            </a:r>
+            <a:r>
+              <a:rPr b="0" lang="en-US" sz="1000" spc="-1" strike="noStrike">
+                <a:latin typeface="Arial"/>
+              </a:rPr>
+              <a:t>convolution layers. My accuracy increased to ~63% for the pt2 simple NN w/ dropout layer(s).</a:t>
+            </a:r>
+            <a:endParaRPr b="0" lang="en-US" sz="1000" spc="-1" strike="noStrike">
+              <a:latin typeface="Arial"/>
+            </a:endParaRPr>
+          </a:p>
+        </p:txBody>
+      </p:sp>
+      <p:sp>
+        <p:nvSpPr>
+          <p:cNvPr id="100" name=""/>
+          <p:cNvSpPr/>
+          <p:nvPr/>
+        </p:nvSpPr>
+        <p:spPr>
+          <a:xfrm>
+            <a:off x="4609440" y="2545560"/>
+            <a:ext cx="5677200" cy="623520"/>
+          </a:xfrm>
+          <a:prstGeom prst="rect">
+            <a:avLst/>
+          </a:prstGeom>
+          <a:noFill/>
+          <a:ln w="0">
+            <a:noFill/>
+          </a:ln>
+        </p:spPr>
+        <p:style>
+          <a:lnRef idx="0"/>
+          <a:fillRef idx="0"/>
+          <a:effectRef idx="0"/>
+          <a:fontRef idx="minor"/>
+        </p:style>
+        <p:txBody>
+          <a:bodyPr lIns="90000" rIns="90000" tIns="45000" bIns="45000" anchor="t">
+            <a:noAutofit/>
+          </a:bodyPr>
+          <a:p>
+            <a:pPr>
+              <a:lnSpc>
+                <a:spcPct val="100000"/>
+              </a:lnSpc>
+              <a:buNone/>
+            </a:pPr>
+            <a:r>
+              <a:rPr b="0" lang="en-US" sz="800" spc="-1" strike="noStrike">
+                <a:latin typeface="Arial"/>
+              </a:rPr>
+              <a:t>Train Accuracy = 0.7604690117252931; Validation Accuracy = 0.6286666666666667 </a:t>
+            </a:r>
+            <a:endParaRPr b="0" lang="en-US" sz="800" spc="-1" strike="noStrike">
+              <a:latin typeface="Arial"/>
+            </a:endParaRPr>
+          </a:p>
+          <a:p>
+            <a:pPr>
+              <a:lnSpc>
+                <a:spcPct val="100000"/>
+              </a:lnSpc>
+              <a:buNone/>
+            </a:pPr>
+            <a:endParaRPr b="0" lang="en-US" sz="1000" spc="-1" strike="noStrike">
               <a:latin typeface="Arial"/>
             </a:endParaRPr>
           </a:p>
@@ -4599,41 +4385,19 @@
       </p:sp>
     </p:spTree>
   </p:cSld>
-  <p:clrMapOvr>
-    <a:masterClrMapping/>
-  </p:clrMapOvr>
-  <p:timing>
-    <p:tnLst>
-      <p:par>
-        <p:cTn id="1" dur="indefinite" restart="never" nodeType="tmRoot">
-          <p:childTnLst>
-            <p:seq>
-              <p:cTn id="2" dur="indefinite" nodeType="mainSeq"/>
-              <p:prevCondLst>
-                <p:cond evt="onPrev" delay="0">
-                  <p:tgtEl>
-                    <p:sldTgt/>
-                  </p:tgtEl>
-                </p:cond>
-              </p:prevCondLst>
-              <p:nextCondLst>
-                <p:cond evt="onNext" delay="0">
-                  <p:tgtEl>
-                    <p:sldTgt/>
-                  </p:tgtEl>
-                </p:cond>
-              </p:nextCondLst>
-            </p:seq>
-          </p:childTnLst>
-        </p:cTn>
-      </p:par>
-    </p:tnLst>
-  </p:timing>
+  <mc:AlternateContent>
+    <mc:Choice Requires="p14">
+      <p:transition spd="slow" p14:dur="2000"/>
+    </mc:Choice>
+    <mc:Fallback>
+      <p:transition spd="slow"/>
+    </mc:Fallback>
+  </mc:AlternateContent>
 </p:sld>
 </file>
 
 <file path=ppt/slides/slide2.xml><?xml version="1.0" encoding="utf-8"?>
-<p:sld xmlns:a="http://schemas.openxmlformats.org/drawingml/2006/main" xmlns:r="http://schemas.openxmlformats.org/officeDocument/2006/relationships" xmlns:p="http://schemas.openxmlformats.org/presentationml/2006/main">
+<p:sld xmlns:a="http://schemas.openxmlformats.org/drawingml/2006/main" xmlns:p="http://schemas.openxmlformats.org/presentationml/2006/main" xmlns:r="http://schemas.openxmlformats.org/officeDocument/2006/relationships" xmlns:p14="http://schemas.microsoft.com/office/powerpoint/2010/main" xmlns:p15="http://schemas.microsoft.com/office/powerpoint/2012/main" xmlns:mc="http://schemas.openxmlformats.org/markup-compatibility/2006">
   <p:cSld>
     <p:spTree>
       <p:nvGrpSpPr>
@@ -4658,39 +4422,35 @@
         <p:spPr>
           <a:xfrm>
             <a:off x="311760" y="438840"/>
-            <a:ext cx="8352720" cy="4129560"/>
-          </a:xfrm>
-          <a:prstGeom prst="rect">
-            <a:avLst/>
-          </a:prstGeom>
-          <a:noFill/>
-          <a:ln>
+            <a:ext cx="8352000" cy="4128840"/>
+          </a:xfrm>
+          <a:prstGeom prst="rect">
+            <a:avLst/>
+          </a:prstGeom>
+          <a:noFill/>
+          <a:ln w="0">
             <a:noFill/>
           </a:ln>
         </p:spPr>
         <p:style>
-          <a:lnRef idx="0">
-            <a:scrgbClr r="0" g="0" b="0"/>
-          </a:lnRef>
-          <a:fillRef idx="0">
-            <a:scrgbClr r="0" g="0" b="0"/>
-          </a:fillRef>
-          <a:effectRef idx="0">
-            <a:scrgbClr r="0" g="0" b="0"/>
-          </a:effectRef>
+          <a:lnRef idx="0"/>
+          <a:fillRef idx="0"/>
+          <a:effectRef idx="0"/>
           <a:fontRef idx="minor"/>
         </p:style>
         <p:txBody>
-          <a:bodyPr lIns="90000" tIns="91440" rIns="90000" bIns="91440"/>
-          <a:lstStyle/>
+          <a:bodyPr lIns="90000" rIns="90000" tIns="91440" bIns="91440" anchor="t">
+            <a:noAutofit/>
+          </a:bodyPr>
           <a:p>
             <a:pPr>
               <a:lnSpc>
                 <a:spcPct val="115000"/>
               </a:lnSpc>
-            </a:pPr>
-            <a:r>
-              <a:rPr lang="en-US" sz="1400" b="1" strike="noStrike" spc="-1">
+              <a:buNone/>
+            </a:pPr>
+            <a:r>
+              <a:rPr b="1" lang="en-US" sz="1400" spc="-1" strike="noStrike">
                 <a:solidFill>
                   <a:srgbClr val="595959"/>
                 </a:solidFill>
@@ -4699,7 +4459,7 @@
               </a:rPr>
               <a:t>Part 1: Your Training History Plots</a:t>
             </a:r>
-            <a:endParaRPr lang="en-US" sz="1400" b="0" strike="noStrike" spc="-1">
+            <a:endParaRPr b="0" lang="en-US" sz="1400" spc="-1" strike="noStrike">
               <a:latin typeface="Arial"/>
             </a:endParaRPr>
           </a:p>
@@ -4711,18 +4471,49 @@
               <a:spcBef>
                 <a:spcPts val="1599"/>
               </a:spcBef>
-            </a:pPr>
-            <a:r>
-              <a:rPr lang="en-US" sz="1400" b="0" strike="noStrike" spc="-1">
+              <a:buNone/>
+            </a:pPr>
+            <a:r>
+              <a:rPr b="0" lang="en-US" sz="1400" spc="-1" strike="noStrike">
                 <a:solidFill>
                   <a:srgbClr val="595959"/>
                 </a:solidFill>
                 <a:latin typeface="Arial"/>
                 <a:ea typeface="Arial"/>
               </a:rPr>
-              <a:t>&lt;Loss plot here&gt;				&lt;Accuracy plot here&gt;</a:t>
-            </a:r>
-            <a:endParaRPr lang="en-US" sz="1400" b="0" strike="noStrike" spc="-1">
+              <a:t>	</a:t>
+            </a:r>
+            <a:r>
+              <a:rPr b="0" lang="en-US" sz="1400" spc="-1" strike="noStrike">
+                <a:solidFill>
+                  <a:srgbClr val="595959"/>
+                </a:solidFill>
+                <a:latin typeface="Arial"/>
+                <a:ea typeface="Arial"/>
+              </a:rPr>
+              <a:t>	</a:t>
+            </a:r>
+            <a:r>
+              <a:rPr b="0" lang="en-US" sz="1400" spc="-1" strike="noStrike">
+                <a:solidFill>
+                  <a:srgbClr val="595959"/>
+                </a:solidFill>
+                <a:latin typeface="Arial"/>
+                <a:ea typeface="Arial"/>
+              </a:rPr>
+              <a:t>	</a:t>
+            </a:r>
+            <a:r>
+              <a:rPr b="0" lang="en-US" sz="1400" spc="-1" strike="noStrike">
+                <a:solidFill>
+                  <a:srgbClr val="595959"/>
+                </a:solidFill>
+                <a:latin typeface="Arial"/>
+                <a:ea typeface="Arial"/>
+              </a:rPr>
+              <a:t>	</a:t>
+            </a:r>
+            <a:endParaRPr b="0" lang="en-US" sz="1400" spc="-1" strike="noStrike">
               <a:latin typeface="Arial"/>
             </a:endParaRPr>
           </a:p>
@@ -4734,8 +4525,9 @@
               <a:spcBef>
                 <a:spcPts val="1599"/>
               </a:spcBef>
-            </a:pPr>
-            <a:endParaRPr lang="en-US" sz="1400" b="0" strike="noStrike" spc="-1">
+              <a:buNone/>
+            </a:pPr>
+            <a:endParaRPr b="0" lang="en-US" sz="1400" spc="-1" strike="noStrike">
               <a:latin typeface="Arial"/>
             </a:endParaRPr>
           </a:p>
@@ -4747,8 +4539,9 @@
               <a:spcBef>
                 <a:spcPts val="1599"/>
               </a:spcBef>
-            </a:pPr>
-            <a:endParaRPr lang="en-US" sz="1400" b="0" strike="noStrike" spc="-1">
+              <a:buNone/>
+            </a:pPr>
+            <a:endParaRPr b="0" lang="en-US" sz="1400" spc="-1" strike="noStrike">
               <a:latin typeface="Arial"/>
             </a:endParaRPr>
           </a:p>
@@ -4760,8 +4553,9 @@
               <a:spcBef>
                 <a:spcPts val="1599"/>
               </a:spcBef>
-            </a:pPr>
-            <a:endParaRPr lang="en-US" sz="1400" b="0" strike="noStrike" spc="-1">
+              <a:buNone/>
+            </a:pPr>
+            <a:endParaRPr b="0" lang="en-US" sz="1400" spc="-1" strike="noStrike">
               <a:latin typeface="Arial"/>
             </a:endParaRPr>
           </a:p>
@@ -4773,8 +4567,9 @@
               <a:spcBef>
                 <a:spcPts val="1599"/>
               </a:spcBef>
-            </a:pPr>
-            <a:endParaRPr lang="en-US" sz="1400" b="0" strike="noStrike" spc="-1">
+              <a:buNone/>
+            </a:pPr>
+            <a:endParaRPr b="0" lang="en-US" sz="1400" spc="-1" strike="noStrike">
               <a:latin typeface="Arial"/>
             </a:endParaRPr>
           </a:p>
@@ -4786,8 +4581,9 @@
               <a:spcBef>
                 <a:spcPts val="1599"/>
               </a:spcBef>
-            </a:pPr>
-            <a:endParaRPr lang="en-US" sz="1400" b="0" strike="noStrike" spc="-1">
+              <a:buNone/>
+            </a:pPr>
+            <a:endParaRPr b="0" lang="en-US" sz="1400" spc="-1" strike="noStrike">
               <a:latin typeface="Arial"/>
             </a:endParaRPr>
           </a:p>
@@ -4799,8 +4595,19 @@
               <a:spcBef>
                 <a:spcPts val="1599"/>
               </a:spcBef>
-            </a:pPr>
-            <a:endParaRPr lang="en-US" sz="1400" b="0" strike="noStrike" spc="-1">
+              <a:buNone/>
+            </a:pPr>
+            <a:r>
+              <a:rPr b="0" lang="en-US" sz="1400" spc="-1" strike="noStrike">
+                <a:solidFill>
+                  <a:srgbClr val="595959"/>
+                </a:solidFill>
+                <a:latin typeface="Arial"/>
+                <a:ea typeface="Arial"/>
+              </a:rPr>
+              <a:t>With lr =1e-3 and weight_decay = 6e-3</a:t>
+            </a:r>
+            <a:endParaRPr b="0" lang="en-US" sz="1400" spc="-1" strike="noStrike">
               <a:latin typeface="Arial"/>
             </a:endParaRPr>
           </a:p>
@@ -4812,18 +4619,19 @@
               <a:spcBef>
                 <a:spcPts val="1599"/>
               </a:spcBef>
-            </a:pPr>
-            <a:r>
-              <a:rPr lang="en-US" sz="1400" b="0" strike="noStrike" spc="-1">
+              <a:buNone/>
+            </a:pPr>
+            <a:r>
+              <a:rPr b="0" lang="en-US" sz="1400" spc="-1" strike="noStrike">
                 <a:solidFill>
                   <a:srgbClr val="595959"/>
                 </a:solidFill>
                 <a:latin typeface="Arial"/>
                 <a:ea typeface="Arial"/>
               </a:rPr>
-              <a:t>Final training accuracy value:</a:t>
-            </a:r>
-            <a:endParaRPr lang="en-US" sz="1400" b="0" strike="noStrike" spc="-1">
+              <a:t>Final training accuracy value: 0.9610</a:t>
+            </a:r>
+            <a:endParaRPr b="0" lang="en-US" sz="1400" spc="-1" strike="noStrike">
               <a:latin typeface="Arial"/>
             </a:endParaRPr>
           </a:p>
@@ -4838,60 +4646,85 @@
               <a:spcAft>
                 <a:spcPts val="1599"/>
               </a:spcAft>
-            </a:pPr>
-            <a:r>
-              <a:rPr lang="en-US" sz="1400" b="0" strike="noStrike" spc="-1">
+              <a:buNone/>
+            </a:pPr>
+            <a:r>
+              <a:rPr b="0" lang="en-US" sz="1400" spc="-1" strike="noStrike">
                 <a:solidFill>
                   <a:srgbClr val="595959"/>
                 </a:solidFill>
                 <a:latin typeface="Arial"/>
                 <a:ea typeface="Arial"/>
               </a:rPr>
-              <a:t>Final validation accuracy value:</a:t>
-            </a:r>
-            <a:endParaRPr lang="en-US" sz="1400" b="0" strike="noStrike" spc="-1">
-              <a:latin typeface="Arial"/>
-            </a:endParaRPr>
-          </a:p>
-        </p:txBody>
-      </p:sp>
+              <a:t>Final validation accuracy value: 0.5233</a:t>
+            </a:r>
+            <a:endParaRPr b="0" lang="en-US" sz="1400" spc="-1" strike="noStrike">
+              <a:latin typeface="Arial"/>
+            </a:endParaRPr>
+          </a:p>
+        </p:txBody>
+      </p:sp>
+      <p:pic>
+        <p:nvPicPr>
+          <p:cNvPr id="80" name="" descr=""/>
+          <p:cNvPicPr/>
+          <p:nvPr/>
+        </p:nvPicPr>
+        <p:blipFill>
+          <a:blip r:embed="rId1"/>
+          <a:stretch/>
+        </p:blipFill>
+        <p:spPr>
+          <a:xfrm>
+            <a:off x="329040" y="914400"/>
+            <a:ext cx="2871000" cy="2285640"/>
+          </a:xfrm>
+          <a:prstGeom prst="rect">
+            <a:avLst/>
+          </a:prstGeom>
+          <a:ln w="0">
+            <a:noFill/>
+          </a:ln>
+        </p:spPr>
+      </p:pic>
+      <p:pic>
+        <p:nvPicPr>
+          <p:cNvPr id="81" name="" descr=""/>
+          <p:cNvPicPr/>
+          <p:nvPr/>
+        </p:nvPicPr>
+        <p:blipFill>
+          <a:blip r:embed="rId2"/>
+          <a:stretch/>
+        </p:blipFill>
+        <p:spPr>
+          <a:xfrm>
+            <a:off x="3704760" y="914400"/>
+            <a:ext cx="2702880" cy="2151720"/>
+          </a:xfrm>
+          <a:prstGeom prst="rect">
+            <a:avLst/>
+          </a:prstGeom>
+          <a:ln w="0">
+            <a:noFill/>
+          </a:ln>
+        </p:spPr>
+      </p:pic>
     </p:spTree>
   </p:cSld>
-  <p:clrMapOvr>
-    <a:masterClrMapping/>
-  </p:clrMapOvr>
-  <p:timing>
-    <p:tnLst>
-      <p:par>
-        <p:cTn id="1" dur="indefinite" restart="never" nodeType="tmRoot">
-          <p:childTnLst>
-            <p:seq>
-              <p:cTn id="2" dur="indefinite" nodeType="mainSeq"/>
-              <p:prevCondLst>
-                <p:cond evt="onPrev" delay="0">
-                  <p:tgtEl>
-                    <p:sldTgt/>
-                  </p:tgtEl>
-                </p:cond>
-              </p:prevCondLst>
-              <p:nextCondLst>
-                <p:cond evt="onNext" delay="0">
-                  <p:tgtEl>
-                    <p:sldTgt/>
-                  </p:tgtEl>
-                </p:cond>
-              </p:nextCondLst>
-            </p:seq>
-          </p:childTnLst>
-        </p:cTn>
-      </p:par>
-    </p:tnLst>
-  </p:timing>
+  <mc:AlternateContent>
+    <mc:Choice Requires="p14">
+      <p:transition spd="slow" p14:dur="2000"/>
+    </mc:Choice>
+    <mc:Fallback>
+      <p:transition spd="slow"/>
+    </mc:Fallback>
+  </mc:AlternateContent>
 </p:sld>
 </file>
 
 <file path=ppt/slides/slide3.xml><?xml version="1.0" encoding="utf-8"?>
-<p:sld xmlns:a="http://schemas.openxmlformats.org/drawingml/2006/main" xmlns:r="http://schemas.openxmlformats.org/officeDocument/2006/relationships" xmlns:p="http://schemas.openxmlformats.org/presentationml/2006/main">
+<p:sld xmlns:a="http://schemas.openxmlformats.org/drawingml/2006/main" xmlns:p="http://schemas.openxmlformats.org/presentationml/2006/main" xmlns:r="http://schemas.openxmlformats.org/officeDocument/2006/relationships" xmlns:p14="http://schemas.microsoft.com/office/powerpoint/2010/main" xmlns:p15="http://schemas.microsoft.com/office/powerpoint/2012/main" xmlns:mc="http://schemas.openxmlformats.org/markup-compatibility/2006">
   <p:cSld>
     <p:spTree>
       <p:nvGrpSpPr>
@@ -4909,46 +4742,42 @@
       </p:grpSpPr>
       <p:sp>
         <p:nvSpPr>
-          <p:cNvPr id="80" name="CustomShape 1"/>
+          <p:cNvPr id="82" name="CustomShape 1"/>
           <p:cNvSpPr/>
           <p:nvPr/>
         </p:nvSpPr>
         <p:spPr>
           <a:xfrm>
-            <a:off x="311760" y="438840"/>
-            <a:ext cx="8352720" cy="4129560"/>
-          </a:xfrm>
-          <a:prstGeom prst="rect">
-            <a:avLst/>
-          </a:prstGeom>
-          <a:noFill/>
-          <a:ln>
+            <a:off x="228600" y="214200"/>
+            <a:ext cx="8352000" cy="4128840"/>
+          </a:xfrm>
+          <a:prstGeom prst="rect">
+            <a:avLst/>
+          </a:prstGeom>
+          <a:noFill/>
+          <a:ln w="0">
             <a:noFill/>
           </a:ln>
         </p:spPr>
         <p:style>
-          <a:lnRef idx="0">
-            <a:scrgbClr r="0" g="0" b="0"/>
-          </a:lnRef>
-          <a:fillRef idx="0">
-            <a:scrgbClr r="0" g="0" b="0"/>
-          </a:fillRef>
-          <a:effectRef idx="0">
-            <a:scrgbClr r="0" g="0" b="0"/>
-          </a:effectRef>
+          <a:lnRef idx="0"/>
+          <a:fillRef idx="0"/>
+          <a:effectRef idx="0"/>
           <a:fontRef idx="minor"/>
         </p:style>
         <p:txBody>
-          <a:bodyPr lIns="90000" tIns="91440" rIns="90000" bIns="91440"/>
-          <a:lstStyle/>
+          <a:bodyPr lIns="90000" rIns="90000" tIns="91440" bIns="91440" anchor="t">
+            <a:noAutofit/>
+          </a:bodyPr>
           <a:p>
             <a:pPr>
               <a:lnSpc>
                 <a:spcPct val="115000"/>
               </a:lnSpc>
-            </a:pPr>
-            <a:r>
-              <a:rPr lang="en-US" sz="1400" b="1" strike="noStrike" spc="-1">
+              <a:buNone/>
+            </a:pPr>
+            <a:r>
+              <a:rPr b="1" lang="en-US" sz="1400" spc="-1" strike="noStrike">
                 <a:solidFill>
                   <a:srgbClr val="595959"/>
                 </a:solidFill>
@@ -4957,7 +4786,7 @@
               </a:rPr>
               <a:t>Part 1: Experiment: play around with some of the parameters in nn.Conv2d and nn.Linear, and report the effects for: 1. kernel size; 2. stride size; 3. dim of nn.Linear. Provide observations for training time and performance, and why do you see that?</a:t>
             </a:r>
-            <a:endParaRPr lang="en-US" sz="1400" b="0" strike="noStrike" spc="-1">
+            <a:endParaRPr b="0" lang="en-US" sz="1400" spc="-1" strike="noStrike">
               <a:latin typeface="Arial"/>
             </a:endParaRPr>
           </a:p>
@@ -4969,18 +4798,19 @@
               <a:spcBef>
                 <a:spcPts val="1599"/>
               </a:spcBef>
-            </a:pPr>
-            <a:r>
-              <a:rPr lang="en-US" sz="1400" b="0" strike="noStrike" spc="-1">
+              <a:buNone/>
+            </a:pPr>
+            <a:r>
+              <a:rPr b="0" lang="en-US" sz="1400" spc="-1" strike="noStrike">
                 <a:solidFill>
                   <a:srgbClr val="595959"/>
                 </a:solidFill>
                 <a:latin typeface="Arial"/>
                 <a:ea typeface="Arial"/>
               </a:rPr>
-              <a:t>Kernel size:</a:t>
-            </a:r>
-            <a:endParaRPr lang="en-US" sz="1400" b="0" strike="noStrike" spc="-1">
+              <a:t>Kernel size:  Decreasing the kernel size resulted in improved validation or test accuracy performance (tested for kernel size in [4, 6], w/ k=5 as baseline). On the other hand, k=6 resulted in slightly improved training accuracy w/ reduced performance in validation accuracy and runtime. My results are likely due to extraction of more local features with the smaller kernel vs a larger kernel which extracts global features more frequently; furthermore, a larger kernel results in more computations leading to a longer runtime.</a:t>
+            </a:r>
+            <a:endParaRPr b="0" lang="en-US" sz="1400" spc="-1" strike="noStrike">
               <a:latin typeface="Arial"/>
             </a:endParaRPr>
           </a:p>
@@ -4992,8 +4822,9 @@
               <a:spcBef>
                 <a:spcPts val="1599"/>
               </a:spcBef>
-            </a:pPr>
-            <a:endParaRPr lang="en-US" sz="1400" b="0" strike="noStrike" spc="-1">
+              <a:buNone/>
+            </a:pPr>
+            <a:endParaRPr b="0" lang="en-US" sz="1400" spc="-1" strike="noStrike">
               <a:latin typeface="Arial"/>
             </a:endParaRPr>
           </a:p>
@@ -5005,18 +4836,19 @@
               <a:spcBef>
                 <a:spcPts val="1599"/>
               </a:spcBef>
-            </a:pPr>
-            <a:r>
-              <a:rPr lang="en-US" sz="1400" b="0" strike="noStrike" spc="-1">
+              <a:buNone/>
+            </a:pPr>
+            <a:r>
+              <a:rPr b="0" lang="en-US" sz="1400" spc="-1" strike="noStrike">
                 <a:solidFill>
                   <a:srgbClr val="595959"/>
                 </a:solidFill>
                 <a:latin typeface="Arial"/>
                 <a:ea typeface="Arial"/>
               </a:rPr>
-              <a:t>Stride size:</a:t>
-            </a:r>
-            <a:endParaRPr lang="en-US" sz="1400" b="0" strike="noStrike" spc="-1">
+              <a:t>Stride size: The baseline stride size was 1. Incrementing the stride size increased the speed of computation (for stride in [1, 4]). I noticed decreased accuracy during testing.</a:t>
+            </a:r>
+            <a:endParaRPr b="0" lang="en-US" sz="1400" spc="-1" strike="noStrike">
               <a:latin typeface="Arial"/>
             </a:endParaRPr>
           </a:p>
@@ -5028,8 +4860,9 @@
               <a:spcBef>
                 <a:spcPts val="1599"/>
               </a:spcBef>
-            </a:pPr>
-            <a:endParaRPr lang="en-US" sz="1400" b="0" strike="noStrike" spc="-1">
+              <a:buNone/>
+            </a:pPr>
+            <a:endParaRPr b="0" lang="en-US" sz="1400" spc="-1" strike="noStrike">
               <a:latin typeface="Arial"/>
             </a:endParaRPr>
           </a:p>
@@ -5044,18 +4877,19 @@
               <a:spcAft>
                 <a:spcPts val="1599"/>
               </a:spcAft>
-            </a:pPr>
-            <a:r>
-              <a:rPr lang="en-US" sz="1400" b="0" strike="noStrike" spc="-1">
+              <a:buNone/>
+            </a:pPr>
+            <a:r>
+              <a:rPr b="0" lang="en-US" sz="1400" spc="-1" strike="noStrike">
                 <a:solidFill>
                   <a:srgbClr val="595959"/>
                 </a:solidFill>
                 <a:latin typeface="Arial"/>
                 <a:ea typeface="Arial"/>
               </a:rPr>
-              <a:t>Dim of nn.Linear:</a:t>
-            </a:r>
-            <a:endParaRPr lang="en-US" sz="1400" b="0" strike="noStrike" spc="-1">
+              <a:t>Dim of nn.Linear: I only altered in_features = n where n was [Linear(in=500, out=n), Linear(in=n, out=15)] and n was in [100, 120, 150, 180, 200]. Overall I noticed the best performance for n=120.  </a:t>
+            </a:r>
+            <a:endParaRPr b="0" lang="en-US" sz="1400" spc="-1" strike="noStrike">
               <a:latin typeface="Arial"/>
             </a:endParaRPr>
           </a:p>
@@ -5063,41 +4897,19 @@
       </p:sp>
     </p:spTree>
   </p:cSld>
-  <p:clrMapOvr>
-    <a:masterClrMapping/>
-  </p:clrMapOvr>
-  <p:timing>
-    <p:tnLst>
-      <p:par>
-        <p:cTn id="1" dur="indefinite" restart="never" nodeType="tmRoot">
-          <p:childTnLst>
-            <p:seq>
-              <p:cTn id="2" dur="indefinite" nodeType="mainSeq"/>
-              <p:prevCondLst>
-                <p:cond evt="onPrev" delay="0">
-                  <p:tgtEl>
-                    <p:sldTgt/>
-                  </p:tgtEl>
-                </p:cond>
-              </p:prevCondLst>
-              <p:nextCondLst>
-                <p:cond evt="onNext" delay="0">
-                  <p:tgtEl>
-                    <p:sldTgt/>
-                  </p:tgtEl>
-                </p:cond>
-              </p:nextCondLst>
-            </p:seq>
-          </p:childTnLst>
-        </p:cTn>
-      </p:par>
-    </p:tnLst>
-  </p:timing>
+  <mc:AlternateContent>
+    <mc:Choice Requires="p14">
+      <p:transition spd="slow" p14:dur="2000"/>
+    </mc:Choice>
+    <mc:Fallback>
+      <p:transition spd="slow"/>
+    </mc:Fallback>
+  </mc:AlternateContent>
 </p:sld>
 </file>
 
 <file path=ppt/slides/slide4.xml><?xml version="1.0" encoding="utf-8"?>
-<p:sld xmlns:a="http://schemas.openxmlformats.org/drawingml/2006/main" xmlns:r="http://schemas.openxmlformats.org/officeDocument/2006/relationships" xmlns:p="http://schemas.openxmlformats.org/presentationml/2006/main">
+<p:sld xmlns:a="http://schemas.openxmlformats.org/drawingml/2006/main" xmlns:p="http://schemas.openxmlformats.org/presentationml/2006/main" xmlns:r="http://schemas.openxmlformats.org/officeDocument/2006/relationships" xmlns:p14="http://schemas.microsoft.com/office/powerpoint/2010/main" xmlns:p15="http://schemas.microsoft.com/office/powerpoint/2012/main" xmlns:mc="http://schemas.openxmlformats.org/markup-compatibility/2006">
   <p:cSld>
     <p:spTree>
       <p:nvGrpSpPr>
@@ -5115,46 +4927,42 @@
       </p:grpSpPr>
       <p:sp>
         <p:nvSpPr>
-          <p:cNvPr id="81" name="CustomShape 1"/>
+          <p:cNvPr id="83" name="CustomShape 1"/>
           <p:cNvSpPr/>
           <p:nvPr/>
         </p:nvSpPr>
         <p:spPr>
           <a:xfrm>
             <a:off x="311760" y="438840"/>
-            <a:ext cx="8352720" cy="4129560"/>
-          </a:xfrm>
-          <a:prstGeom prst="rect">
-            <a:avLst/>
-          </a:prstGeom>
-          <a:noFill/>
-          <a:ln>
+            <a:ext cx="8352000" cy="4128840"/>
+          </a:xfrm>
+          <a:prstGeom prst="rect">
+            <a:avLst/>
+          </a:prstGeom>
+          <a:noFill/>
+          <a:ln w="0">
             <a:noFill/>
           </a:ln>
         </p:spPr>
         <p:style>
-          <a:lnRef idx="0">
-            <a:scrgbClr r="0" g="0" b="0"/>
-          </a:lnRef>
-          <a:fillRef idx="0">
-            <a:scrgbClr r="0" g="0" b="0"/>
-          </a:fillRef>
-          <a:effectRef idx="0">
-            <a:scrgbClr r="0" g="0" b="0"/>
-          </a:effectRef>
+          <a:lnRef idx="0"/>
+          <a:fillRef idx="0"/>
+          <a:effectRef idx="0"/>
           <a:fontRef idx="minor"/>
         </p:style>
         <p:txBody>
-          <a:bodyPr lIns="90000" tIns="91440" rIns="90000" bIns="91440"/>
-          <a:lstStyle/>
+          <a:bodyPr lIns="90000" rIns="90000" tIns="91440" bIns="91440" anchor="t">
+            <a:noAutofit/>
+          </a:bodyPr>
           <a:p>
             <a:pPr>
               <a:lnSpc>
                 <a:spcPct val="115000"/>
               </a:lnSpc>
-            </a:pPr>
-            <a:r>
-              <a:rPr lang="en-US" sz="1400" b="1" strike="noStrike" spc="-1">
+              <a:buNone/>
+            </a:pPr>
+            <a:r>
+              <a:rPr b="1" lang="en-US" sz="1400" spc="-1" strike="noStrike">
                 <a:solidFill>
                   <a:srgbClr val="595959"/>
                 </a:solidFill>
@@ -5163,7 +4971,7 @@
               </a:rPr>
               <a:t>Part 2: Screenshot of your get_data_augmentation_transforms() [code and image example]</a:t>
             </a:r>
-            <a:endParaRPr lang="en-US" sz="1400" b="0" strike="noStrike" spc="-1">
+            <a:endParaRPr b="0" lang="en-US" sz="1400" spc="-1" strike="noStrike">
               <a:latin typeface="Arial"/>
             </a:endParaRPr>
           </a:p>
@@ -5175,18 +4983,69 @@
               <a:spcBef>
                 <a:spcPts val="1599"/>
               </a:spcBef>
-            </a:pPr>
-            <a:r>
-              <a:rPr lang="en-US" sz="1400" b="0" strike="noStrike" spc="-1">
+              <a:buNone/>
+            </a:pPr>
+            <a:r>
+              <a:rPr b="0" lang="en-US" sz="1400" spc="-1" strike="noStrike">
                 <a:solidFill>
                   <a:srgbClr val="595959"/>
                 </a:solidFill>
                 <a:latin typeface="Arial"/>
                 <a:ea typeface="Arial"/>
               </a:rPr>
-              <a:t>&lt;Screenshot here&gt;							</a:t>
-            </a:r>
-            <a:endParaRPr lang="en-US" sz="1400" b="0" strike="noStrike" spc="-1">
+              <a:t>	</a:t>
+            </a:r>
+            <a:r>
+              <a:rPr b="0" lang="en-US" sz="1400" spc="-1" strike="noStrike">
+                <a:solidFill>
+                  <a:srgbClr val="595959"/>
+                </a:solidFill>
+                <a:latin typeface="Arial"/>
+                <a:ea typeface="Arial"/>
+              </a:rPr>
+              <a:t>	</a:t>
+            </a:r>
+            <a:r>
+              <a:rPr b="0" lang="en-US" sz="1400" spc="-1" strike="noStrike">
+                <a:solidFill>
+                  <a:srgbClr val="595959"/>
+                </a:solidFill>
+                <a:latin typeface="Arial"/>
+                <a:ea typeface="Arial"/>
+              </a:rPr>
+              <a:t>	</a:t>
+            </a:r>
+            <a:r>
+              <a:rPr b="0" lang="en-US" sz="1400" spc="-1" strike="noStrike">
+                <a:solidFill>
+                  <a:srgbClr val="595959"/>
+                </a:solidFill>
+                <a:latin typeface="Arial"/>
+                <a:ea typeface="Arial"/>
+              </a:rPr>
+              <a:t>	</a:t>
+            </a:r>
+            <a:r>
+              <a:rPr b="0" lang="en-US" sz="1400" spc="-1" strike="noStrike">
+                <a:solidFill>
+                  <a:srgbClr val="595959"/>
+                </a:solidFill>
+                <a:latin typeface="Arial"/>
+                <a:ea typeface="Arial"/>
+              </a:rPr>
+              <a:t>	</a:t>
+            </a:r>
+            <a:r>
+              <a:rPr b="0" lang="en-US" sz="1400" spc="-1" strike="noStrike">
+                <a:solidFill>
+                  <a:srgbClr val="595959"/>
+                </a:solidFill>
+                <a:latin typeface="Arial"/>
+                <a:ea typeface="Arial"/>
+              </a:rPr>
+              <a:t>	</a:t>
+            </a:r>
+            <a:endParaRPr b="0" lang="en-US" sz="1400" spc="-1" strike="noStrike">
               <a:latin typeface="Arial"/>
             </a:endParaRPr>
           </a:p>
@@ -5198,8 +5057,9 @@
               <a:spcBef>
                 <a:spcPts val="1599"/>
               </a:spcBef>
-            </a:pPr>
-            <a:endParaRPr lang="en-US" sz="1400" b="0" strike="noStrike" spc="-1">
+              <a:buNone/>
+            </a:pPr>
+            <a:endParaRPr b="0" lang="en-US" sz="1400" spc="-1" strike="noStrike">
               <a:latin typeface="Arial"/>
             </a:endParaRPr>
           </a:p>
@@ -5211,8 +5071,9 @@
               <a:spcBef>
                 <a:spcPts val="1599"/>
               </a:spcBef>
-            </a:pPr>
-            <a:endParaRPr lang="en-US" sz="1400" b="0" strike="noStrike" spc="-1">
+              <a:buNone/>
+            </a:pPr>
+            <a:endParaRPr b="0" lang="en-US" sz="1400" spc="-1" strike="noStrike">
               <a:latin typeface="Arial"/>
             </a:endParaRPr>
           </a:p>
@@ -5224,8 +5085,9 @@
               <a:spcBef>
                 <a:spcPts val="1599"/>
               </a:spcBef>
-            </a:pPr>
-            <a:endParaRPr lang="en-US" sz="1400" b="0" strike="noStrike" spc="-1">
+              <a:buNone/>
+            </a:pPr>
+            <a:endParaRPr b="0" lang="en-US" sz="1400" spc="-1" strike="noStrike">
               <a:latin typeface="Arial"/>
             </a:endParaRPr>
           </a:p>
@@ -5237,8 +5099,9 @@
               <a:spcBef>
                 <a:spcPts val="1599"/>
               </a:spcBef>
-            </a:pPr>
-            <a:endParaRPr lang="en-US" sz="1400" b="0" strike="noStrike" spc="-1">
+              <a:buNone/>
+            </a:pPr>
+            <a:endParaRPr b="0" lang="en-US" sz="1400" spc="-1" strike="noStrike">
               <a:latin typeface="Arial"/>
             </a:endParaRPr>
           </a:p>
@@ -5250,8 +5113,9 @@
               <a:spcBef>
                 <a:spcPts val="1599"/>
               </a:spcBef>
-            </a:pPr>
-            <a:endParaRPr lang="en-US" sz="1400" b="0" strike="noStrike" spc="-1">
+              <a:buNone/>
+            </a:pPr>
+            <a:endParaRPr b="0" lang="en-US" sz="1400" spc="-1" strike="noStrike">
               <a:latin typeface="Arial"/>
             </a:endParaRPr>
           </a:p>
@@ -5266,50 +5130,52 @@
               <a:spcAft>
                 <a:spcPts val="1599"/>
               </a:spcAft>
-            </a:pPr>
-            <a:endParaRPr lang="en-US" sz="1400" b="0" strike="noStrike" spc="-1">
-              <a:latin typeface="Arial"/>
-            </a:endParaRPr>
-          </a:p>
-        </p:txBody>
-      </p:sp>
+              <a:buNone/>
+            </a:pPr>
+            <a:endParaRPr b="0" lang="en-US" sz="1400" spc="-1" strike="noStrike">
+              <a:latin typeface="Arial"/>
+            </a:endParaRPr>
+          </a:p>
+        </p:txBody>
+      </p:sp>
+      <p:pic>
+        <p:nvPicPr>
+          <p:cNvPr id="84" name="" descr=""/>
+          <p:cNvPicPr/>
+          <p:nvPr/>
+        </p:nvPicPr>
+        <p:blipFill>
+          <a:blip r:embed="rId1"/>
+          <a:stretch/>
+        </p:blipFill>
+        <p:spPr>
+          <a:xfrm>
+            <a:off x="448200" y="1124280"/>
+            <a:ext cx="7095240" cy="3218760"/>
+          </a:xfrm>
+          <a:prstGeom prst="rect">
+            <a:avLst/>
+          </a:prstGeom>
+          <a:ln w="0">
+            <a:noFill/>
+          </a:ln>
+        </p:spPr>
+      </p:pic>
     </p:spTree>
   </p:cSld>
-  <p:clrMapOvr>
-    <a:masterClrMapping/>
-  </p:clrMapOvr>
-  <p:timing>
-    <p:tnLst>
-      <p:par>
-        <p:cTn id="1" dur="indefinite" restart="never" nodeType="tmRoot">
-          <p:childTnLst>
-            <p:seq>
-              <p:cTn id="2" dur="indefinite" nodeType="mainSeq"/>
-              <p:prevCondLst>
-                <p:cond evt="onPrev" delay="0">
-                  <p:tgtEl>
-                    <p:sldTgt/>
-                  </p:tgtEl>
-                </p:cond>
-              </p:prevCondLst>
-              <p:nextCondLst>
-                <p:cond evt="onNext" delay="0">
-                  <p:tgtEl>
-                    <p:sldTgt/>
-                  </p:tgtEl>
-                </p:cond>
-              </p:nextCondLst>
-            </p:seq>
-          </p:childTnLst>
-        </p:cTn>
-      </p:par>
-    </p:tnLst>
-  </p:timing>
+  <mc:AlternateContent>
+    <mc:Choice Requires="p14">
+      <p:transition spd="slow" p14:dur="2000"/>
+    </mc:Choice>
+    <mc:Fallback>
+      <p:transition spd="slow"/>
+    </mc:Fallback>
+  </mc:AlternateContent>
 </p:sld>
 </file>
 
 <file path=ppt/slides/slide5.xml><?xml version="1.0" encoding="utf-8"?>
-<p:sld xmlns:a="http://schemas.openxmlformats.org/drawingml/2006/main" xmlns:r="http://schemas.openxmlformats.org/officeDocument/2006/relationships" xmlns:p="http://schemas.openxmlformats.org/presentationml/2006/main">
+<p:sld xmlns:a="http://schemas.openxmlformats.org/drawingml/2006/main" xmlns:p="http://schemas.openxmlformats.org/presentationml/2006/main" xmlns:r="http://schemas.openxmlformats.org/officeDocument/2006/relationships" xmlns:p14="http://schemas.microsoft.com/office/powerpoint/2010/main" xmlns:p15="http://schemas.microsoft.com/office/powerpoint/2012/main" xmlns:mc="http://schemas.openxmlformats.org/markup-compatibility/2006">
   <p:cSld>
     <p:spTree>
       <p:nvGrpSpPr>
@@ -5327,46 +5193,42 @@
       </p:grpSpPr>
       <p:sp>
         <p:nvSpPr>
-          <p:cNvPr id="82" name="CustomShape 1"/>
+          <p:cNvPr id="85" name="CustomShape 1"/>
           <p:cNvSpPr/>
           <p:nvPr/>
         </p:nvSpPr>
         <p:spPr>
           <a:xfrm>
             <a:off x="311760" y="438840"/>
-            <a:ext cx="8352720" cy="4129560"/>
-          </a:xfrm>
-          <a:prstGeom prst="rect">
-            <a:avLst/>
-          </a:prstGeom>
-          <a:noFill/>
-          <a:ln>
+            <a:ext cx="8352000" cy="4128840"/>
+          </a:xfrm>
+          <a:prstGeom prst="rect">
+            <a:avLst/>
+          </a:prstGeom>
+          <a:noFill/>
+          <a:ln w="0">
             <a:noFill/>
           </a:ln>
         </p:spPr>
         <p:style>
-          <a:lnRef idx="0">
-            <a:scrgbClr r="0" g="0" b="0"/>
-          </a:lnRef>
-          <a:fillRef idx="0">
-            <a:scrgbClr r="0" g="0" b="0"/>
-          </a:fillRef>
-          <a:effectRef idx="0">
-            <a:scrgbClr r="0" g="0" b="0"/>
-          </a:effectRef>
+          <a:lnRef idx="0"/>
+          <a:fillRef idx="0"/>
+          <a:effectRef idx="0"/>
           <a:fontRef idx="minor"/>
         </p:style>
         <p:txBody>
-          <a:bodyPr lIns="90000" tIns="91440" rIns="90000" bIns="91440"/>
-          <a:lstStyle/>
+          <a:bodyPr lIns="90000" rIns="90000" tIns="91440" bIns="91440" anchor="t">
+            <a:noAutofit/>
+          </a:bodyPr>
           <a:p>
             <a:pPr>
               <a:lnSpc>
                 <a:spcPct val="115000"/>
               </a:lnSpc>
-            </a:pPr>
-            <a:r>
-              <a:rPr lang="en-US" sz="1400" b="1" strike="noStrike" spc="-1">
+              <a:buNone/>
+            </a:pPr>
+            <a:r>
+              <a:rPr b="1" lang="en-US" sz="1400" spc="-1" strike="noStrike">
                 <a:solidFill>
                   <a:srgbClr val="595959"/>
                 </a:solidFill>
@@ -5375,7 +5237,7 @@
               </a:rPr>
               <a:t>Part 2: Your Training History Plots</a:t>
             </a:r>
-            <a:endParaRPr lang="en-US" sz="1400" b="0" strike="noStrike" spc="-1">
+            <a:endParaRPr b="0" lang="en-US" sz="1400" spc="-1" strike="noStrike">
               <a:latin typeface="Arial"/>
             </a:endParaRPr>
           </a:p>
@@ -5387,18 +5249,9 @@
               <a:spcBef>
                 <a:spcPts val="1599"/>
               </a:spcBef>
-            </a:pPr>
-            <a:r>
-              <a:rPr lang="en-US" sz="1400" b="0" strike="noStrike" spc="-1">
-                <a:solidFill>
-                  <a:srgbClr val="595959"/>
-                </a:solidFill>
-                <a:latin typeface="Arial"/>
-                <a:ea typeface="Arial"/>
-              </a:rPr>
-              <a:t>&lt;Loss plot here&gt;				&lt;Accuracy plot here&gt;</a:t>
-            </a:r>
-            <a:endParaRPr lang="en-US" sz="1400" b="0" strike="noStrike" spc="-1">
+              <a:buNone/>
+            </a:pPr>
+            <a:endParaRPr b="0" lang="en-US" sz="1400" spc="-1" strike="noStrike">
               <a:latin typeface="Arial"/>
             </a:endParaRPr>
           </a:p>
@@ -5410,8 +5263,9 @@
               <a:spcBef>
                 <a:spcPts val="1599"/>
               </a:spcBef>
-            </a:pPr>
-            <a:endParaRPr lang="en-US" sz="1400" b="0" strike="noStrike" spc="-1">
+              <a:buNone/>
+            </a:pPr>
+            <a:endParaRPr b="0" lang="en-US" sz="1400" spc="-1" strike="noStrike">
               <a:latin typeface="Arial"/>
             </a:endParaRPr>
           </a:p>
@@ -5423,8 +5277,9 @@
               <a:spcBef>
                 <a:spcPts val="1599"/>
               </a:spcBef>
-            </a:pPr>
-            <a:endParaRPr lang="en-US" sz="1400" b="0" strike="noStrike" spc="-1">
+              <a:buNone/>
+            </a:pPr>
+            <a:endParaRPr b="0" lang="en-US" sz="1400" spc="-1" strike="noStrike">
               <a:latin typeface="Arial"/>
             </a:endParaRPr>
           </a:p>
@@ -5436,8 +5291,9 @@
               <a:spcBef>
                 <a:spcPts val="1599"/>
               </a:spcBef>
-            </a:pPr>
-            <a:endParaRPr lang="en-US" sz="1400" b="0" strike="noStrike" spc="-1">
+              <a:buNone/>
+            </a:pPr>
+            <a:endParaRPr b="0" lang="en-US" sz="1400" spc="-1" strike="noStrike">
               <a:latin typeface="Arial"/>
             </a:endParaRPr>
           </a:p>
@@ -5449,8 +5305,9 @@
               <a:spcBef>
                 <a:spcPts val="1599"/>
               </a:spcBef>
-            </a:pPr>
-            <a:endParaRPr lang="en-US" sz="1400" b="0" strike="noStrike" spc="-1">
+              <a:buNone/>
+            </a:pPr>
+            <a:endParaRPr b="0" lang="en-US" sz="1400" spc="-1" strike="noStrike">
               <a:latin typeface="Arial"/>
             </a:endParaRPr>
           </a:p>
@@ -5462,8 +5319,9 @@
               <a:spcBef>
                 <a:spcPts val="1599"/>
               </a:spcBef>
-            </a:pPr>
-            <a:endParaRPr lang="en-US" sz="1400" b="0" strike="noStrike" spc="-1">
+              <a:buNone/>
+            </a:pPr>
+            <a:endParaRPr b="0" lang="en-US" sz="1400" spc="-1" strike="noStrike">
               <a:latin typeface="Arial"/>
             </a:endParaRPr>
           </a:p>
@@ -5475,8 +5333,9 @@
               <a:spcBef>
                 <a:spcPts val="1599"/>
               </a:spcBef>
-            </a:pPr>
-            <a:endParaRPr lang="en-US" sz="1400" b="0" strike="noStrike" spc="-1">
+              <a:buNone/>
+            </a:pPr>
+            <a:endParaRPr b="0" lang="en-US" sz="1400" spc="-1" strike="noStrike">
               <a:latin typeface="Arial"/>
             </a:endParaRPr>
           </a:p>
@@ -5488,18 +5347,19 @@
               <a:spcBef>
                 <a:spcPts val="1599"/>
               </a:spcBef>
-            </a:pPr>
-            <a:r>
-              <a:rPr lang="en-US" sz="1400" b="0" strike="noStrike" spc="-1">
+              <a:buNone/>
+            </a:pPr>
+            <a:r>
+              <a:rPr b="0" lang="en-US" sz="1400" spc="-1" strike="noStrike">
                 <a:solidFill>
                   <a:srgbClr val="595959"/>
                 </a:solidFill>
                 <a:latin typeface="Arial"/>
                 <a:ea typeface="Arial"/>
               </a:rPr>
-              <a:t>Final training accuracy value:</a:t>
-            </a:r>
-            <a:endParaRPr lang="en-US" sz="1400" b="0" strike="noStrike" spc="-1">
+              <a:t>Final training accuracy value: 0.6950</a:t>
+            </a:r>
+            <a:endParaRPr b="0" lang="en-US" sz="1400" spc="-1" strike="noStrike">
               <a:latin typeface="Arial"/>
             </a:endParaRPr>
           </a:p>
@@ -5514,60 +5374,85 @@
               <a:spcAft>
                 <a:spcPts val="1599"/>
               </a:spcAft>
-            </a:pPr>
-            <a:r>
-              <a:rPr lang="en-US" sz="1400" b="0" strike="noStrike" spc="-1">
+              <a:buNone/>
+            </a:pPr>
+            <a:r>
+              <a:rPr b="0" lang="en-US" sz="1400" spc="-1" strike="noStrike">
                 <a:solidFill>
                   <a:srgbClr val="595959"/>
                 </a:solidFill>
                 <a:latin typeface="Arial"/>
                 <a:ea typeface="Arial"/>
               </a:rPr>
-              <a:t>Final validation accuracy value:</a:t>
-            </a:r>
-            <a:endParaRPr lang="en-US" sz="1400" b="0" strike="noStrike" spc="-1">
-              <a:latin typeface="Arial"/>
-            </a:endParaRPr>
-          </a:p>
-        </p:txBody>
-      </p:sp>
+              <a:t>Final validation accuracy value: 0.5773</a:t>
+            </a:r>
+            <a:endParaRPr b="0" lang="en-US" sz="1400" spc="-1" strike="noStrike">
+              <a:latin typeface="Arial"/>
+            </a:endParaRPr>
+          </a:p>
+        </p:txBody>
+      </p:sp>
+      <p:pic>
+        <p:nvPicPr>
+          <p:cNvPr id="86" name="" descr=""/>
+          <p:cNvPicPr/>
+          <p:nvPr/>
+        </p:nvPicPr>
+        <p:blipFill>
+          <a:blip r:embed="rId1"/>
+          <a:stretch/>
+        </p:blipFill>
+        <p:spPr>
+          <a:xfrm>
+            <a:off x="457200" y="914400"/>
+            <a:ext cx="3133080" cy="2494440"/>
+          </a:xfrm>
+          <a:prstGeom prst="rect">
+            <a:avLst/>
+          </a:prstGeom>
+          <a:ln w="0">
+            <a:noFill/>
+          </a:ln>
+        </p:spPr>
+      </p:pic>
+      <p:pic>
+        <p:nvPicPr>
+          <p:cNvPr id="87" name="" descr=""/>
+          <p:cNvPicPr/>
+          <p:nvPr/>
+        </p:nvPicPr>
+        <p:blipFill>
+          <a:blip r:embed="rId2"/>
+          <a:stretch/>
+        </p:blipFill>
+        <p:spPr>
+          <a:xfrm>
+            <a:off x="4142520" y="903240"/>
+            <a:ext cx="3172320" cy="2525400"/>
+          </a:xfrm>
+          <a:prstGeom prst="rect">
+            <a:avLst/>
+          </a:prstGeom>
+          <a:ln w="0">
+            <a:noFill/>
+          </a:ln>
+        </p:spPr>
+      </p:pic>
     </p:spTree>
   </p:cSld>
-  <p:clrMapOvr>
-    <a:masterClrMapping/>
-  </p:clrMapOvr>
-  <p:timing>
-    <p:tnLst>
-      <p:par>
-        <p:cTn id="1" dur="indefinite" restart="never" nodeType="tmRoot">
-          <p:childTnLst>
-            <p:seq>
-              <p:cTn id="2" dur="indefinite" nodeType="mainSeq"/>
-              <p:prevCondLst>
-                <p:cond evt="onPrev" delay="0">
-                  <p:tgtEl>
-                    <p:sldTgt/>
-                  </p:tgtEl>
-                </p:cond>
-              </p:prevCondLst>
-              <p:nextCondLst>
-                <p:cond evt="onNext" delay="0">
-                  <p:tgtEl>
-                    <p:sldTgt/>
-                  </p:tgtEl>
-                </p:cond>
-              </p:nextCondLst>
-            </p:seq>
-          </p:childTnLst>
-        </p:cTn>
-      </p:par>
-    </p:tnLst>
-  </p:timing>
+  <mc:AlternateContent>
+    <mc:Choice Requires="p14">
+      <p:transition spd="slow" p14:dur="2000"/>
+    </mc:Choice>
+    <mc:Fallback>
+      <p:transition spd="slow"/>
+    </mc:Fallback>
+  </mc:AlternateContent>
 </p:sld>
 </file>
 
 <file path=ppt/slides/slide6.xml><?xml version="1.0" encoding="utf-8"?>
-<p:sld xmlns:a="http://schemas.openxmlformats.org/drawingml/2006/main" xmlns:r="http://schemas.openxmlformats.org/officeDocument/2006/relationships" xmlns:p="http://schemas.openxmlformats.org/presentationml/2006/main">
+<p:sld xmlns:a="http://schemas.openxmlformats.org/drawingml/2006/main" xmlns:p="http://schemas.openxmlformats.org/presentationml/2006/main" xmlns:r="http://schemas.openxmlformats.org/officeDocument/2006/relationships" xmlns:p14="http://schemas.microsoft.com/office/powerpoint/2010/main" xmlns:p15="http://schemas.microsoft.com/office/powerpoint/2012/main" xmlns:mc="http://schemas.openxmlformats.org/markup-compatibility/2006">
   <p:cSld>
     <p:spTree>
       <p:nvGrpSpPr>
@@ -5585,46 +5470,42 @@
       </p:grpSpPr>
       <p:sp>
         <p:nvSpPr>
-          <p:cNvPr id="83" name="CustomShape 1"/>
+          <p:cNvPr id="88" name="CustomShape 1"/>
           <p:cNvSpPr/>
           <p:nvPr/>
         </p:nvSpPr>
         <p:spPr>
           <a:xfrm>
             <a:off x="311760" y="438840"/>
-            <a:ext cx="8352720" cy="4129560"/>
-          </a:xfrm>
-          <a:prstGeom prst="rect">
-            <a:avLst/>
-          </a:prstGeom>
-          <a:noFill/>
-          <a:ln>
+            <a:ext cx="8352000" cy="4128840"/>
+          </a:xfrm>
+          <a:prstGeom prst="rect">
+            <a:avLst/>
+          </a:prstGeom>
+          <a:noFill/>
+          <a:ln w="0">
             <a:noFill/>
           </a:ln>
         </p:spPr>
         <p:style>
-          <a:lnRef idx="0">
-            <a:scrgbClr r="0" g="0" b="0"/>
-          </a:lnRef>
-          <a:fillRef idx="0">
-            <a:scrgbClr r="0" g="0" b="0"/>
-          </a:fillRef>
-          <a:effectRef idx="0">
-            <a:scrgbClr r="0" g="0" b="0"/>
-          </a:effectRef>
+          <a:lnRef idx="0"/>
+          <a:fillRef idx="0"/>
+          <a:effectRef idx="0"/>
           <a:fontRef idx="minor"/>
         </p:style>
         <p:txBody>
-          <a:bodyPr lIns="90000" tIns="91440" rIns="90000" bIns="91440"/>
-          <a:lstStyle/>
+          <a:bodyPr lIns="90000" rIns="90000" tIns="91440" bIns="91440" anchor="t">
+            <a:noAutofit/>
+          </a:bodyPr>
           <a:p>
             <a:pPr>
               <a:lnSpc>
                 <a:spcPct val="115000"/>
               </a:lnSpc>
-            </a:pPr>
-            <a:r>
-              <a:rPr lang="en-US" sz="1400" b="1" strike="noStrike" spc="-1">
+              <a:buNone/>
+            </a:pPr>
+            <a:r>
+              <a:rPr b="1" lang="en-US" sz="1400" spc="-1" strike="noStrike">
                 <a:solidFill>
                   <a:srgbClr val="595959"/>
                 </a:solidFill>
@@ -5633,7 +5514,7 @@
               </a:rPr>
               <a:t>Part 2: Reflection: compare the loss and accuracy for training and testing set, how does the result compare with Part 1? How to interpret this result?</a:t>
             </a:r>
-            <a:endParaRPr lang="en-US" sz="1400" b="0" strike="noStrike" spc="-1">
+            <a:endParaRPr b="0" lang="en-US" sz="1400" spc="-1" strike="noStrike">
               <a:latin typeface="Arial"/>
             </a:endParaRPr>
           </a:p>
@@ -5648,18 +5529,19 @@
               <a:spcAft>
                 <a:spcPts val="1599"/>
               </a:spcAft>
-            </a:pPr>
-            <a:r>
-              <a:rPr lang="en-US" sz="1400" b="0" strike="noStrike" spc="-1">
+              <a:buNone/>
+            </a:pPr>
+            <a:r>
+              <a:rPr b="0" lang="en-US" sz="1400" spc="-1" strike="noStrike">
                 <a:solidFill>
                   <a:srgbClr val="595959"/>
                 </a:solidFill>
                 <a:latin typeface="Arial"/>
                 <a:ea typeface="Arial"/>
               </a:rPr>
-              <a:t>&lt;Text solution here&gt;</a:t>
-            </a:r>
-            <a:endParaRPr lang="en-US" sz="1400" b="0" strike="noStrike" spc="-1">
+              <a:t>The loss and accuracy for both the training and validation sets were overall fairly similar given the visualizations. This contradicted the part 1 results where performance between the two sets was quite different. The improvement is a result of reduced over-fitting by the addition of dropout layers and augmentation transforms that introduced nonlinear noise to the data. Reducing network bias towards global features in the training set (reduced over-fitting).</a:t>
+            </a:r>
+            <a:endParaRPr b="0" lang="en-US" sz="1400" spc="-1" strike="noStrike">
               <a:latin typeface="Arial"/>
             </a:endParaRPr>
           </a:p>
@@ -5667,41 +5549,19 @@
       </p:sp>
     </p:spTree>
   </p:cSld>
-  <p:clrMapOvr>
-    <a:masterClrMapping/>
-  </p:clrMapOvr>
-  <p:timing>
-    <p:tnLst>
-      <p:par>
-        <p:cTn id="1" dur="indefinite" restart="never" nodeType="tmRoot">
-          <p:childTnLst>
-            <p:seq>
-              <p:cTn id="2" dur="indefinite" nodeType="mainSeq"/>
-              <p:prevCondLst>
-                <p:cond evt="onPrev" delay="0">
-                  <p:tgtEl>
-                    <p:sldTgt/>
-                  </p:tgtEl>
-                </p:cond>
-              </p:prevCondLst>
-              <p:nextCondLst>
-                <p:cond evt="onNext" delay="0">
-                  <p:tgtEl>
-                    <p:sldTgt/>
-                  </p:tgtEl>
-                </p:cond>
-              </p:nextCondLst>
-            </p:seq>
-          </p:childTnLst>
-        </p:cTn>
-      </p:par>
-    </p:tnLst>
-  </p:timing>
+  <mc:AlternateContent>
+    <mc:Choice Requires="p14">
+      <p:transition spd="slow" p14:dur="2000"/>
+    </mc:Choice>
+    <mc:Fallback>
+      <p:transition spd="slow"/>
+    </mc:Fallback>
+  </mc:AlternateContent>
 </p:sld>
 </file>
 
 <file path=ppt/slides/slide7.xml><?xml version="1.0" encoding="utf-8"?>
-<p:sld xmlns:a="http://schemas.openxmlformats.org/drawingml/2006/main" xmlns:r="http://schemas.openxmlformats.org/officeDocument/2006/relationships" xmlns:p="http://schemas.openxmlformats.org/presentationml/2006/main">
+<p:sld xmlns:a="http://schemas.openxmlformats.org/drawingml/2006/main" xmlns:p="http://schemas.openxmlformats.org/presentationml/2006/main" xmlns:r="http://schemas.openxmlformats.org/officeDocument/2006/relationships" xmlns:p14="http://schemas.microsoft.com/office/powerpoint/2010/main" xmlns:p15="http://schemas.microsoft.com/office/powerpoint/2012/main" xmlns:mc="http://schemas.openxmlformats.org/markup-compatibility/2006">
   <p:cSld>
     <p:spTree>
       <p:nvGrpSpPr>
@@ -5719,46 +5579,42 @@
       </p:grpSpPr>
       <p:sp>
         <p:nvSpPr>
-          <p:cNvPr id="84" name="CustomShape 1"/>
+          <p:cNvPr id="89" name="CustomShape 1"/>
           <p:cNvSpPr/>
           <p:nvPr/>
         </p:nvSpPr>
         <p:spPr>
           <a:xfrm>
             <a:off x="311760" y="438840"/>
-            <a:ext cx="8352720" cy="4129560"/>
-          </a:xfrm>
-          <a:prstGeom prst="rect">
-            <a:avLst/>
-          </a:prstGeom>
-          <a:noFill/>
-          <a:ln>
+            <a:ext cx="8352000" cy="4128840"/>
+          </a:xfrm>
+          <a:prstGeom prst="rect">
+            <a:avLst/>
+          </a:prstGeom>
+          <a:noFill/>
+          <a:ln w="0">
             <a:noFill/>
           </a:ln>
         </p:spPr>
         <p:style>
-          <a:lnRef idx="0">
-            <a:scrgbClr r="0" g="0" b="0"/>
-          </a:lnRef>
-          <a:fillRef idx="0">
-            <a:scrgbClr r="0" g="0" b="0"/>
-          </a:fillRef>
-          <a:effectRef idx="0">
-            <a:scrgbClr r="0" g="0" b="0"/>
-          </a:effectRef>
+          <a:lnRef idx="0"/>
+          <a:fillRef idx="0"/>
+          <a:effectRef idx="0"/>
           <a:fontRef idx="minor"/>
         </p:style>
         <p:txBody>
-          <a:bodyPr lIns="90000" tIns="91440" rIns="90000" bIns="91440"/>
-          <a:lstStyle/>
+          <a:bodyPr lIns="90000" rIns="90000" tIns="91440" bIns="91440" anchor="t">
+            <a:noAutofit/>
+          </a:bodyPr>
           <a:p>
             <a:pPr>
               <a:lnSpc>
                 <a:spcPct val="115000"/>
               </a:lnSpc>
-            </a:pPr>
-            <a:r>
-              <a:rPr lang="en-US" sz="1400" b="1" strike="noStrike" spc="-1">
+              <a:buNone/>
+            </a:pPr>
+            <a:r>
+              <a:rPr b="1" lang="en-US" sz="1400" spc="-1" strike="noStrike">
                 <a:solidFill>
                   <a:srgbClr val="595959"/>
                 </a:solidFill>
@@ -5767,7 +5623,7 @@
               </a:rPr>
               <a:t>Part 3: Your Training History Plots</a:t>
             </a:r>
-            <a:endParaRPr lang="en-US" sz="1400" b="0" strike="noStrike" spc="-1">
+            <a:endParaRPr b="0" lang="en-US" sz="1400" spc="-1" strike="noStrike">
               <a:latin typeface="Arial"/>
             </a:endParaRPr>
           </a:p>
@@ -5779,18 +5635,49 @@
               <a:spcBef>
                 <a:spcPts val="1599"/>
               </a:spcBef>
-            </a:pPr>
-            <a:r>
-              <a:rPr lang="en-US" sz="1400" b="0" strike="noStrike" spc="-1">
+              <a:buNone/>
+            </a:pPr>
+            <a:r>
+              <a:rPr b="0" lang="en-US" sz="1400" spc="-1" strike="noStrike">
                 <a:solidFill>
                   <a:srgbClr val="595959"/>
                 </a:solidFill>
                 <a:latin typeface="Arial"/>
                 <a:ea typeface="Arial"/>
               </a:rPr>
-              <a:t>&lt;Loss plot here&gt;				&lt;Accuracy plot here&gt;</a:t>
-            </a:r>
-            <a:endParaRPr lang="en-US" sz="1400" b="0" strike="noStrike" spc="-1">
+              <a:t>	</a:t>
+            </a:r>
+            <a:r>
+              <a:rPr b="0" lang="en-US" sz="1400" spc="-1" strike="noStrike">
+                <a:solidFill>
+                  <a:srgbClr val="595959"/>
+                </a:solidFill>
+                <a:latin typeface="Arial"/>
+                <a:ea typeface="Arial"/>
+              </a:rPr>
+              <a:t>	</a:t>
+            </a:r>
+            <a:r>
+              <a:rPr b="0" lang="en-US" sz="1400" spc="-1" strike="noStrike">
+                <a:solidFill>
+                  <a:srgbClr val="595959"/>
+                </a:solidFill>
+                <a:latin typeface="Arial"/>
+                <a:ea typeface="Arial"/>
+              </a:rPr>
+              <a:t>	</a:t>
+            </a:r>
+            <a:r>
+              <a:rPr b="0" lang="en-US" sz="1400" spc="-1" strike="noStrike">
+                <a:solidFill>
+                  <a:srgbClr val="595959"/>
+                </a:solidFill>
+                <a:latin typeface="Arial"/>
+                <a:ea typeface="Arial"/>
+              </a:rPr>
+              <a:t>	</a:t>
+            </a:r>
+            <a:endParaRPr b="0" lang="en-US" sz="1400" spc="-1" strike="noStrike">
               <a:latin typeface="Arial"/>
             </a:endParaRPr>
           </a:p>
@@ -5802,8 +5689,9 @@
               <a:spcBef>
                 <a:spcPts val="1599"/>
               </a:spcBef>
-            </a:pPr>
-            <a:endParaRPr lang="en-US" sz="1400" b="0" strike="noStrike" spc="-1">
+              <a:buNone/>
+            </a:pPr>
+            <a:endParaRPr b="0" lang="en-US" sz="1400" spc="-1" strike="noStrike">
               <a:latin typeface="Arial"/>
             </a:endParaRPr>
           </a:p>
@@ -5815,8 +5703,9 @@
               <a:spcBef>
                 <a:spcPts val="1599"/>
               </a:spcBef>
-            </a:pPr>
-            <a:endParaRPr lang="en-US" sz="1400" b="0" strike="noStrike" spc="-1">
+              <a:buNone/>
+            </a:pPr>
+            <a:endParaRPr b="0" lang="en-US" sz="1400" spc="-1" strike="noStrike">
               <a:latin typeface="Arial"/>
             </a:endParaRPr>
           </a:p>
@@ -5828,8 +5717,9 @@
               <a:spcBef>
                 <a:spcPts val="1599"/>
               </a:spcBef>
-            </a:pPr>
-            <a:endParaRPr lang="en-US" sz="1400" b="0" strike="noStrike" spc="-1">
+              <a:buNone/>
+            </a:pPr>
+            <a:endParaRPr b="0" lang="en-US" sz="1400" spc="-1" strike="noStrike">
               <a:latin typeface="Arial"/>
             </a:endParaRPr>
           </a:p>
@@ -5841,8 +5731,9 @@
               <a:spcBef>
                 <a:spcPts val="1599"/>
               </a:spcBef>
-            </a:pPr>
-            <a:endParaRPr lang="en-US" sz="1400" b="0" strike="noStrike" spc="-1">
+              <a:buNone/>
+            </a:pPr>
+            <a:endParaRPr b="0" lang="en-US" sz="1400" spc="-1" strike="noStrike">
               <a:latin typeface="Arial"/>
             </a:endParaRPr>
           </a:p>
@@ -5854,8 +5745,9 @@
               <a:spcBef>
                 <a:spcPts val="1599"/>
               </a:spcBef>
-            </a:pPr>
-            <a:endParaRPr lang="en-US" sz="1400" b="0" strike="noStrike" spc="-1">
+              <a:buNone/>
+            </a:pPr>
+            <a:endParaRPr b="0" lang="en-US" sz="1400" spc="-1" strike="noStrike">
               <a:latin typeface="Arial"/>
             </a:endParaRPr>
           </a:p>
@@ -5867,8 +5759,9 @@
               <a:spcBef>
                 <a:spcPts val="1599"/>
               </a:spcBef>
-            </a:pPr>
-            <a:endParaRPr lang="en-US" sz="1400" b="0" strike="noStrike" spc="-1">
+              <a:buNone/>
+            </a:pPr>
+            <a:endParaRPr b="0" lang="en-US" sz="1400" spc="-1" strike="noStrike">
               <a:latin typeface="Arial"/>
             </a:endParaRPr>
           </a:p>
@@ -5880,18 +5773,19 @@
               <a:spcBef>
                 <a:spcPts val="1599"/>
               </a:spcBef>
-            </a:pPr>
-            <a:r>
-              <a:rPr lang="en-US" sz="1400" b="0" strike="noStrike" spc="-1">
+              <a:buNone/>
+            </a:pPr>
+            <a:r>
+              <a:rPr b="0" lang="en-US" sz="1400" spc="-1" strike="noStrike">
                 <a:solidFill>
                   <a:srgbClr val="595959"/>
                 </a:solidFill>
                 <a:latin typeface="Arial"/>
                 <a:ea typeface="Arial"/>
               </a:rPr>
-              <a:t>Final training accuracy value:</a:t>
-            </a:r>
-            <a:endParaRPr lang="en-US" sz="1400" b="0" strike="noStrike" spc="-1">
+              <a:t>Final training accuracy value: 0.9740</a:t>
+            </a:r>
+            <a:endParaRPr b="0" lang="en-US" sz="1400" spc="-1" strike="noStrike">
               <a:latin typeface="Arial"/>
             </a:endParaRPr>
           </a:p>
@@ -5903,18 +5797,19 @@
               <a:spcBef>
                 <a:spcPts val="1599"/>
               </a:spcBef>
-            </a:pPr>
-            <a:r>
-              <a:rPr lang="en-US" sz="1400" b="0" strike="noStrike" spc="-1">
+              <a:buNone/>
+            </a:pPr>
+            <a:r>
+              <a:rPr b="0" lang="en-US" sz="1400" spc="-1" strike="noStrike">
                 <a:solidFill>
                   <a:srgbClr val="595959"/>
                 </a:solidFill>
                 <a:latin typeface="Arial"/>
                 <a:ea typeface="Arial"/>
               </a:rPr>
-              <a:t>Final validation accuracy value:</a:t>
-            </a:r>
-            <a:endParaRPr lang="en-US" sz="1400" b="0" strike="noStrike" spc="-1">
+              <a:t>Final validation accuracy value: 0.8640</a:t>
+            </a:r>
+            <a:endParaRPr b="0" lang="en-US" sz="1400" spc="-1" strike="noStrike">
               <a:latin typeface="Arial"/>
             </a:endParaRPr>
           </a:p>
@@ -5929,50 +5824,75 @@
               <a:spcAft>
                 <a:spcPts val="1599"/>
               </a:spcAft>
-            </a:pPr>
-            <a:endParaRPr lang="en-US" sz="1400" b="0" strike="noStrike" spc="-1">
-              <a:latin typeface="Arial"/>
-            </a:endParaRPr>
-          </a:p>
-        </p:txBody>
-      </p:sp>
+              <a:buNone/>
+            </a:pPr>
+            <a:endParaRPr b="0" lang="en-US" sz="1400" spc="-1" strike="noStrike">
+              <a:latin typeface="Arial"/>
+            </a:endParaRPr>
+          </a:p>
+        </p:txBody>
+      </p:sp>
+      <p:pic>
+        <p:nvPicPr>
+          <p:cNvPr id="90" name="" descr=""/>
+          <p:cNvPicPr/>
+          <p:nvPr/>
+        </p:nvPicPr>
+        <p:blipFill>
+          <a:blip r:embed="rId1"/>
+          <a:stretch/>
+        </p:blipFill>
+        <p:spPr>
+          <a:xfrm>
+            <a:off x="457200" y="914400"/>
+            <a:ext cx="3300840" cy="2637360"/>
+          </a:xfrm>
+          <a:prstGeom prst="rect">
+            <a:avLst/>
+          </a:prstGeom>
+          <a:ln w="0">
+            <a:noFill/>
+          </a:ln>
+        </p:spPr>
+      </p:pic>
+      <p:pic>
+        <p:nvPicPr>
+          <p:cNvPr id="91" name="" descr=""/>
+          <p:cNvPicPr/>
+          <p:nvPr/>
+        </p:nvPicPr>
+        <p:blipFill>
+          <a:blip r:embed="rId2"/>
+          <a:stretch/>
+        </p:blipFill>
+        <p:spPr>
+          <a:xfrm>
+            <a:off x="3886200" y="914400"/>
+            <a:ext cx="3428640" cy="2696400"/>
+          </a:xfrm>
+          <a:prstGeom prst="rect">
+            <a:avLst/>
+          </a:prstGeom>
+          <a:ln w="0">
+            <a:noFill/>
+          </a:ln>
+        </p:spPr>
+      </p:pic>
     </p:spTree>
   </p:cSld>
-  <p:clrMapOvr>
-    <a:masterClrMapping/>
-  </p:clrMapOvr>
-  <p:timing>
-    <p:tnLst>
-      <p:par>
-        <p:cTn id="1" dur="indefinite" restart="never" nodeType="tmRoot">
-          <p:childTnLst>
-            <p:seq>
-              <p:cTn id="2" dur="indefinite" nodeType="mainSeq"/>
-              <p:prevCondLst>
-                <p:cond evt="onPrev" delay="0">
-                  <p:tgtEl>
-                    <p:sldTgt/>
-                  </p:tgtEl>
-                </p:cond>
-              </p:prevCondLst>
-              <p:nextCondLst>
-                <p:cond evt="onNext" delay="0">
-                  <p:tgtEl>
-                    <p:sldTgt/>
-                  </p:tgtEl>
-                </p:cond>
-              </p:nextCondLst>
-            </p:seq>
-          </p:childTnLst>
-        </p:cTn>
-      </p:par>
-    </p:tnLst>
-  </p:timing>
+  <mc:AlternateContent>
+    <mc:Choice Requires="p14">
+      <p:transition spd="slow" p14:dur="2000"/>
+    </mc:Choice>
+    <mc:Fallback>
+      <p:transition spd="slow"/>
+    </mc:Fallback>
+  </mc:AlternateContent>
 </p:sld>
 </file>
 
 <file path=ppt/slides/slide8.xml><?xml version="1.0" encoding="utf-8"?>
-<p:sld xmlns:a="http://schemas.openxmlformats.org/drawingml/2006/main" xmlns:r="http://schemas.openxmlformats.org/officeDocument/2006/relationships" xmlns:p="http://schemas.openxmlformats.org/presentationml/2006/main">
+<p:sld xmlns:a="http://schemas.openxmlformats.org/drawingml/2006/main" xmlns:p="http://schemas.openxmlformats.org/presentationml/2006/main" xmlns:r="http://schemas.openxmlformats.org/officeDocument/2006/relationships" xmlns:p14="http://schemas.microsoft.com/office/powerpoint/2010/main" xmlns:p15="http://schemas.microsoft.com/office/powerpoint/2012/main" xmlns:mc="http://schemas.openxmlformats.org/markup-compatibility/2006">
   <p:cSld>
     <p:spTree>
       <p:nvGrpSpPr>
@@ -5990,46 +5910,42 @@
       </p:grpSpPr>
       <p:sp>
         <p:nvSpPr>
-          <p:cNvPr id="85" name="CustomShape 1"/>
+          <p:cNvPr id="92" name="CustomShape 1"/>
           <p:cNvSpPr/>
           <p:nvPr/>
         </p:nvSpPr>
         <p:spPr>
           <a:xfrm>
             <a:off x="311760" y="438840"/>
-            <a:ext cx="8352720" cy="4129560"/>
-          </a:xfrm>
-          <a:prstGeom prst="rect">
-            <a:avLst/>
-          </a:prstGeom>
-          <a:noFill/>
-          <a:ln>
+            <a:ext cx="8352000" cy="4128840"/>
+          </a:xfrm>
+          <a:prstGeom prst="rect">
+            <a:avLst/>
+          </a:prstGeom>
+          <a:noFill/>
+          <a:ln w="0">
             <a:noFill/>
           </a:ln>
         </p:spPr>
         <p:style>
-          <a:lnRef idx="0">
-            <a:scrgbClr r="0" g="0" b="0"/>
-          </a:lnRef>
-          <a:fillRef idx="0">
-            <a:scrgbClr r="0" g="0" b="0"/>
-          </a:fillRef>
-          <a:effectRef idx="0">
-            <a:scrgbClr r="0" g="0" b="0"/>
-          </a:effectRef>
+          <a:lnRef idx="0"/>
+          <a:fillRef idx="0"/>
+          <a:effectRef idx="0"/>
           <a:fontRef idx="minor"/>
         </p:style>
         <p:txBody>
-          <a:bodyPr lIns="90000" tIns="91440" rIns="90000" bIns="91440"/>
-          <a:lstStyle/>
+          <a:bodyPr lIns="90000" rIns="90000" tIns="91440" bIns="91440" anchor="t">
+            <a:noAutofit/>
+          </a:bodyPr>
           <a:p>
             <a:pPr>
               <a:lnSpc>
                 <a:spcPct val="115000"/>
               </a:lnSpc>
-            </a:pPr>
-            <a:r>
-              <a:rPr lang="en-US" sz="1400" b="1" strike="noStrike" spc="-1">
+              <a:buNone/>
+            </a:pPr>
+            <a:r>
+              <a:rPr b="1" lang="en-US" sz="1400" spc="-1" strike="noStrike">
                 <a:solidFill>
                   <a:srgbClr val="595959"/>
                 </a:solidFill>
@@ -6038,7 +5954,7 @@
               </a:rPr>
               <a:t>Part 3: Reflection: what does fine-tuning a network mean?</a:t>
             </a:r>
-            <a:endParaRPr lang="en-US" sz="1400" b="0" strike="noStrike" spc="-1">
+            <a:endParaRPr b="0" lang="en-US" sz="1400" spc="-1" strike="noStrike">
               <a:latin typeface="Arial"/>
             </a:endParaRPr>
           </a:p>
@@ -6053,18 +5969,19 @@
               <a:spcAft>
                 <a:spcPts val="1599"/>
               </a:spcAft>
-            </a:pPr>
-            <a:r>
-              <a:rPr lang="en-US" sz="1400" b="0" strike="noStrike" spc="-1">
+              <a:buNone/>
+            </a:pPr>
+            <a:r>
+              <a:rPr b="0" lang="en-US" sz="1400" spc="-1" strike="noStrike">
                 <a:solidFill>
                   <a:srgbClr val="595959"/>
                 </a:solidFill>
                 <a:latin typeface="Arial"/>
                 <a:ea typeface="Arial"/>
               </a:rPr>
-              <a:t>&lt;Text solution here&gt;</a:t>
-            </a:r>
-            <a:endParaRPr lang="en-US" sz="1400" b="0" strike="noStrike" spc="-1">
+              <a:t>Taking a pretrained (eg, AlexNet) external model and adjusting layer parameters in respect to current system constraints (15 classes for proj6) and requirements.</a:t>
+            </a:r>
+            <a:endParaRPr b="0" lang="en-US" sz="1400" spc="-1" strike="noStrike">
               <a:latin typeface="Arial"/>
             </a:endParaRPr>
           </a:p>
@@ -6072,41 +5989,19 @@
       </p:sp>
     </p:spTree>
   </p:cSld>
-  <p:clrMapOvr>
-    <a:masterClrMapping/>
-  </p:clrMapOvr>
-  <p:timing>
-    <p:tnLst>
-      <p:par>
-        <p:cTn id="1" dur="indefinite" restart="never" nodeType="tmRoot">
-          <p:childTnLst>
-            <p:seq>
-              <p:cTn id="2" dur="indefinite" nodeType="mainSeq"/>
-              <p:prevCondLst>
-                <p:cond evt="onPrev" delay="0">
-                  <p:tgtEl>
-                    <p:sldTgt/>
-                  </p:tgtEl>
-                </p:cond>
-              </p:prevCondLst>
-              <p:nextCondLst>
-                <p:cond evt="onNext" delay="0">
-                  <p:tgtEl>
-                    <p:sldTgt/>
-                  </p:tgtEl>
-                </p:cond>
-              </p:nextCondLst>
-            </p:seq>
-          </p:childTnLst>
-        </p:cTn>
-      </p:par>
-    </p:tnLst>
-  </p:timing>
+  <mc:AlternateContent>
+    <mc:Choice Requires="p14">
+      <p:transition spd="slow" p14:dur="2000"/>
+    </mc:Choice>
+    <mc:Fallback>
+      <p:transition spd="slow"/>
+    </mc:Fallback>
+  </mc:AlternateContent>
 </p:sld>
 </file>
 
 <file path=ppt/slides/slide9.xml><?xml version="1.0" encoding="utf-8"?>
-<p:sld xmlns:a="http://schemas.openxmlformats.org/drawingml/2006/main" xmlns:r="http://schemas.openxmlformats.org/officeDocument/2006/relationships" xmlns:p="http://schemas.openxmlformats.org/presentationml/2006/main">
+<p:sld xmlns:a="http://schemas.openxmlformats.org/drawingml/2006/main" xmlns:p="http://schemas.openxmlformats.org/presentationml/2006/main" xmlns:r="http://schemas.openxmlformats.org/officeDocument/2006/relationships" xmlns:p14="http://schemas.microsoft.com/office/powerpoint/2010/main" xmlns:p15="http://schemas.microsoft.com/office/powerpoint/2012/main" xmlns:mc="http://schemas.openxmlformats.org/markup-compatibility/2006">
   <p:cSld>
     <p:spTree>
       <p:nvGrpSpPr>
@@ -6124,46 +6019,42 @@
       </p:grpSpPr>
       <p:sp>
         <p:nvSpPr>
-          <p:cNvPr id="86" name="CustomShape 1"/>
+          <p:cNvPr id="93" name="CustomShape 1"/>
           <p:cNvSpPr/>
           <p:nvPr/>
         </p:nvSpPr>
         <p:spPr>
           <a:xfrm>
             <a:off x="311760" y="438840"/>
-            <a:ext cx="8352720" cy="4129560"/>
-          </a:xfrm>
-          <a:prstGeom prst="rect">
-            <a:avLst/>
-          </a:prstGeom>
-          <a:noFill/>
-          <a:ln>
+            <a:ext cx="8352000" cy="4128840"/>
+          </a:xfrm>
+          <a:prstGeom prst="rect">
+            <a:avLst/>
+          </a:prstGeom>
+          <a:noFill/>
+          <a:ln w="0">
             <a:noFill/>
           </a:ln>
         </p:spPr>
         <p:style>
-          <a:lnRef idx="0">
-            <a:scrgbClr r="0" g="0" b="0"/>
-          </a:lnRef>
-          <a:fillRef idx="0">
-            <a:scrgbClr r="0" g="0" b="0"/>
-          </a:fillRef>
-          <a:effectRef idx="0">
-            <a:scrgbClr r="0" g="0" b="0"/>
-          </a:effectRef>
+          <a:lnRef idx="0"/>
+          <a:fillRef idx="0"/>
+          <a:effectRef idx="0"/>
           <a:fontRef idx="minor"/>
         </p:style>
         <p:txBody>
-          <a:bodyPr lIns="90000" tIns="91440" rIns="90000" bIns="91440"/>
-          <a:lstStyle/>
+          <a:bodyPr lIns="90000" rIns="90000" tIns="91440" bIns="91440" anchor="t">
+            <a:noAutofit/>
+          </a:bodyPr>
           <a:p>
             <a:pPr>
               <a:lnSpc>
                 <a:spcPct val="115000"/>
               </a:lnSpc>
-            </a:pPr>
-            <a:r>
-              <a:rPr lang="en-US" sz="1400" b="1" strike="noStrike" spc="-1">
+              <a:buNone/>
+            </a:pPr>
+            <a:r>
+              <a:rPr b="1" lang="en-US" sz="1400" spc="-1" strike="noStrike">
                 <a:solidFill>
                   <a:srgbClr val="595959"/>
                 </a:solidFill>
@@ -6172,7 +6063,7 @@
               </a:rPr>
               <a:t>Part 3: Reflection: why do we want to “freeze” the conv layers and some of the linear layers in pretrained AlexNet? Why CAN we do this?</a:t>
             </a:r>
-            <a:endParaRPr lang="en-US" sz="1400" b="0" strike="noStrike" spc="-1">
+            <a:endParaRPr b="0" lang="en-US" sz="1400" spc="-1" strike="noStrike">
               <a:latin typeface="Arial"/>
             </a:endParaRPr>
           </a:p>
@@ -6187,18 +6078,19 @@
               <a:spcAft>
                 <a:spcPts val="1599"/>
               </a:spcAft>
-            </a:pPr>
-            <a:r>
-              <a:rPr lang="en-US" sz="1400" b="0" strike="noStrike" spc="-1">
+              <a:buNone/>
+            </a:pPr>
+            <a:r>
+              <a:rPr b="0" lang="en-US" sz="1400" spc="-1" strike="noStrike">
                 <a:solidFill>
                   <a:srgbClr val="595959"/>
                 </a:solidFill>
                 <a:latin typeface="Arial"/>
                 <a:ea typeface="Arial"/>
               </a:rPr>
-              <a:t>&lt;Text solution here&gt;</a:t>
-            </a:r>
-            <a:endParaRPr lang="en-US" sz="1400" b="0" strike="noStrike" spc="-1">
+              <a:t>AlexNet was trained on a large dataset for a independent classes, and the parameters are generally tuned well enough for our purposes. Thus we do not to further optimize the pretrained model.</a:t>
+            </a:r>
+            <a:endParaRPr b="0" lang="en-US" sz="1400" spc="-1" strike="noStrike">
               <a:latin typeface="Arial"/>
             </a:endParaRPr>
           </a:p>
@@ -6206,36 +6098,14 @@
       </p:sp>
     </p:spTree>
   </p:cSld>
-  <p:clrMapOvr>
-    <a:masterClrMapping/>
-  </p:clrMapOvr>
-  <p:timing>
-    <p:tnLst>
-      <p:par>
-        <p:cTn id="1" dur="indefinite" restart="never" nodeType="tmRoot">
-          <p:childTnLst>
-            <p:seq>
-              <p:cTn id="2" dur="indefinite" nodeType="mainSeq"/>
-              <p:prevCondLst>
-                <p:cond evt="onPrev" delay="0">
-                  <p:tgtEl>
-                    <p:sldTgt/>
-                  </p:tgtEl>
-                </p:cond>
-              </p:prevCondLst>
-              <p:nextCondLst>
-                <p:cond evt="onNext" delay="0">
-                  <p:tgtEl>
-                    <p:sldTgt/>
-                  </p:tgtEl>
-                </p:cond>
-              </p:nextCondLst>
-            </p:seq>
-          </p:childTnLst>
-        </p:cTn>
-      </p:par>
-    </p:tnLst>
-  </p:timing>
+  <mc:AlternateContent>
+    <mc:Choice Requires="p14">
+      <p:transition spd="slow" p14:dur="2000"/>
+    </mc:Choice>
+    <mc:Fallback>
+      <p:transition spd="slow"/>
+    </mc:Fallback>
+  </mc:AlternateContent>
 </p:sld>
 </file>
 
@@ -6253,31 +6123,31 @@
         <a:srgbClr val="595959"/>
       </a:dk2>
       <a:lt2>
-        <a:srgbClr val="EEEEEE"/>
+        <a:srgbClr val="eeeeee"/>
       </a:lt2>
       <a:accent1>
-        <a:srgbClr val="FFAB40"/>
+        <a:srgbClr val="ffab40"/>
       </a:accent1>
       <a:accent2>
         <a:srgbClr val="212121"/>
       </a:accent2>
       <a:accent3>
-        <a:srgbClr val="78909C"/>
+        <a:srgbClr val="78909c"/>
       </a:accent3>
       <a:accent4>
-        <a:srgbClr val="FFAB40"/>
+        <a:srgbClr val="ffab40"/>
       </a:accent4>
       <a:accent5>
-        <a:srgbClr val="0097A7"/>
+        <a:srgbClr val="0097a7"/>
       </a:accent5>
       <a:accent6>
-        <a:srgbClr val="EEFF41"/>
+        <a:srgbClr val="eeff41"/>
       </a:accent6>
       <a:hlink>
-        <a:srgbClr val="0097A7"/>
+        <a:srgbClr val="0097a7"/>
       </a:hlink>
       <a:folHlink>
-        <a:srgbClr val="0097A7"/>
+        <a:srgbClr val="0097a7"/>
       </a:folHlink>
     </a:clrScheme>
     <a:fontScheme name="Office">
@@ -6353,18 +6223,21 @@
             </a:schemeClr>
           </a:solidFill>
           <a:prstDash val="solid"/>
+          <a:miter/>
         </a:ln>
         <a:ln w="25400" cap="flat" cmpd="sng" algn="ctr">
           <a:solidFill>
             <a:schemeClr val="phClr"/>
           </a:solidFill>
           <a:prstDash val="solid"/>
+          <a:miter/>
         </a:ln>
         <a:ln w="38100" cap="flat" cmpd="sng" algn="ctr">
           <a:solidFill>
             <a:schemeClr val="phClr"/>
           </a:solidFill>
           <a:prstDash val="solid"/>
+          <a:miter/>
         </a:ln>
       </a:lnStyleLst>
       <a:effectStyleLst>
@@ -6459,8 +6332,6 @@
       </a:bgFillStyleLst>
     </a:fmtScheme>
   </a:themeElements>
-  <a:objectDefaults/>
-  <a:extraClrSchemeLst/>
 </a:theme>
 </file>
 
@@ -6478,31 +6349,31 @@
         <a:srgbClr val="595959"/>
       </a:dk2>
       <a:lt2>
-        <a:srgbClr val="EEEEEE"/>
+        <a:srgbClr val="eeeeee"/>
       </a:lt2>
       <a:accent1>
-        <a:srgbClr val="FFAB40"/>
+        <a:srgbClr val="ffab40"/>
       </a:accent1>
       <a:accent2>
         <a:srgbClr val="212121"/>
       </a:accent2>
       <a:accent3>
-        <a:srgbClr val="78909C"/>
+        <a:srgbClr val="78909c"/>
       </a:accent3>
       <a:accent4>
-        <a:srgbClr val="FFAB40"/>
+        <a:srgbClr val="ffab40"/>
       </a:accent4>
       <a:accent5>
-        <a:srgbClr val="0097A7"/>
+        <a:srgbClr val="0097a7"/>
       </a:accent5>
       <a:accent6>
-        <a:srgbClr val="EEFF41"/>
+        <a:srgbClr val="eeff41"/>
       </a:accent6>
       <a:hlink>
-        <a:srgbClr val="0097A7"/>
+        <a:srgbClr val="0097a7"/>
       </a:hlink>
       <a:folHlink>
-        <a:srgbClr val="0097A7"/>
+        <a:srgbClr val="0097a7"/>
       </a:folHlink>
     </a:clrScheme>
     <a:fontScheme name="Office">
@@ -6578,18 +6449,21 @@
             </a:schemeClr>
           </a:solidFill>
           <a:prstDash val="solid"/>
+          <a:miter/>
         </a:ln>
         <a:ln w="25400" cap="flat" cmpd="sng" algn="ctr">
           <a:solidFill>
             <a:schemeClr val="phClr"/>
           </a:solidFill>
           <a:prstDash val="solid"/>
+          <a:miter/>
         </a:ln>
         <a:ln w="38100" cap="flat" cmpd="sng" algn="ctr">
           <a:solidFill>
             <a:schemeClr val="phClr"/>
           </a:solidFill>
           <a:prstDash val="solid"/>
+          <a:miter/>
         </a:ln>
       </a:lnStyleLst>
       <a:effectStyleLst>
@@ -6684,7 +6558,5 @@
       </a:bgFillStyleLst>
     </a:fmtScheme>
   </a:themeElements>
-  <a:objectDefaults/>
-  <a:extraClrSchemeLst/>
 </a:theme>
 </file>